--- a/presentation/AndroidDeveloper101Workshop-October6-Nitrodroid-2012-MindStormSoftware.pptx
+++ b/presentation/AndroidDeveloper101Workshop-October6-Nitrodroid-2012-MindStormSoftware.pptx
@@ -5,7 +5,7 @@
     <p:sldMasterId id="2147483804" r:id="rId1"/>
   </p:sldMasterIdLst>
   <p:notesMasterIdLst>
-    <p:notesMasterId r:id="rId88"/>
+    <p:notesMasterId r:id="rId87"/>
   </p:notesMasterIdLst>
   <p:sldIdLst>
     <p:sldId id="257" r:id="rId2"/>
@@ -75,25 +75,24 @@
     <p:sldId id="506" r:id="rId66"/>
     <p:sldId id="509" r:id="rId67"/>
     <p:sldId id="511" r:id="rId68"/>
-    <p:sldId id="441" r:id="rId69"/>
-    <p:sldId id="461" r:id="rId70"/>
-    <p:sldId id="481" r:id="rId71"/>
-    <p:sldId id="482" r:id="rId72"/>
-    <p:sldId id="483" r:id="rId73"/>
-    <p:sldId id="484" r:id="rId74"/>
-    <p:sldId id="485" r:id="rId75"/>
-    <p:sldId id="487" r:id="rId76"/>
-    <p:sldId id="486" r:id="rId77"/>
-    <p:sldId id="491" r:id="rId78"/>
-    <p:sldId id="311" r:id="rId79"/>
-    <p:sldId id="514" r:id="rId80"/>
-    <p:sldId id="515" r:id="rId81"/>
-    <p:sldId id="516" r:id="rId82"/>
-    <p:sldId id="517" r:id="rId83"/>
-    <p:sldId id="519" r:id="rId84"/>
-    <p:sldId id="518" r:id="rId85"/>
-    <p:sldId id="355" r:id="rId86"/>
-    <p:sldId id="346" r:id="rId87"/>
+    <p:sldId id="461" r:id="rId69"/>
+    <p:sldId id="481" r:id="rId70"/>
+    <p:sldId id="482" r:id="rId71"/>
+    <p:sldId id="483" r:id="rId72"/>
+    <p:sldId id="484" r:id="rId73"/>
+    <p:sldId id="485" r:id="rId74"/>
+    <p:sldId id="487" r:id="rId75"/>
+    <p:sldId id="486" r:id="rId76"/>
+    <p:sldId id="491" r:id="rId77"/>
+    <p:sldId id="311" r:id="rId78"/>
+    <p:sldId id="514" r:id="rId79"/>
+    <p:sldId id="515" r:id="rId80"/>
+    <p:sldId id="516" r:id="rId81"/>
+    <p:sldId id="517" r:id="rId82"/>
+    <p:sldId id="519" r:id="rId83"/>
+    <p:sldId id="518" r:id="rId84"/>
+    <p:sldId id="355" r:id="rId85"/>
+    <p:sldId id="346" r:id="rId86"/>
   </p:sldIdLst>
   <p:sldSz cx="9144000" cy="6858000" type="screen4x3"/>
   <p:notesSz cx="6858000" cy="9144000"/>
@@ -4763,7 +4762,7 @@
             <a:fld id="{D5DBC080-8F06-40DC-9FC5-55CC87FC9076}" type="slidenum">
               <a:rPr lang="en-US" smtClean="0"/>
               <a:pPr/>
-              <a:t>70</a:t>
+              <a:t>69</a:t>
             </a:fld>
             <a:endParaRPr lang="en-US"/>
           </a:p>
@@ -4845,7 +4844,7 @@
             <a:fld id="{D5DBC080-8F06-40DC-9FC5-55CC87FC9076}" type="slidenum">
               <a:rPr lang="en-US" smtClean="0"/>
               <a:pPr/>
-              <a:t>78</a:t>
+              <a:t>77</a:t>
             </a:fld>
             <a:endParaRPr lang="en-US"/>
           </a:p>
@@ -24831,160 +24830,6 @@
           <a:p>
             <a:pPr algn="ctr"/>
             <a:r>
-              <a:rPr lang="en-US" dirty="0" smtClean="0"/>
-              <a:t>Android Activities - Examples</a:t>
-            </a:r>
-            <a:endParaRPr lang="en-IN" dirty="0"/>
-          </a:p>
-        </p:txBody>
-      </p:sp>
-      <p:sp>
-        <p:nvSpPr>
-          <p:cNvPr id="3" name="Date Placeholder 2"/>
-          <p:cNvSpPr>
-            <a:spLocks noGrp="1"/>
-          </p:cNvSpPr>
-          <p:nvPr>
-            <p:ph type="dt" sz="half" idx="10"/>
-          </p:nvPr>
-        </p:nvSpPr>
-        <p:spPr/>
-        <p:txBody>
-          <a:bodyPr/>
-          <a:lstStyle/>
-          <a:p>
-            <a:r>
-              <a:rPr lang="en-US" smtClean="0"/>
-              <a:t>2011-2012</a:t>
-            </a:r>
-            <a:endParaRPr lang="en-US" dirty="0"/>
-          </a:p>
-        </p:txBody>
-      </p:sp>
-      <p:sp>
-        <p:nvSpPr>
-          <p:cNvPr id="4" name="Content Placeholder 3"/>
-          <p:cNvSpPr>
-            <a:spLocks noGrp="1"/>
-          </p:cNvSpPr>
-          <p:nvPr>
-            <p:ph sz="quarter" idx="1"/>
-          </p:nvPr>
-        </p:nvSpPr>
-        <p:spPr/>
-        <p:txBody>
-          <a:bodyPr/>
-          <a:lstStyle/>
-          <a:p>
-            <a:r>
-              <a:rPr lang="en-US" dirty="0" smtClean="0"/>
-              <a:t>Sample Projects</a:t>
-            </a:r>
-          </a:p>
-          <a:p>
-            <a:pPr lvl="1"/>
-            <a:r>
-              <a:rPr lang="en-US" dirty="0" smtClean="0"/>
-              <a:t>Multiple Activities : </a:t>
-            </a:r>
-            <a:r>
-              <a:rPr lang="en-US" b="1" dirty="0" err="1" smtClean="0"/>
-              <a:t>MultipleActivities</a:t>
-            </a:r>
-            <a:endParaRPr lang="en-US" dirty="0" smtClean="0"/>
-          </a:p>
-          <a:p>
-            <a:pPr lvl="1"/>
-            <a:r>
-              <a:rPr lang="en-US" dirty="0" smtClean="0"/>
-              <a:t>Implicit Intents : </a:t>
-            </a:r>
-            <a:r>
-              <a:rPr lang="en-US" b="1" dirty="0" err="1" smtClean="0"/>
-              <a:t>BuiltInIntents</a:t>
-            </a:r>
-            <a:endParaRPr lang="en-US" dirty="0" smtClean="0"/>
-          </a:p>
-          <a:p>
-            <a:endParaRPr lang="en-IN" dirty="0"/>
-          </a:p>
-        </p:txBody>
-      </p:sp>
-      <p:sp>
-        <p:nvSpPr>
-          <p:cNvPr id="5" name="Slide Number Placeholder 4"/>
-          <p:cNvSpPr>
-            <a:spLocks noGrp="1"/>
-          </p:cNvSpPr>
-          <p:nvPr>
-            <p:ph type="sldNum" sz="quarter" idx="12"/>
-          </p:nvPr>
-        </p:nvSpPr>
-        <p:spPr/>
-        <p:txBody>
-          <a:bodyPr>
-            <a:normAutofit fontScale="85000" lnSpcReduction="20000"/>
-          </a:bodyPr>
-          <a:lstStyle/>
-          <a:p>
-            <a:fld id="{F2BF1754-4D2F-46D8-A35A-EF7FA01DA8F5}" type="slidenum">
-              <a:rPr lang="en-US" smtClean="0"/>
-              <a:pPr/>
-              <a:t>68</a:t>
-            </a:fld>
-            <a:endParaRPr lang="en-US" dirty="0"/>
-          </a:p>
-        </p:txBody>
-      </p:sp>
-    </p:spTree>
-  </p:cSld>
-  <p:clrMapOvr>
-    <a:masterClrMapping/>
-  </p:clrMapOvr>
-  <p:timing>
-    <p:tnLst>
-      <p:par>
-        <p:cTn id="1" dur="indefinite" restart="never" nodeType="tmRoot"/>
-      </p:par>
-    </p:tnLst>
-  </p:timing>
-</p:sld>
-</file>
-
-<file path=ppt/slides/slide69.xml><?xml version="1.0" encoding="utf-8"?>
-<p:sld xmlns:a="http://schemas.openxmlformats.org/drawingml/2006/main" xmlns:r="http://schemas.openxmlformats.org/officeDocument/2006/relationships" xmlns:p="http://schemas.openxmlformats.org/presentationml/2006/main">
-  <p:cSld>
-    <p:spTree>
-      <p:nvGrpSpPr>
-        <p:cNvPr id="1" name=""/>
-        <p:cNvGrpSpPr/>
-        <p:nvPr/>
-      </p:nvGrpSpPr>
-      <p:grpSpPr>
-        <a:xfrm>
-          <a:off x="0" y="0"/>
-          <a:ext cx="0" cy="0"/>
-          <a:chOff x="0" y="0"/>
-          <a:chExt cx="0" cy="0"/>
-        </a:xfrm>
-      </p:grpSpPr>
-      <p:sp>
-        <p:nvSpPr>
-          <p:cNvPr id="2" name="Title 1"/>
-          <p:cNvSpPr>
-            <a:spLocks noGrp="1"/>
-          </p:cNvSpPr>
-          <p:nvPr>
-            <p:ph type="title"/>
-          </p:nvPr>
-        </p:nvSpPr>
-        <p:spPr/>
-        <p:txBody>
-          <a:bodyPr/>
-          <a:lstStyle/>
-          <a:p>
-            <a:pPr algn="ctr"/>
-            <a:r>
               <a:rPr lang="en-US" b="1" dirty="0" smtClean="0"/>
               <a:t>Hands On Exercise</a:t>
             </a:r>
@@ -25086,7 +24931,7 @@
             <a:fld id="{F2BF1754-4D2F-46D8-A35A-EF7FA01DA8F5}" type="slidenum">
               <a:rPr lang="en-US" smtClean="0"/>
               <a:pPr/>
-              <a:t>69</a:t>
+              <a:t>68</a:t>
             </a:fld>
             <a:endParaRPr lang="en-US" dirty="0"/>
           </a:p>
@@ -25133,6 +24978,218 @@
 </p:sld>
 </file>
 
+<file path=ppt/slides/slide69.xml><?xml version="1.0" encoding="utf-8"?>
+<p:sld xmlns:a="http://schemas.openxmlformats.org/drawingml/2006/main" xmlns:r="http://schemas.openxmlformats.org/officeDocument/2006/relationships" xmlns:p="http://schemas.openxmlformats.org/presentationml/2006/main">
+  <p:cSld>
+    <p:spTree>
+      <p:nvGrpSpPr>
+        <p:cNvPr id="1" name=""/>
+        <p:cNvGrpSpPr/>
+        <p:nvPr/>
+      </p:nvGrpSpPr>
+      <p:grpSpPr>
+        <a:xfrm>
+          <a:off x="0" y="0"/>
+          <a:ext cx="0" cy="0"/>
+          <a:chOff x="0" y="0"/>
+          <a:chExt cx="0" cy="0"/>
+        </a:xfrm>
+      </p:grpSpPr>
+      <p:sp>
+        <p:nvSpPr>
+          <p:cNvPr id="4" name="Date Placeholder 3"/>
+          <p:cNvSpPr>
+            <a:spLocks noGrp="1"/>
+          </p:cNvSpPr>
+          <p:nvPr>
+            <p:ph type="dt" sz="half" idx="10"/>
+          </p:nvPr>
+        </p:nvSpPr>
+        <p:spPr/>
+        <p:txBody>
+          <a:bodyPr/>
+          <a:lstStyle/>
+          <a:p>
+            <a:r>
+              <a:rPr lang="en-US" smtClean="0"/>
+              <a:t>2011-2012</a:t>
+            </a:r>
+            <a:endParaRPr lang="en-US" dirty="0"/>
+          </a:p>
+        </p:txBody>
+      </p:sp>
+      <p:sp>
+        <p:nvSpPr>
+          <p:cNvPr id="5" name="Slide Number Placeholder 4"/>
+          <p:cNvSpPr>
+            <a:spLocks noGrp="1"/>
+          </p:cNvSpPr>
+          <p:nvPr>
+            <p:ph type="sldNum" sz="quarter" idx="12"/>
+          </p:nvPr>
+        </p:nvSpPr>
+        <p:spPr/>
+        <p:txBody>
+          <a:bodyPr>
+            <a:normAutofit fontScale="85000" lnSpcReduction="20000"/>
+          </a:bodyPr>
+          <a:lstStyle/>
+          <a:p>
+            <a:fld id="{F2BF1754-4D2F-46D8-A35A-EF7FA01DA8F5}" type="slidenum">
+              <a:rPr lang="en-US" smtClean="0"/>
+              <a:pPr/>
+              <a:t>69</a:t>
+            </a:fld>
+            <a:endParaRPr lang="en-US" dirty="0"/>
+          </a:p>
+        </p:txBody>
+      </p:sp>
+      <p:sp>
+        <p:nvSpPr>
+          <p:cNvPr id="6" name="TextBox 5"/>
+          <p:cNvSpPr txBox="1"/>
+          <p:nvPr/>
+        </p:nvSpPr>
+        <p:spPr>
+          <a:xfrm>
+            <a:off x="2210843" y="1668959"/>
+            <a:ext cx="4674613" cy="2123658"/>
+          </a:xfrm>
+          <a:prstGeom prst="rect">
+            <a:avLst/>
+          </a:prstGeom>
+          <a:noFill/>
+        </p:spPr>
+        <p:txBody>
+          <a:bodyPr wrap="none" rtlCol="0">
+            <a:spAutoFit/>
+          </a:bodyPr>
+          <a:lstStyle/>
+          <a:p>
+            <a:pPr algn="ctr"/>
+            <a:r>
+              <a:rPr lang="en-US" sz="4400" dirty="0" smtClean="0"/>
+              <a:t>Building a </a:t>
+            </a:r>
+            <a:br>
+              <a:rPr lang="en-US" sz="4400" dirty="0" smtClean="0"/>
+            </a:br>
+            <a:r>
+              <a:rPr lang="en-US" sz="4400" dirty="0" smtClean="0"/>
+              <a:t>Complete </a:t>
+            </a:r>
+            <a:br>
+              <a:rPr lang="en-US" sz="4400" dirty="0" smtClean="0"/>
+            </a:br>
+            <a:r>
+              <a:rPr lang="en-US" sz="4400" dirty="0" smtClean="0"/>
+              <a:t>Android Application</a:t>
+            </a:r>
+            <a:endParaRPr lang="en-IN" sz="4400" dirty="0"/>
+          </a:p>
+        </p:txBody>
+      </p:sp>
+      <p:pic>
+        <p:nvPicPr>
+          <p:cNvPr id="10" name="Picture 6" descr="Android robot.svg"/>
+          <p:cNvPicPr>
+            <a:picLocks noChangeAspect="1" noChangeArrowheads="1"/>
+          </p:cNvPicPr>
+          <p:nvPr/>
+        </p:nvPicPr>
+        <p:blipFill>
+          <a:blip r:embed="rId3" cstate="print"/>
+          <a:srcRect/>
+          <a:stretch>
+            <a:fillRect/>
+          </a:stretch>
+        </p:blipFill>
+        <p:spPr bwMode="auto">
+          <a:xfrm>
+            <a:off x="4191000" y="4724400"/>
+            <a:ext cx="721448" cy="857251"/>
+          </a:xfrm>
+          <a:prstGeom prst="rect">
+            <a:avLst/>
+          </a:prstGeom>
+          <a:noFill/>
+        </p:spPr>
+      </p:pic>
+      <p:sp>
+        <p:nvSpPr>
+          <p:cNvPr id="82946" name="AutoShape 2" descr="data:image/jpg;base64,/9j/4AAQSkZJRgABAQAAAQABAAD/2wCEAAkGBg8PDw0PDQ4NDQ0NEA0NDAwNDA4MDQwNFBAVFBQQEhIXHCYeFxkjGRISHy8gIycpLCwsFR4xNTAqNSYrLCkBCQoKDgwOGA8PFykdHBwpKSktKSkpKSosKS8pKSkpLCkpLCksLCkpKSktKSwqKSkpLDUpKSksKSkpKSkpKSkpKf/AABEIALYBFQMBIgACEQEDEQH/xAAbAAACAgMBAAAAAAAAAAAAAAACAwAEAQUGB//EADsQAAICAQIEAgYHBwQDAAAAAAABAgMRBAUGEiExE3EiMkFRYbEUIzM0coGRByRSYsHR8BVCgqFDk+H/xAAaAQADAQEBAQAAAAAAAAAAAAABAgMEAAUG/8QAMxEAAgIBAwAHBgQHAAAAAAAAAAECEQMSITEEQWGBkbHwEyIyUXHBM1Kh4QVCQ2JygtH/2gAMAwEAAhEDEQA/ANrFDIoxFDFE+kbPlEjMUOigIxGxRNlkgooZFGIoZFCMokEkHExFDEhGOkRINIiQaQrY5hBIyomcCjUYMpGUglEAaMYJgJIzg4IGCYDwTBxwsw0McQWjjqAaAkhrQEkEDQqSFyHNC5IZMRimKkh8kLkhxGhUkKkhzQuQyAV7YJ90Ubqmm8P8mbCaK1qHiTmtjQbntFFyfjVpP+NLD/VHHbrwXOLbol4iSzyvpLH9T0WyJSup93Ty7foGeGGT4kLDpGTF8L2+R5DfppQbjOLi13TWGhOD07cNDXamrq1L3SS6ryfdHJbnws45lQ+eP8LfpL+552XoU47x3X6np4f4hjntP3X+hzmTJmytxbUk013TWGiGA9Gz3+KGRiYihsUfQM+ZSMxQ2KBihsUIyqQUYhxRIoZFCNjpGYoNIwg0hGyiMqIaREjKQoyREgsESCwAYxgJIzgzgWxqMYJgLBnAA0BggeCYOOoDALQzBjAQUKaBaHNANBTAJaFyQ9oXKIyFaESQuSHyiLkh0xGIkhckPkhMkOhGImitai3JFaxFEJIp2IqWou2oqWotEyyKFyNffWvJmyuKF5VGWbo1Gq0UJvM64zfvaRC5YYJvFFvgrHpE0qTfiz0GKGRQCGxIM1oOKGxQuKGxEZVBxGRRr9XuMausmkTRbxCx4i0waJVZyyRur3Nog0gYjESZZGUEkYQaQo5lILBEjKEGSIkEkYwEgDEwTARMHBMYMYDwTBxwvBjAxow0ccLwC0MwC0EVipIW0NkBJDIRiZIVIdJC5DoRiZCZofIVIdCMrzRXsRZmV5lUTkVLUU7S9Yinai0TNMoXIoXI2NyKNyLoxzRRsRApkAxEd/FDYi4oZExs9VDYjELiMQjKI4/jWbUHh4NbwTY3Pq2/z+JsOOPUZrOBn6f+e8snul2GZJVJ/wByPT4dkNRSnroRXVoR/r9S6cy/VGbRJ9Rs9pFcs26DRraN4rl2kv1NhXapdnknKLXJWMlLhjEDbcorLCTKG7aiKrl1XZgirdDSlSsGjiCqc3BSTkujWTaweUmeQ7Bb+/S69OZ+34nrdE1yx6+xFMsFHglgyOXxDhT1cE8NrIc30Z5lxDr7I6+uMZyUcron0Exw18j5cjhVHp6eexkrbdLNcc+4skns6LLdWYMGWYOOBYLDYDCABoXJDJC5DoRipIXJDZGk3DflXqKtOoc0rPan6qKRVkpSS5NjITMdNmu0W5138/htvw5OEsrHUZIVsbNFaZamVrCiJsrzKVqLthUtLRM8yjaijcX7ijcXiY8hSn3MBzXUwMRO+ihkQIjImFnsIZEZFARGImyiOL459RnJ7JuDqfo9/gdZx16jOc4V29W2rKz1K76418jOknDIn80b+rS6nVPLbjFlxcGTa6zlnzOu0OkjCKSS7FxIEukO9hodEjXvcnme4bHqNN6cJyaRf4W4rlKarsfXsdlulClXLK9h5PD6vW+j09L+oynrW/0FeP2Utvlfgey83NDK9qOI4i0Orbm4z9D+HB2W1yzXHyMbtFeFLp7GZ8ctEqNWXGskLZ4xt8bVfiHrpno2wrWcy8XHJhYwmchsEf3+X4mevaeC5Y9F2Q85aI1zdiY4+0alxSXkaLiHUamEfqFl/E8u3TU3/SFKxfWJ9Ee42QTTykeVcUVr6fUse1fMXFLUqWw2WOmWp73fkb7h7fNXJ1wnU1B/78nUbvuLopdmM4WWhu1aeHhQ9FdvcUOMF+62fhfyFbU8iVDKMseNuzV7Vx3XbGUp+hjPRtFXU8d2NvwaLJxX+7GEzluDNl+k3PmzyRfVexnq1G1VQioqEe2OwzeOO7W7FUckm0pbI5bbeP4SkoXxlVJ9PS6L9Tq67lNKUXlP2nNcX8LV2VSnXFRnFNppFT9n27SnCVNjzKp4698AlGMlqiNGUoy0yOl3Pc69PHnteI+8DQblXqIc9T5o9soVxBsy1dXht8ufaK2DZfolXh83Mst5FSjp7Qty1dhfmzjdtf0jcr7e8aVyR8zqN21Hh02TfTlizn+CNM/Bna/WunKX5ZKQ2i2TybySNtvOqVVFs/4YyNRwlRyaWLfSVrlY/e8snG9z8GFUfWunGGPhk1vFdUqKdLOuUoqpwjJRbSa+Iy4Fe8tvXqzqZMr2FXcdby6WdqePq+ZP4tGi4N3Wy6u1Wzc5wksOXflaDsnQHbVm/sKlpqNTutzt1qrkuXTwTinHPp+3/pMP/Vn9D+kdHJVub9zkv/pVNEZJv18yxcilYhVe8c2l+kuKyoyk4p9MptYE0bh4kpxcXGUY1z6vKanHJSM47b8meeOSvbgzNEEafWRtipxzjMl175TwZKJpq0Z5LS2nyj0GIyIuI2JiZ6yGRGICIaEY6OL459Q13Ai9P/PebLjj1Wa7gX1/895brX0My4l/kvI9Oh2GRAgMRkZ6CEa/7OXkeR3fff8Akvmeua/7OXkeR3fff+X9S+LjvRkzfH/qz17afsoeSM7r9lLyZjafsoeSC3X7KXk/kQ/n7zV/T7jy7Yfv8vxS+Z69R6sfJHkexL9/l+JnrtHqx8kU6R1d5LonHh5Bz7M8r4pX7/V5r5nqkuzPK+Kvv9XmvmL0fl93mN0nq7/Jnpm1/ZQ8ka3jD7tZ+GXyNjtb+qh5I13F/wB2s/DL5CQ/E7ymT8F/Q5j9mUVib9vMz0E8u/ZzuUYWzrk0svKPUFJPsHLyn2HYeGu0ra+Oa559zPO+CXjXalLtn+p3m+a2NVNkpPHRnEfs907nffc10k+j/MbHtB+uonk3ml65PQGLkHbYorMml5io2xl1i0/ImizOY471XLp1XH1rZKK/Nmy2nSqqiqC9kV+uDQ76/H3DT0rrGr05LyOpl0XwSND2ikZVvJs5Ldn4246ervGlOyXn7C7xZpfE0ly9sVzL8ilw6vF1esvfZS8OL+COg1VXNCcX2lGS/VDPmhVxZxet1vPtVSz6Vnh1fnnDM7bUtPrrK+0bKITXnHuarRWOVlGjf/j1M5NfyrqbTi23wL9Pf7OWyuT84vByaq/l6fmBp3S7f28ibDX4i1lj/wDNbOPnFLH9TUQm/oEqvb9I8DHwdmfkdDw5Ry6WrPeadj85PJz1sca16f2S1MNQvJQbYXwu3bxAuX2b+Aqxcml1VC/26jwYr4TnFr+o3V/V6ib9ktLJ/nW/7MDXLGu8L2W20X/D0ISz/wBpE4m9FVyXeXi0/wDshhf9oHCb/L9m/swVc4x/Mm/FL7oRslbjCdf8LjLr/PXGXzyQTueu+j3S6PFkK+38uY/2MDR6RDEtD6hZdEyZn7SK+Kn/ANPWIjYiosZEVlEOiGhcRiEZRHHcbxbh0+JruB4NT6/51O2121Ru6SWQdv2OFTzFJFdUavsogoStrqbs3EBqFxGIys3ITrl9XLyPJ79PL6b6rxz+74nr84ZWCl/olXNzYWffgpjmorcjlxOTtfTxLG0r6qPkM11XNCS+A2qCisIYiLlvZoUfdo8g1Wmu0uqlYoSa5m00s9DuNh4pdzUHGSaS7pm+u2yufrRX6Eo2quDzGK/QtLLGSpozQwThLZ7F1dV5nnHG+zXO6N1UXLl74PSEBZRGXrJMhjnoZpyY9aOJ4c4kvfJVOmcfZzY6G94qedLN/wAsvkbWGirTyorJrOLPu1n4ZfIqpqWRNKiLhKGKSbs8y4c2Oy7mspk4zg3hr3nRw4k19C5J0Sm10Uo9mF+zTtZ+JneT08H3in+Q8pqPutWJHG5+8nTPNNTDX7jJRnF1VZ657ncbDs0dLVGEV1x197Zso1pdkl5IjJTyatkWhi07vc0fFmjtuocac879zwVeFNvuoocb8ueZPq2zopC5BU3p0gcFq1HNbXs1kdXfqLsel0r9uIm210JSrnGHrOLS88FuQmbH1NuxNCSo03D+1S01PJNpzlKUpNe1tl+Y2QqY12LVKjmquGOTWS1XMmnzNQx1TaG8QbKtXXGDlycsubmxn2djczK8x0kxHsU66FXCMF2hFRX5I1d21weoWpy+dR5VHpjtjJt7GVLGWSTM8nXBrNTt8JXRveeeEXBdVjDz/cr63SxtUVNZUZRmsPHpLsbG4qWlFFVxyZ5Sad3warX7bVc07I8zisLq10z8CFqzuQ54oN24oCz5IqlJpfU7uI2IlMZFmVnoIdEZEVFjIsRlENiMQqLGJiMdDYsNMUmHFiDoamGhSYxCsdBmUCjORRkGmZyBkzkARiZnItMzkAQsmt37SSuplCPdpo2GSZGi9LsWUVJNPrOU4P4fs0vNzvPM89sHVNkbMNhlLU7BCKgqRAJMy2BJgQWDIVJhyYuTHQjAkxUmHJipMdE2BJiZMZNipMoibFTK9jHTYixlESkxFhUmWbGVbCyISK1zKdpauZTtZVGWRVsfUhib6kCTO7ixkWJixkWY2eoh8WNTERY2LEZRDYsYmKTDixGOhqYaYpMNMVocamGmKTDTEHTGJhZF5MpgoYZkzkBSM5FDYeScwGSZODYzJjIOSZOo6wsmGweYxk6gWSUgGySYDYyQLMSYuTCkxcmOhGwZMVJhSYuTHRNsCTEzYyUhM2URNgTZXsY2bETY6JyEWMrWssWMq2ssjPIq3MpWstWsqWsojLIrTZAZkOsCO6TGxZXjIZGRmaPQTLEWNiyvGQ2LEZVMemMTERkMTEY6Y6LCTE5DTFHTHJhqQmLDTEodMbkzkWmFkAbGJmUxaZnIA2MyTIvJMnBsZzEyLyTIKOsNsFyByYbCdZlyAbI5ANhFbI2LkzMmLbHSEbBkxcmFJi5MdIRgSYqTDkxMmOhGwJsRNjJsRYyiRGTFWSKlrLFjKlsiqM8mVrWUrWWbJFS1lDNJiJMgMmQVjI7hMZFleMhsZEmjWmWIyGxZWixsZE2iyY9MZFiFIZFiMomOTDTEphxYrQ6HJhqQlSDTFGTGphZFJhZFoaxmTORakZ5gBDyZyBzE5gHWHkxkDJMhOsLJjmBbMOR1HWZbBcjDkA2MkK2SUgGySYuTGSFbJJipMzJi5MdCNgyYqbDkxMmOkTbFzYibGTkImyiIyYmxlS1liyRUtZVIzzZWsZUtZZsZUsY5DrEyZAZsgllUjtYsbFkIIy0RsWMizBCbLIbFjYswQmyqGIYmYIAdBphIyQRjGUGYIAZGUzJCACZyTJCHBJkxkhDjiZBbIQ4ALYDZCDCgSYDZCDIVi5MVJkIMhGKmxUiEKIkxFjK82QhREWV7WU7GQhRGeZVsZWsIQZkolabIQhE0rg//2Q=="/>
+          <p:cNvSpPr>
+            <a:spLocks noChangeAspect="1" noChangeArrowheads="1"/>
+          </p:cNvSpPr>
+          <p:nvPr/>
+        </p:nvSpPr>
+        <p:spPr bwMode="auto">
+          <a:xfrm>
+            <a:off x="155575" y="-144463"/>
+            <a:ext cx="304800" cy="304801"/>
+          </a:xfrm>
+          <a:prstGeom prst="rect">
+            <a:avLst/>
+          </a:prstGeom>
+          <a:noFill/>
+        </p:spPr>
+        <p:txBody>
+          <a:bodyPr vert="horz" wrap="square" lIns="91440" tIns="45720" rIns="91440" bIns="45720" numCol="1" anchor="t" anchorCtr="0" compatLnSpc="1">
+            <a:prstTxWarp prst="textNoShape">
+              <a:avLst/>
+            </a:prstTxWarp>
+          </a:bodyPr>
+          <a:lstStyle/>
+          <a:p>
+            <a:endParaRPr lang="en-IN"/>
+          </a:p>
+        </p:txBody>
+      </p:sp>
+      <p:sp>
+        <p:nvSpPr>
+          <p:cNvPr id="82948" name="AutoShape 4" descr="data:image/jpg;base64,/9j/4AAQSkZJRgABAQAAAQABAAD/2wCEAAkGBg8PDw0PDQ4NDQ0NEA0NDAwNDA4MDQwNFBAVFBQQEhIXHCYeFxkjGRISHy8gIycpLCwsFR4xNTAqNSYrLCkBCQoKDgwOGA8PFykdHBwpKSktKSkpKSosKS8pKSkpLCkpLCksLCkpKSktKSwqKSkpLDUpKSksKSkpKSkpKSkpKf/AABEIALYBFQMBIgACEQEDEQH/xAAbAAACAgMBAAAAAAAAAAAAAAACAwAEAQUGB//EADsQAAICAQIEAgYHBwQDAAAAAAABAgMRBAUGEiExE3EiMkFRYbEUIzM0coGRByRSYsHR8BVCgqFDk+H/xAAaAQADAQEBAQAAAAAAAAAAAAABAgMEAAUG/8QAMxEAAgIBAwAHBgQHAAAAAAAAAAECEQMSITEEQWGBkbHwEyIyUXHBM1Kh4QVCQ2JygtH/2gAMAwEAAhEDEQA/ANrFDIoxFDFE+kbPlEjMUOigIxGxRNlkgooZFGIoZFCMokEkHExFDEhGOkRINIiQaQrY5hBIyomcCjUYMpGUglEAaMYJgJIzg4IGCYDwTBxwsw0McQWjjqAaAkhrQEkEDQqSFyHNC5IZMRimKkh8kLkhxGhUkKkhzQuQyAV7YJ90Ubqmm8P8mbCaK1qHiTmtjQbntFFyfjVpP+NLD/VHHbrwXOLbol4iSzyvpLH9T0WyJSup93Ty7foGeGGT4kLDpGTF8L2+R5DfppQbjOLi13TWGhOD07cNDXamrq1L3SS6ryfdHJbnws45lQ+eP8LfpL+552XoU47x3X6np4f4hjntP3X+hzmTJmytxbUk013TWGiGA9Gz3+KGRiYihsUfQM+ZSMxQ2KBihsUIyqQUYhxRIoZFCNjpGYoNIwg0hGyiMqIaREjKQoyREgsESCwAYxgJIzgzgWxqMYJgLBnAA0BggeCYOOoDALQzBjAQUKaBaHNANBTAJaFyQ9oXKIyFaESQuSHyiLkh0xGIkhckPkhMkOhGImitai3JFaxFEJIp2IqWou2oqWotEyyKFyNffWvJmyuKF5VGWbo1Gq0UJvM64zfvaRC5YYJvFFvgrHpE0qTfiz0GKGRQCGxIM1oOKGxQuKGxEZVBxGRRr9XuMausmkTRbxCx4i0waJVZyyRur3Nog0gYjESZZGUEkYQaQo5lILBEjKEGSIkEkYwEgDEwTARMHBMYMYDwTBxwvBjAxow0ccLwC0MwC0EVipIW0NkBJDIRiZIVIdJC5DoRiZCZofIVIdCMrzRXsRZmV5lUTkVLUU7S9Yinai0TNMoXIoXI2NyKNyLoxzRRsRApkAxEd/FDYi4oZExs9VDYjELiMQjKI4/jWbUHh4NbwTY3Pq2/z+JsOOPUZrOBn6f+e8snul2GZJVJ/wByPT4dkNRSnroRXVoR/r9S6cy/VGbRJ9Rs9pFcs26DRraN4rl2kv1NhXapdnknKLXJWMlLhjEDbcorLCTKG7aiKrl1XZgirdDSlSsGjiCqc3BSTkujWTaweUmeQ7Bb+/S69OZ+34nrdE1yx6+xFMsFHglgyOXxDhT1cE8NrIc30Z5lxDr7I6+uMZyUcron0Exw18j5cjhVHp6eexkrbdLNcc+4skns6LLdWYMGWYOOBYLDYDCABoXJDJC5DoRipIXJDZGk3DflXqKtOoc0rPan6qKRVkpSS5NjITMdNmu0W5138/htvw5OEsrHUZIVsbNFaZamVrCiJsrzKVqLthUtLRM8yjaijcX7ijcXiY8hSn3MBzXUwMRO+ihkQIjImFnsIZEZFARGImyiOL459RnJ7JuDqfo9/gdZx16jOc4V29W2rKz1K76418jOknDIn80b+rS6nVPLbjFlxcGTa6zlnzOu0OkjCKSS7FxIEukO9hodEjXvcnme4bHqNN6cJyaRf4W4rlKarsfXsdlulClXLK9h5PD6vW+j09L+oynrW/0FeP2Utvlfgey83NDK9qOI4i0Orbm4z9D+HB2W1yzXHyMbtFeFLp7GZ8ctEqNWXGskLZ4xt8bVfiHrpno2wrWcy8XHJhYwmchsEf3+X4mevaeC5Y9F2Q85aI1zdiY4+0alxSXkaLiHUamEfqFl/E8u3TU3/SFKxfWJ9Ee42QTTykeVcUVr6fUse1fMXFLUqWw2WOmWp73fkb7h7fNXJ1wnU1B/78nUbvuLopdmM4WWhu1aeHhQ9FdvcUOMF+62fhfyFbU8iVDKMseNuzV7Vx3XbGUp+hjPRtFXU8d2NvwaLJxX+7GEzluDNl+k3PmzyRfVexnq1G1VQioqEe2OwzeOO7W7FUckm0pbI5bbeP4SkoXxlVJ9PS6L9Tq67lNKUXlP2nNcX8LV2VSnXFRnFNppFT9n27SnCVNjzKp4698AlGMlqiNGUoy0yOl3Pc69PHnteI+8DQblXqIc9T5o9soVxBsy1dXht8ufaK2DZfolXh83Mst5FSjp7Qty1dhfmzjdtf0jcr7e8aVyR8zqN21Hh02TfTlizn+CNM/Bna/WunKX5ZKQ2i2TybySNtvOqVVFs/4YyNRwlRyaWLfSVrlY/e8snG9z8GFUfWunGGPhk1vFdUqKdLOuUoqpwjJRbSa+Iy4Fe8tvXqzqZMr2FXcdby6WdqePq+ZP4tGi4N3Wy6u1Wzc5wksOXflaDsnQHbVm/sKlpqNTutzt1qrkuXTwTinHPp+3/pMP/Vn9D+kdHJVub9zkv/pVNEZJv18yxcilYhVe8c2l+kuKyoyk4p9MptYE0bh4kpxcXGUY1z6vKanHJSM47b8meeOSvbgzNEEafWRtipxzjMl175TwZKJpq0Z5LS2nyj0GIyIuI2JiZ6yGRGICIaEY6OL459Q13Ai9P/PebLjj1Wa7gX1/895brX0My4l/kvI9Oh2GRAgMRkZ6CEa/7OXkeR3fff8Akvmeua/7OXkeR3fff+X9S+LjvRkzfH/qz17afsoeSM7r9lLyZjafsoeSC3X7KXk/kQ/n7zV/T7jy7Yfv8vxS+Z69R6sfJHkexL9/l+JnrtHqx8kU6R1d5LonHh5Bz7M8r4pX7/V5r5nqkuzPK+Kvv9XmvmL0fl93mN0nq7/Jnpm1/ZQ8ka3jD7tZ+GXyNjtb+qh5I13F/wB2s/DL5CQ/E7ymT8F/Q5j9mUVib9vMz0E8u/ZzuUYWzrk0svKPUFJPsHLyn2HYeGu0ra+Oa559zPO+CXjXalLtn+p3m+a2NVNkpPHRnEfs907nffc10k+j/MbHtB+uonk3ml65PQGLkHbYorMml5io2xl1i0/ImizOY471XLp1XH1rZKK/Nmy2nSqqiqC9kV+uDQ76/H3DT0rrGr05LyOpl0XwSND2ikZVvJs5Ldn4246ervGlOyXn7C7xZpfE0ly9sVzL8ilw6vF1esvfZS8OL+COg1VXNCcX2lGS/VDPmhVxZxet1vPtVSz6Vnh1fnnDM7bUtPrrK+0bKITXnHuarRWOVlGjf/j1M5NfyrqbTi23wL9Pf7OWyuT84vByaq/l6fmBp3S7f28ibDX4i1lj/wDNbOPnFLH9TUQm/oEqvb9I8DHwdmfkdDw5Ry6WrPeadj85PJz1sca16f2S1MNQvJQbYXwu3bxAuX2b+Aqxcml1VC/26jwYr4TnFr+o3V/V6ib9ktLJ/nW/7MDXLGu8L2W20X/D0ISz/wBpE4m9FVyXeXi0/wDshhf9oHCb/L9m/swVc4x/Mm/FL7oRslbjCdf8LjLr/PXGXzyQTueu+j3S6PFkK+38uY/2MDR6RDEtD6hZdEyZn7SK+Kn/ANPWIjYiosZEVlEOiGhcRiEZRHHcbxbh0+JruB4NT6/51O2121Ru6SWQdv2OFTzFJFdUavsogoStrqbs3EBqFxGIys3ITrl9XLyPJ79PL6b6rxz+74nr84ZWCl/olXNzYWffgpjmorcjlxOTtfTxLG0r6qPkM11XNCS+A2qCisIYiLlvZoUfdo8g1Wmu0uqlYoSa5m00s9DuNh4pdzUHGSaS7pm+u2yufrRX6Eo2quDzGK/QtLLGSpozQwThLZ7F1dV5nnHG+zXO6N1UXLl74PSEBZRGXrJMhjnoZpyY9aOJ4c4kvfJVOmcfZzY6G94qedLN/wAsvkbWGirTyorJrOLPu1n4ZfIqpqWRNKiLhKGKSbs8y4c2Oy7mspk4zg3hr3nRw4k19C5J0Sm10Uo9mF+zTtZ+JneT08H3in+Q8pqPutWJHG5+8nTPNNTDX7jJRnF1VZ657ncbDs0dLVGEV1x197Zso1pdkl5IjJTyatkWhi07vc0fFmjtuocac879zwVeFNvuoocb8ueZPq2zopC5BU3p0gcFq1HNbXs1kdXfqLsel0r9uIm210JSrnGHrOLS88FuQmbH1NuxNCSo03D+1S01PJNpzlKUpNe1tl+Y2QqY12LVKjmquGOTWS1XMmnzNQx1TaG8QbKtXXGDlycsubmxn2djczK8x0kxHsU66FXCMF2hFRX5I1d21weoWpy+dR5VHpjtjJt7GVLGWSTM8nXBrNTt8JXRveeeEXBdVjDz/cr63SxtUVNZUZRmsPHpLsbG4qWlFFVxyZ5Sad3warX7bVc07I8zisLq10z8CFqzuQ54oN24oCz5IqlJpfU7uI2IlMZFmVnoIdEZEVFjIsRlENiMQqLGJiMdDYsNMUmHFiDoamGhSYxCsdBmUCjORRkGmZyBkzkARiZnItMzkAQsmt37SSuplCPdpo2GSZGi9LsWUVJNPrOU4P4fs0vNzvPM89sHVNkbMNhlLU7BCKgqRAJMy2BJgQWDIVJhyYuTHQjAkxUmHJipMdE2BJiZMZNipMoibFTK9jHTYixlESkxFhUmWbGVbCyISK1zKdpauZTtZVGWRVsfUhib6kCTO7ixkWJixkWY2eoh8WNTERY2LEZRDYsYmKTDixGOhqYaYpMNMVocamGmKTDTEHTGJhZF5MpgoYZkzkBSM5FDYeScwGSZODYzJjIOSZOo6wsmGweYxk6gWSUgGySYDYyQLMSYuTCkxcmOhGwZMVJhSYuTHRNsCTEzYyUhM2URNgTZXsY2bETY6JyEWMrWssWMq2ssjPIq3MpWstWsqWsojLIrTZAZkOsCO6TGxZXjIZGRmaPQTLEWNiyvGQ2LEZVMemMTERkMTEY6Y6LCTE5DTFHTHJhqQmLDTEodMbkzkWmFkAbGJmUxaZnIA2MyTIvJMnBsZzEyLyTIKOsNsFyByYbCdZlyAbI5ANhFbI2LkzMmLbHSEbBkxcmFJi5MdIRgSYqTDkxMmOhGwJsRNjJsRYyiRGTFWSKlrLFjKlsiqM8mVrWUrWWbJFS1lDNJiJMgMmQVjI7hMZFleMhsZEmjWmWIyGxZWixsZE2iyY9MZFiFIZFiMomOTDTEphxYrQ6HJhqQlSDTFGTGphZFJhZFoaxmTORakZ5gBDyZyBzE5gHWHkxkDJMhOsLJjmBbMOR1HWZbBcjDkA2MkK2SUgGySYuTGSFbJJipMzJi5MdCNgyYqbDkxMmOkTbFzYibGTkImyiIyYmxlS1liyRUtZVIzzZWsZUtZZsZUsY5DrEyZAZsgllUjtYsbFkIIy0RsWMizBCbLIbFjYswQmyqGIYmYIAdBphIyQRjGUGYIAZGUzJCACZyTJCHBJkxkhDjiZBbIQ4ALYDZCDCgSYDZCDIVi5MVJkIMhGKmxUiEKIkxFjK82QhREWV7WU7GQhRGeZVsZWsIQZkolabIQhE0rg//2Q=="/>
+          <p:cNvSpPr>
+            <a:spLocks noChangeAspect="1" noChangeArrowheads="1"/>
+          </p:cNvSpPr>
+          <p:nvPr/>
+        </p:nvSpPr>
+        <p:spPr bwMode="auto">
+          <a:xfrm>
+            <a:off x="155575" y="-144463"/>
+            <a:ext cx="304800" cy="304801"/>
+          </a:xfrm>
+          <a:prstGeom prst="rect">
+            <a:avLst/>
+          </a:prstGeom>
+          <a:noFill/>
+        </p:spPr>
+        <p:txBody>
+          <a:bodyPr vert="horz" wrap="square" lIns="91440" tIns="45720" rIns="91440" bIns="45720" numCol="1" anchor="t" anchorCtr="0" compatLnSpc="1">
+            <a:prstTxWarp prst="textNoShape">
+              <a:avLst/>
+            </a:prstTxWarp>
+          </a:bodyPr>
+          <a:lstStyle/>
+          <a:p>
+            <a:endParaRPr lang="en-IN"/>
+          </a:p>
+        </p:txBody>
+      </p:sp>
+    </p:spTree>
+  </p:cSld>
+  <p:clrMapOvr>
+    <a:masterClrMapping/>
+  </p:clrMapOvr>
+  <p:timing>
+    <p:tnLst>
+      <p:par>
+        <p:cTn id="1" dur="indefinite" restart="never" nodeType="tmRoot"/>
+      </p:par>
+    </p:tnLst>
+  </p:timing>
+</p:sld>
+</file>
+
 <file path=ppt/slides/slide7.xml><?xml version="1.0" encoding="utf-8"?>
 <p:sld xmlns:a="http://schemas.openxmlformats.org/drawingml/2006/main" xmlns:r="http://schemas.openxmlformats.org/officeDocument/2006/relationships" xmlns:p="http://schemas.openxmlformats.org/presentationml/2006/main">
   <p:cSld>
@@ -25461,7 +25518,31 @@
       </p:grpSpPr>
       <p:sp>
         <p:nvSpPr>
-          <p:cNvPr id="4" name="Date Placeholder 3"/>
+          <p:cNvPr id="2" name="Title 1"/>
+          <p:cNvSpPr>
+            <a:spLocks noGrp="1"/>
+          </p:cNvSpPr>
+          <p:nvPr>
+            <p:ph type="title"/>
+          </p:nvPr>
+        </p:nvSpPr>
+        <p:spPr/>
+        <p:txBody>
+          <a:bodyPr/>
+          <a:lstStyle/>
+          <a:p>
+            <a:pPr algn="ctr"/>
+            <a:r>
+              <a:rPr lang="en-US" dirty="0" smtClean="0"/>
+              <a:t>Quotes Application</a:t>
+            </a:r>
+            <a:endParaRPr lang="en-IN" dirty="0"/>
+          </a:p>
+        </p:txBody>
+      </p:sp>
+      <p:sp>
+        <p:nvSpPr>
+          <p:cNvPr id="3" name="Date Placeholder 2"/>
           <p:cNvSpPr>
             <a:spLocks noGrp="1"/>
           </p:cNvSpPr>
@@ -25479,6 +25560,72 @@
               <a:t>2011-2012</a:t>
             </a:r>
             <a:endParaRPr lang="en-US" dirty="0"/>
+          </a:p>
+        </p:txBody>
+      </p:sp>
+      <p:sp>
+        <p:nvSpPr>
+          <p:cNvPr id="4" name="Content Placeholder 3"/>
+          <p:cNvSpPr>
+            <a:spLocks noGrp="1"/>
+          </p:cNvSpPr>
+          <p:nvPr>
+            <p:ph sz="quarter" idx="1"/>
+          </p:nvPr>
+        </p:nvSpPr>
+        <p:spPr/>
+        <p:txBody>
+          <a:bodyPr/>
+          <a:lstStyle/>
+          <a:p>
+            <a:r>
+              <a:rPr lang="en-US" dirty="0" smtClean="0"/>
+              <a:t>Functional Specifications</a:t>
+            </a:r>
+          </a:p>
+          <a:p>
+            <a:pPr lvl="1"/>
+            <a:r>
+              <a:rPr lang="en-US" dirty="0" smtClean="0"/>
+              <a:t>Displays Random Quotes</a:t>
+            </a:r>
+          </a:p>
+          <a:p>
+            <a:pPr lvl="1"/>
+            <a:r>
+              <a:rPr lang="en-US" dirty="0" smtClean="0"/>
+              <a:t>User can share quotes via SMS</a:t>
+            </a:r>
+          </a:p>
+          <a:p>
+            <a:pPr lvl="1"/>
+            <a:r>
+              <a:rPr lang="en-US" b="1" dirty="0" smtClean="0"/>
+              <a:t>Future Extensions</a:t>
+            </a:r>
+          </a:p>
+          <a:p>
+            <a:pPr lvl="2"/>
+            <a:r>
+              <a:rPr lang="en-US" dirty="0" smtClean="0"/>
+              <a:t>User can view quotes by category</a:t>
+            </a:r>
+          </a:p>
+          <a:p>
+            <a:pPr lvl="2"/>
+            <a:r>
+              <a:rPr lang="en-US" dirty="0" smtClean="0"/>
+              <a:t>User can mark some quotes as </a:t>
+            </a:r>
+            <a:r>
+              <a:rPr lang="en-US" dirty="0" err="1" smtClean="0"/>
+              <a:t>favourites</a:t>
+            </a:r>
+            <a:endParaRPr lang="en-US" dirty="0" smtClean="0"/>
+          </a:p>
+          <a:p>
+            <a:pPr lvl="1"/>
+            <a:endParaRPr lang="en-IN" dirty="0"/>
           </a:p>
         </p:txBody>
       </p:sp>
@@ -25505,137 +25652,6 @@
               <a:t>70</a:t>
             </a:fld>
             <a:endParaRPr lang="en-US" dirty="0"/>
-          </a:p>
-        </p:txBody>
-      </p:sp>
-      <p:sp>
-        <p:nvSpPr>
-          <p:cNvPr id="6" name="TextBox 5"/>
-          <p:cNvSpPr txBox="1"/>
-          <p:nvPr/>
-        </p:nvSpPr>
-        <p:spPr>
-          <a:xfrm>
-            <a:off x="2210843" y="1668959"/>
-            <a:ext cx="4674613" cy="2123658"/>
-          </a:xfrm>
-          <a:prstGeom prst="rect">
-            <a:avLst/>
-          </a:prstGeom>
-          <a:noFill/>
-        </p:spPr>
-        <p:txBody>
-          <a:bodyPr wrap="none" rtlCol="0">
-            <a:spAutoFit/>
-          </a:bodyPr>
-          <a:lstStyle/>
-          <a:p>
-            <a:pPr algn="ctr"/>
-            <a:r>
-              <a:rPr lang="en-US" sz="4400" dirty="0" smtClean="0"/>
-              <a:t>Building a </a:t>
-            </a:r>
-            <a:br>
-              <a:rPr lang="en-US" sz="4400" dirty="0" smtClean="0"/>
-            </a:br>
-            <a:r>
-              <a:rPr lang="en-US" sz="4400" dirty="0" smtClean="0"/>
-              <a:t>Complete </a:t>
-            </a:r>
-            <a:br>
-              <a:rPr lang="en-US" sz="4400" dirty="0" smtClean="0"/>
-            </a:br>
-            <a:r>
-              <a:rPr lang="en-US" sz="4400" dirty="0" smtClean="0"/>
-              <a:t>Android Application</a:t>
-            </a:r>
-            <a:endParaRPr lang="en-IN" sz="4400" dirty="0"/>
-          </a:p>
-        </p:txBody>
-      </p:sp>
-      <p:pic>
-        <p:nvPicPr>
-          <p:cNvPr id="10" name="Picture 6" descr="Android robot.svg"/>
-          <p:cNvPicPr>
-            <a:picLocks noChangeAspect="1" noChangeArrowheads="1"/>
-          </p:cNvPicPr>
-          <p:nvPr/>
-        </p:nvPicPr>
-        <p:blipFill>
-          <a:blip r:embed="rId3" cstate="print"/>
-          <a:srcRect/>
-          <a:stretch>
-            <a:fillRect/>
-          </a:stretch>
-        </p:blipFill>
-        <p:spPr bwMode="auto">
-          <a:xfrm>
-            <a:off x="4191000" y="4724400"/>
-            <a:ext cx="721448" cy="857251"/>
-          </a:xfrm>
-          <a:prstGeom prst="rect">
-            <a:avLst/>
-          </a:prstGeom>
-          <a:noFill/>
-        </p:spPr>
-      </p:pic>
-      <p:sp>
-        <p:nvSpPr>
-          <p:cNvPr id="82946" name="AutoShape 2" descr="data:image/jpg;base64,/9j/4AAQSkZJRgABAQAAAQABAAD/2wCEAAkGBg8PDw0PDQ4NDQ0NEA0NDAwNDA4MDQwNFBAVFBQQEhIXHCYeFxkjGRISHy8gIycpLCwsFR4xNTAqNSYrLCkBCQoKDgwOGA8PFykdHBwpKSktKSkpKSosKS8pKSkpLCkpLCksLCkpKSktKSwqKSkpLDUpKSksKSkpKSkpKSkpKf/AABEIALYBFQMBIgACEQEDEQH/xAAbAAACAgMBAAAAAAAAAAAAAAACAwAEAQUGB//EADsQAAICAQIEAgYHBwQDAAAAAAABAgMRBAUGEiExE3EiMkFRYbEUIzM0coGRByRSYsHR8BVCgqFDk+H/xAAaAQADAQEBAQAAAAAAAAAAAAABAgMEAAUG/8QAMxEAAgIBAwAHBgQHAAAAAAAAAAECEQMSITEEQWGBkbHwEyIyUXHBM1Kh4QVCQ2JygtH/2gAMAwEAAhEDEQA/ANrFDIoxFDFE+kbPlEjMUOigIxGxRNlkgooZFGIoZFCMokEkHExFDEhGOkRINIiQaQrY5hBIyomcCjUYMpGUglEAaMYJgJIzg4IGCYDwTBxwsw0McQWjjqAaAkhrQEkEDQqSFyHNC5IZMRimKkh8kLkhxGhUkKkhzQuQyAV7YJ90Ubqmm8P8mbCaK1qHiTmtjQbntFFyfjVpP+NLD/VHHbrwXOLbol4iSzyvpLH9T0WyJSup93Ty7foGeGGT4kLDpGTF8L2+R5DfppQbjOLi13TWGhOD07cNDXamrq1L3SS6ryfdHJbnws45lQ+eP8LfpL+552XoU47x3X6np4f4hjntP3X+hzmTJmytxbUk013TWGiGA9Gz3+KGRiYihsUfQM+ZSMxQ2KBihsUIyqQUYhxRIoZFCNjpGYoNIwg0hGyiMqIaREjKQoyREgsESCwAYxgJIzgzgWxqMYJgLBnAA0BggeCYOOoDALQzBjAQUKaBaHNANBTAJaFyQ9oXKIyFaESQuSHyiLkh0xGIkhckPkhMkOhGImitai3JFaxFEJIp2IqWou2oqWotEyyKFyNffWvJmyuKF5VGWbo1Gq0UJvM64zfvaRC5YYJvFFvgrHpE0qTfiz0GKGRQCGxIM1oOKGxQuKGxEZVBxGRRr9XuMausmkTRbxCx4i0waJVZyyRur3Nog0gYjESZZGUEkYQaQo5lILBEjKEGSIkEkYwEgDEwTARMHBMYMYDwTBxwvBjAxow0ccLwC0MwC0EVipIW0NkBJDIRiZIVIdJC5DoRiZCZofIVIdCMrzRXsRZmV5lUTkVLUU7S9Yinai0TNMoXIoXI2NyKNyLoxzRRsRApkAxEd/FDYi4oZExs9VDYjELiMQjKI4/jWbUHh4NbwTY3Pq2/z+JsOOPUZrOBn6f+e8snul2GZJVJ/wByPT4dkNRSnroRXVoR/r9S6cy/VGbRJ9Rs9pFcs26DRraN4rl2kv1NhXapdnknKLXJWMlLhjEDbcorLCTKG7aiKrl1XZgirdDSlSsGjiCqc3BSTkujWTaweUmeQ7Bb+/S69OZ+34nrdE1yx6+xFMsFHglgyOXxDhT1cE8NrIc30Z5lxDr7I6+uMZyUcron0Exw18j5cjhVHp6eexkrbdLNcc+4skns6LLdWYMGWYOOBYLDYDCABoXJDJC5DoRipIXJDZGk3DflXqKtOoc0rPan6qKRVkpSS5NjITMdNmu0W5138/htvw5OEsrHUZIVsbNFaZamVrCiJsrzKVqLthUtLRM8yjaijcX7ijcXiY8hSn3MBzXUwMRO+ihkQIjImFnsIZEZFARGImyiOL459RnJ7JuDqfo9/gdZx16jOc4V29W2rKz1K76418jOknDIn80b+rS6nVPLbjFlxcGTa6zlnzOu0OkjCKSS7FxIEukO9hodEjXvcnme4bHqNN6cJyaRf4W4rlKarsfXsdlulClXLK9h5PD6vW+j09L+oynrW/0FeP2Utvlfgey83NDK9qOI4i0Orbm4z9D+HB2W1yzXHyMbtFeFLp7GZ8ctEqNWXGskLZ4xt8bVfiHrpno2wrWcy8XHJhYwmchsEf3+X4mevaeC5Y9F2Q85aI1zdiY4+0alxSXkaLiHUamEfqFl/E8u3TU3/SFKxfWJ9Ee42QTTykeVcUVr6fUse1fMXFLUqWw2WOmWp73fkb7h7fNXJ1wnU1B/78nUbvuLopdmM4WWhu1aeHhQ9FdvcUOMF+62fhfyFbU8iVDKMseNuzV7Vx3XbGUp+hjPRtFXU8d2NvwaLJxX+7GEzluDNl+k3PmzyRfVexnq1G1VQioqEe2OwzeOO7W7FUckm0pbI5bbeP4SkoXxlVJ9PS6L9Tq67lNKUXlP2nNcX8LV2VSnXFRnFNppFT9n27SnCVNjzKp4698AlGMlqiNGUoy0yOl3Pc69PHnteI+8DQblXqIc9T5o9soVxBsy1dXht8ufaK2DZfolXh83Mst5FSjp7Qty1dhfmzjdtf0jcr7e8aVyR8zqN21Hh02TfTlizn+CNM/Bna/WunKX5ZKQ2i2TybySNtvOqVVFs/4YyNRwlRyaWLfSVrlY/e8snG9z8GFUfWunGGPhk1vFdUqKdLOuUoqpwjJRbSa+Iy4Fe8tvXqzqZMr2FXcdby6WdqePq+ZP4tGi4N3Wy6u1Wzc5wksOXflaDsnQHbVm/sKlpqNTutzt1qrkuXTwTinHPp+3/pMP/Vn9D+kdHJVub9zkv/pVNEZJv18yxcilYhVe8c2l+kuKyoyk4p9MptYE0bh4kpxcXGUY1z6vKanHJSM47b8meeOSvbgzNEEafWRtipxzjMl175TwZKJpq0Z5LS2nyj0GIyIuI2JiZ6yGRGICIaEY6OL459Q13Ai9P/PebLjj1Wa7gX1/895brX0My4l/kvI9Oh2GRAgMRkZ6CEa/7OXkeR3fff8Akvmeua/7OXkeR3fff+X9S+LjvRkzfH/qz17afsoeSM7r9lLyZjafsoeSC3X7KXk/kQ/n7zV/T7jy7Yfv8vxS+Z69R6sfJHkexL9/l+JnrtHqx8kU6R1d5LonHh5Bz7M8r4pX7/V5r5nqkuzPK+Kvv9XmvmL0fl93mN0nq7/Jnpm1/ZQ8ka3jD7tZ+GXyNjtb+qh5I13F/wB2s/DL5CQ/E7ymT8F/Q5j9mUVib9vMz0E8u/ZzuUYWzrk0svKPUFJPsHLyn2HYeGu0ra+Oa559zPO+CXjXalLtn+p3m+a2NVNkpPHRnEfs907nffc10k+j/MbHtB+uonk3ml65PQGLkHbYorMml5io2xl1i0/ImizOY471XLp1XH1rZKK/Nmy2nSqqiqC9kV+uDQ76/H3DT0rrGr05LyOpl0XwSND2ikZVvJs5Ldn4246ervGlOyXn7C7xZpfE0ly9sVzL8ilw6vF1esvfZS8OL+COg1VXNCcX2lGS/VDPmhVxZxet1vPtVSz6Vnh1fnnDM7bUtPrrK+0bKITXnHuarRWOVlGjf/j1M5NfyrqbTi23wL9Pf7OWyuT84vByaq/l6fmBp3S7f28ibDX4i1lj/wDNbOPnFLH9TUQm/oEqvb9I8DHwdmfkdDw5Ry6WrPeadj85PJz1sca16f2S1MNQvJQbYXwu3bxAuX2b+Aqxcml1VC/26jwYr4TnFr+o3V/V6ib9ktLJ/nW/7MDXLGu8L2W20X/D0ISz/wBpE4m9FVyXeXi0/wDshhf9oHCb/L9m/swVc4x/Mm/FL7oRslbjCdf8LjLr/PXGXzyQTueu+j3S6PFkK+38uY/2MDR6RDEtD6hZdEyZn7SK+Kn/ANPWIjYiosZEVlEOiGhcRiEZRHHcbxbh0+JruB4NT6/51O2121Ru6SWQdv2OFTzFJFdUavsogoStrqbs3EBqFxGIys3ITrl9XLyPJ79PL6b6rxz+74nr84ZWCl/olXNzYWffgpjmorcjlxOTtfTxLG0r6qPkM11XNCS+A2qCisIYiLlvZoUfdo8g1Wmu0uqlYoSa5m00s9DuNh4pdzUHGSaS7pm+u2yufrRX6Eo2quDzGK/QtLLGSpozQwThLZ7F1dV5nnHG+zXO6N1UXLl74PSEBZRGXrJMhjnoZpyY9aOJ4c4kvfJVOmcfZzY6G94qedLN/wAsvkbWGirTyorJrOLPu1n4ZfIqpqWRNKiLhKGKSbs8y4c2Oy7mspk4zg3hr3nRw4k19C5J0Sm10Uo9mF+zTtZ+JneT08H3in+Q8pqPutWJHG5+8nTPNNTDX7jJRnF1VZ657ncbDs0dLVGEV1x197Zso1pdkl5IjJTyatkWhi07vc0fFmjtuocac879zwVeFNvuoocb8ueZPq2zopC5BU3p0gcFq1HNbXs1kdXfqLsel0r9uIm210JSrnGHrOLS88FuQmbH1NuxNCSo03D+1S01PJNpzlKUpNe1tl+Y2QqY12LVKjmquGOTWS1XMmnzNQx1TaG8QbKtXXGDlycsubmxn2djczK8x0kxHsU66FXCMF2hFRX5I1d21weoWpy+dR5VHpjtjJt7GVLGWSTM8nXBrNTt8JXRveeeEXBdVjDz/cr63SxtUVNZUZRmsPHpLsbG4qWlFFVxyZ5Sad3warX7bVc07I8zisLq10z8CFqzuQ54oN24oCz5IqlJpfU7uI2IlMZFmVnoIdEZEVFjIsRlENiMQqLGJiMdDYsNMUmHFiDoamGhSYxCsdBmUCjORRkGmZyBkzkARiZnItMzkAQsmt37SSuplCPdpo2GSZGi9LsWUVJNPrOU4P4fs0vNzvPM89sHVNkbMNhlLU7BCKgqRAJMy2BJgQWDIVJhyYuTHQjAkxUmHJipMdE2BJiZMZNipMoibFTK9jHTYixlESkxFhUmWbGVbCyISK1zKdpauZTtZVGWRVsfUhib6kCTO7ixkWJixkWY2eoh8WNTERY2LEZRDYsYmKTDixGOhqYaYpMNMVocamGmKTDTEHTGJhZF5MpgoYZkzkBSM5FDYeScwGSZODYzJjIOSZOo6wsmGweYxk6gWSUgGySYDYyQLMSYuTCkxcmOhGwZMVJhSYuTHRNsCTEzYyUhM2URNgTZXsY2bETY6JyEWMrWssWMq2ssjPIq3MpWstWsqWsojLIrTZAZkOsCO6TGxZXjIZGRmaPQTLEWNiyvGQ2LEZVMemMTERkMTEY6Y6LCTE5DTFHTHJhqQmLDTEodMbkzkWmFkAbGJmUxaZnIA2MyTIvJMnBsZzEyLyTIKOsNsFyByYbCdZlyAbI5ANhFbI2LkzMmLbHSEbBkxcmFJi5MdIRgSYqTDkxMmOhGwJsRNjJsRYyiRGTFWSKlrLFjKlsiqM8mVrWUrWWbJFS1lDNJiJMgMmQVjI7hMZFleMhsZEmjWmWIyGxZWixsZE2iyY9MZFiFIZFiMomOTDTEphxYrQ6HJhqQlSDTFGTGphZFJhZFoaxmTORakZ5gBDyZyBzE5gHWHkxkDJMhOsLJjmBbMOR1HWZbBcjDkA2MkK2SUgGySYuTGSFbJJipMzJi5MdCNgyYqbDkxMmOkTbFzYibGTkImyiIyYmxlS1liyRUtZVIzzZWsZUtZZsZUsY5DrEyZAZsgllUjtYsbFkIIy0RsWMizBCbLIbFjYswQmyqGIYmYIAdBphIyQRjGUGYIAZGUzJCACZyTJCHBJkxkhDjiZBbIQ4ALYDZCDCgSYDZCDIVi5MVJkIMhGKmxUiEKIkxFjK82QhREWV7WU7GQhRGeZVsZWsIQZkolabIQhE0rg//2Q=="/>
-          <p:cNvSpPr>
-            <a:spLocks noChangeAspect="1" noChangeArrowheads="1"/>
-          </p:cNvSpPr>
-          <p:nvPr/>
-        </p:nvSpPr>
-        <p:spPr bwMode="auto">
-          <a:xfrm>
-            <a:off x="155575" y="-144463"/>
-            <a:ext cx="304800" cy="304801"/>
-          </a:xfrm>
-          <a:prstGeom prst="rect">
-            <a:avLst/>
-          </a:prstGeom>
-          <a:noFill/>
-        </p:spPr>
-        <p:txBody>
-          <a:bodyPr vert="horz" wrap="square" lIns="91440" tIns="45720" rIns="91440" bIns="45720" numCol="1" anchor="t" anchorCtr="0" compatLnSpc="1">
-            <a:prstTxWarp prst="textNoShape">
-              <a:avLst/>
-            </a:prstTxWarp>
-          </a:bodyPr>
-          <a:lstStyle/>
-          <a:p>
-            <a:endParaRPr lang="en-IN"/>
-          </a:p>
-        </p:txBody>
-      </p:sp>
-      <p:sp>
-        <p:nvSpPr>
-          <p:cNvPr id="82948" name="AutoShape 4" descr="data:image/jpg;base64,/9j/4AAQSkZJRgABAQAAAQABAAD/2wCEAAkGBg8PDw0PDQ4NDQ0NEA0NDAwNDA4MDQwNFBAVFBQQEhIXHCYeFxkjGRISHy8gIycpLCwsFR4xNTAqNSYrLCkBCQoKDgwOGA8PFykdHBwpKSktKSkpKSosKS8pKSkpLCkpLCksLCkpKSktKSwqKSkpLDUpKSksKSkpKSkpKSkpKf/AABEIALYBFQMBIgACEQEDEQH/xAAbAAACAgMBAAAAAAAAAAAAAAACAwAEAQUGB//EADsQAAICAQIEAgYHBwQDAAAAAAABAgMRBAUGEiExE3EiMkFRYbEUIzM0coGRByRSYsHR8BVCgqFDk+H/xAAaAQADAQEBAQAAAAAAAAAAAAABAgMEAAUG/8QAMxEAAgIBAwAHBgQHAAAAAAAAAAECEQMSITEEQWGBkbHwEyIyUXHBM1Kh4QVCQ2JygtH/2gAMAwEAAhEDEQA/ANrFDIoxFDFE+kbPlEjMUOigIxGxRNlkgooZFGIoZFCMokEkHExFDEhGOkRINIiQaQrY5hBIyomcCjUYMpGUglEAaMYJgJIzg4IGCYDwTBxwsw0McQWjjqAaAkhrQEkEDQqSFyHNC5IZMRimKkh8kLkhxGhUkKkhzQuQyAV7YJ90Ubqmm8P8mbCaK1qHiTmtjQbntFFyfjVpP+NLD/VHHbrwXOLbol4iSzyvpLH9T0WyJSup93Ty7foGeGGT4kLDpGTF8L2+R5DfppQbjOLi13TWGhOD07cNDXamrq1L3SS6ryfdHJbnws45lQ+eP8LfpL+552XoU47x3X6np4f4hjntP3X+hzmTJmytxbUk013TWGiGA9Gz3+KGRiYihsUfQM+ZSMxQ2KBihsUIyqQUYhxRIoZFCNjpGYoNIwg0hGyiMqIaREjKQoyREgsESCwAYxgJIzgzgWxqMYJgLBnAA0BggeCYOOoDALQzBjAQUKaBaHNANBTAJaFyQ9oXKIyFaESQuSHyiLkh0xGIkhckPkhMkOhGImitai3JFaxFEJIp2IqWou2oqWotEyyKFyNffWvJmyuKF5VGWbo1Gq0UJvM64zfvaRC5YYJvFFvgrHpE0qTfiz0GKGRQCGxIM1oOKGxQuKGxEZVBxGRRr9XuMausmkTRbxCx4i0waJVZyyRur3Nog0gYjESZZGUEkYQaQo5lILBEjKEGSIkEkYwEgDEwTARMHBMYMYDwTBxwvBjAxow0ccLwC0MwC0EVipIW0NkBJDIRiZIVIdJC5DoRiZCZofIVIdCMrzRXsRZmV5lUTkVLUU7S9Yinai0TNMoXIoXI2NyKNyLoxzRRsRApkAxEd/FDYi4oZExs9VDYjELiMQjKI4/jWbUHh4NbwTY3Pq2/z+JsOOPUZrOBn6f+e8snul2GZJVJ/wByPT4dkNRSnroRXVoR/r9S6cy/VGbRJ9Rs9pFcs26DRraN4rl2kv1NhXapdnknKLXJWMlLhjEDbcorLCTKG7aiKrl1XZgirdDSlSsGjiCqc3BSTkujWTaweUmeQ7Bb+/S69OZ+34nrdE1yx6+xFMsFHglgyOXxDhT1cE8NrIc30Z5lxDr7I6+uMZyUcron0Exw18j5cjhVHp6eexkrbdLNcc+4skns6LLdWYMGWYOOBYLDYDCABoXJDJC5DoRipIXJDZGk3DflXqKtOoc0rPan6qKRVkpSS5NjITMdNmu0W5138/htvw5OEsrHUZIVsbNFaZamVrCiJsrzKVqLthUtLRM8yjaijcX7ijcXiY8hSn3MBzXUwMRO+ihkQIjImFnsIZEZFARGImyiOL459RnJ7JuDqfo9/gdZx16jOc4V29W2rKz1K76418jOknDIn80b+rS6nVPLbjFlxcGTa6zlnzOu0OkjCKSS7FxIEukO9hodEjXvcnme4bHqNN6cJyaRf4W4rlKarsfXsdlulClXLK9h5PD6vW+j09L+oynrW/0FeP2Utvlfgey83NDK9qOI4i0Orbm4z9D+HB2W1yzXHyMbtFeFLp7GZ8ctEqNWXGskLZ4xt8bVfiHrpno2wrWcy8XHJhYwmchsEf3+X4mevaeC5Y9F2Q85aI1zdiY4+0alxSXkaLiHUamEfqFl/E8u3TU3/SFKxfWJ9Ee42QTTykeVcUVr6fUse1fMXFLUqWw2WOmWp73fkb7h7fNXJ1wnU1B/78nUbvuLopdmM4WWhu1aeHhQ9FdvcUOMF+62fhfyFbU8iVDKMseNuzV7Vx3XbGUp+hjPRtFXU8d2NvwaLJxX+7GEzluDNl+k3PmzyRfVexnq1G1VQioqEe2OwzeOO7W7FUckm0pbI5bbeP4SkoXxlVJ9PS6L9Tq67lNKUXlP2nNcX8LV2VSnXFRnFNppFT9n27SnCVNjzKp4698AlGMlqiNGUoy0yOl3Pc69PHnteI+8DQblXqIc9T5o9soVxBsy1dXht8ufaK2DZfolXh83Mst5FSjp7Qty1dhfmzjdtf0jcr7e8aVyR8zqN21Hh02TfTlizn+CNM/Bna/WunKX5ZKQ2i2TybySNtvOqVVFs/4YyNRwlRyaWLfSVrlY/e8snG9z8GFUfWunGGPhk1vFdUqKdLOuUoqpwjJRbSa+Iy4Fe8tvXqzqZMr2FXcdby6WdqePq+ZP4tGi4N3Wy6u1Wzc5wksOXflaDsnQHbVm/sKlpqNTutzt1qrkuXTwTinHPp+3/pMP/Vn9D+kdHJVub9zkv/pVNEZJv18yxcilYhVe8c2l+kuKyoyk4p9MptYE0bh4kpxcXGUY1z6vKanHJSM47b8meeOSvbgzNEEafWRtipxzjMl175TwZKJpq0Z5LS2nyj0GIyIuI2JiZ6yGRGICIaEY6OL459Q13Ai9P/PebLjj1Wa7gX1/895brX0My4l/kvI9Oh2GRAgMRkZ6CEa/7OXkeR3fff8Akvmeua/7OXkeR3fff+X9S+LjvRkzfH/qz17afsoeSM7r9lLyZjafsoeSC3X7KXk/kQ/n7zV/T7jy7Yfv8vxS+Z69R6sfJHkexL9/l+JnrtHqx8kU6R1d5LonHh5Bz7M8r4pX7/V5r5nqkuzPK+Kvv9XmvmL0fl93mN0nq7/Jnpm1/ZQ8ka3jD7tZ+GXyNjtb+qh5I13F/wB2s/DL5CQ/E7ymT8F/Q5j9mUVib9vMz0E8u/ZzuUYWzrk0svKPUFJPsHLyn2HYeGu0ra+Oa559zPO+CXjXalLtn+p3m+a2NVNkpPHRnEfs907nffc10k+j/MbHtB+uonk3ml65PQGLkHbYorMml5io2xl1i0/ImizOY471XLp1XH1rZKK/Nmy2nSqqiqC9kV+uDQ76/H3DT0rrGr05LyOpl0XwSND2ikZVvJs5Ldn4246ervGlOyXn7C7xZpfE0ly9sVzL8ilw6vF1esvfZS8OL+COg1VXNCcX2lGS/VDPmhVxZxet1vPtVSz6Vnh1fnnDM7bUtPrrK+0bKITXnHuarRWOVlGjf/j1M5NfyrqbTi23wL9Pf7OWyuT84vByaq/l6fmBp3S7f28ibDX4i1lj/wDNbOPnFLH9TUQm/oEqvb9I8DHwdmfkdDw5Ry6WrPeadj85PJz1sca16f2S1MNQvJQbYXwu3bxAuX2b+Aqxcml1VC/26jwYr4TnFr+o3V/V6ib9ktLJ/nW/7MDXLGu8L2W20X/D0ISz/wBpE4m9FVyXeXi0/wDshhf9oHCb/L9m/swVc4x/Mm/FL7oRslbjCdf8LjLr/PXGXzyQTueu+j3S6PFkK+38uY/2MDR6RDEtD6hZdEyZn7SK+Kn/ANPWIjYiosZEVlEOiGhcRiEZRHHcbxbh0+JruB4NT6/51O2121Ru6SWQdv2OFTzFJFdUavsogoStrqbs3EBqFxGIys3ITrl9XLyPJ79PL6b6rxz+74nr84ZWCl/olXNzYWffgpjmorcjlxOTtfTxLG0r6qPkM11XNCS+A2qCisIYiLlvZoUfdo8g1Wmu0uqlYoSa5m00s9DuNh4pdzUHGSaS7pm+u2yufrRX6Eo2quDzGK/QtLLGSpozQwThLZ7F1dV5nnHG+zXO6N1UXLl74PSEBZRGXrJMhjnoZpyY9aOJ4c4kvfJVOmcfZzY6G94qedLN/wAsvkbWGirTyorJrOLPu1n4ZfIqpqWRNKiLhKGKSbs8y4c2Oy7mspk4zg3hr3nRw4k19C5J0Sm10Uo9mF+zTtZ+JneT08H3in+Q8pqPutWJHG5+8nTPNNTDX7jJRnF1VZ657ncbDs0dLVGEV1x197Zso1pdkl5IjJTyatkWhi07vc0fFmjtuocac879zwVeFNvuoocb8ueZPq2zopC5BU3p0gcFq1HNbXs1kdXfqLsel0r9uIm210JSrnGHrOLS88FuQmbH1NuxNCSo03D+1S01PJNpzlKUpNe1tl+Y2QqY12LVKjmquGOTWS1XMmnzNQx1TaG8QbKtXXGDlycsubmxn2djczK8x0kxHsU66FXCMF2hFRX5I1d21weoWpy+dR5VHpjtjJt7GVLGWSTM8nXBrNTt8JXRveeeEXBdVjDz/cr63SxtUVNZUZRmsPHpLsbG4qWlFFVxyZ5Sad3warX7bVc07I8zisLq10z8CFqzuQ54oN24oCz5IqlJpfU7uI2IlMZFmVnoIdEZEVFjIsRlENiMQqLGJiMdDYsNMUmHFiDoamGhSYxCsdBmUCjORRkGmZyBkzkARiZnItMzkAQsmt37SSuplCPdpo2GSZGi9LsWUVJNPrOU4P4fs0vNzvPM89sHVNkbMNhlLU7BCKgqRAJMy2BJgQWDIVJhyYuTHQjAkxUmHJipMdE2BJiZMZNipMoibFTK9jHTYixlESkxFhUmWbGVbCyISK1zKdpauZTtZVGWRVsfUhib6kCTO7ixkWJixkWY2eoh8WNTERY2LEZRDYsYmKTDixGOhqYaYpMNMVocamGmKTDTEHTGJhZF5MpgoYZkzkBSM5FDYeScwGSZODYzJjIOSZOo6wsmGweYxk6gWSUgGySYDYyQLMSYuTCkxcmOhGwZMVJhSYuTHRNsCTEzYyUhM2URNgTZXsY2bETY6JyEWMrWssWMq2ssjPIq3MpWstWsqWsojLIrTZAZkOsCO6TGxZXjIZGRmaPQTLEWNiyvGQ2LEZVMemMTERkMTEY6Y6LCTE5DTFHTHJhqQmLDTEodMbkzkWmFkAbGJmUxaZnIA2MyTIvJMnBsZzEyLyTIKOsNsFyByYbCdZlyAbI5ANhFbI2LkzMmLbHSEbBkxcmFJi5MdIRgSYqTDkxMmOhGwJsRNjJsRYyiRGTFWSKlrLFjKlsiqM8mVrWUrWWbJFS1lDNJiJMgMmQVjI7hMZFleMhsZEmjWmWIyGxZWixsZE2iyY9MZFiFIZFiMomOTDTEphxYrQ6HJhqQlSDTFGTGphZFJhZFoaxmTORakZ5gBDyZyBzE5gHWHkxkDJMhOsLJjmBbMOR1HWZbBcjDkA2MkK2SUgGySYuTGSFbJJipMzJi5MdCNgyYqbDkxMmOkTbFzYibGTkImyiIyYmxlS1liyRUtZVIzzZWsZUtZZsZUsY5DrEyZAZsgllUjtYsbFkIIy0RsWMizBCbLIbFjYswQmyqGIYmYIAdBphIyQRjGUGYIAZGUzJCACZyTJCHBJkxkhDjiZBbIQ4ALYDZCDCgSYDZCDIVi5MVJkIMhGKmxUiEKIkxFjK82QhREWV7WU7GQhRGeZVsZWsIQZkolabIQhE0rg//2Q=="/>
-          <p:cNvSpPr>
-            <a:spLocks noChangeAspect="1" noChangeArrowheads="1"/>
-          </p:cNvSpPr>
-          <p:nvPr/>
-        </p:nvSpPr>
-        <p:spPr bwMode="auto">
-          <a:xfrm>
-            <a:off x="155575" y="-144463"/>
-            <a:ext cx="304800" cy="304801"/>
-          </a:xfrm>
-          <a:prstGeom prst="rect">
-            <a:avLst/>
-          </a:prstGeom>
-          <a:noFill/>
-        </p:spPr>
-        <p:txBody>
-          <a:bodyPr vert="horz" wrap="square" lIns="91440" tIns="45720" rIns="91440" bIns="45720" numCol="1" anchor="t" anchorCtr="0" compatLnSpc="1">
-            <a:prstTxWarp prst="textNoShape">
-              <a:avLst/>
-            </a:prstTxWarp>
-          </a:bodyPr>
-          <a:lstStyle/>
-          <a:p>
-            <a:endParaRPr lang="en-IN"/>
           </a:p>
         </p:txBody>
       </p:sp>
@@ -25735,52 +25751,43 @@
           <a:p>
             <a:r>
               <a:rPr lang="en-US" dirty="0" smtClean="0"/>
-              <a:t>Functional Specifications</a:t>
+              <a:t>Android Features to be used</a:t>
             </a:r>
           </a:p>
           <a:p>
             <a:pPr lvl="1"/>
             <a:r>
               <a:rPr lang="en-US" dirty="0" smtClean="0"/>
-              <a:t>Displays Random Quotes</a:t>
+              <a:t>Activities</a:t>
             </a:r>
           </a:p>
           <a:p>
             <a:pPr lvl="1"/>
             <a:r>
               <a:rPr lang="en-US" dirty="0" smtClean="0"/>
-              <a:t>User can share quotes via SMS</a:t>
+              <a:t>Layouts for all activities</a:t>
             </a:r>
           </a:p>
           <a:p>
             <a:pPr lvl="1"/>
             <a:r>
-              <a:rPr lang="en-US" b="1" dirty="0" smtClean="0"/>
-              <a:t>Future Extensions</a:t>
-            </a:r>
-          </a:p>
-          <a:p>
-            <a:pPr lvl="2"/>
-            <a:r>
-              <a:rPr lang="en-US" dirty="0" smtClean="0"/>
-              <a:t>User can view quotes by category</a:t>
-            </a:r>
-          </a:p>
-          <a:p>
-            <a:pPr lvl="2"/>
-            <a:r>
-              <a:rPr lang="en-US" dirty="0" smtClean="0"/>
-              <a:t>User can mark some quotes as </a:t>
-            </a:r>
-            <a:r>
-              <a:rPr lang="en-US" dirty="0" err="1" smtClean="0"/>
-              <a:t>favourites</a:t>
-            </a:r>
-            <a:endParaRPr lang="en-US" dirty="0" smtClean="0"/>
+              <a:rPr lang="en-US" dirty="0" smtClean="0"/>
+              <a:t>Launch SMS App to share Quote via SMS</a:t>
+            </a:r>
           </a:p>
           <a:p>
             <a:pPr lvl="1"/>
-            <a:endParaRPr lang="en-IN" dirty="0"/>
+            <a:r>
+              <a:rPr lang="en-US" dirty="0" smtClean="0"/>
+              <a:t>Launch Email App to share Quote via Email</a:t>
+            </a:r>
+          </a:p>
+          <a:p>
+            <a:pPr lvl="1"/>
+            <a:r>
+              <a:rPr lang="en-US" dirty="0" smtClean="0"/>
+              <a:t>File based database to store quotes</a:t>
+            </a:r>
           </a:p>
         </p:txBody>
       </p:sp>
@@ -25815,13 +25822,6 @@
   <p:clrMapOvr>
     <a:masterClrMapping/>
   </p:clrMapOvr>
-  <p:timing>
-    <p:tnLst>
-      <p:par>
-        <p:cTn id="1" dur="indefinite" restart="never" nodeType="tmRoot"/>
-      </p:par>
-    </p:tnLst>
-  </p:timing>
 </p:sld>
 </file>
 
@@ -25860,7 +25860,7 @@
             <a:pPr algn="ctr"/>
             <a:r>
               <a:rPr lang="en-US" dirty="0" smtClean="0"/>
-              <a:t>Quotes Application</a:t>
+              <a:t>Quotes App in Action</a:t>
             </a:r>
             <a:endParaRPr lang="en-IN" dirty="0"/>
           </a:p>
@@ -25886,63 +25886,6 @@
               <a:t>2011-2012</a:t>
             </a:r>
             <a:endParaRPr lang="en-US" dirty="0"/>
-          </a:p>
-        </p:txBody>
-      </p:sp>
-      <p:sp>
-        <p:nvSpPr>
-          <p:cNvPr id="4" name="Content Placeholder 3"/>
-          <p:cNvSpPr>
-            <a:spLocks noGrp="1"/>
-          </p:cNvSpPr>
-          <p:nvPr>
-            <p:ph sz="quarter" idx="1"/>
-          </p:nvPr>
-        </p:nvSpPr>
-        <p:spPr/>
-        <p:txBody>
-          <a:bodyPr/>
-          <a:lstStyle/>
-          <a:p>
-            <a:r>
-              <a:rPr lang="en-US" dirty="0" smtClean="0"/>
-              <a:t>Android Features to be used</a:t>
-            </a:r>
-          </a:p>
-          <a:p>
-            <a:pPr lvl="1"/>
-            <a:r>
-              <a:rPr lang="en-US" dirty="0" smtClean="0"/>
-              <a:t>Activities</a:t>
-            </a:r>
-          </a:p>
-          <a:p>
-            <a:pPr lvl="1"/>
-            <a:r>
-              <a:rPr lang="en-US" dirty="0" smtClean="0"/>
-              <a:t>Layouts for all activities</a:t>
-            </a:r>
-          </a:p>
-          <a:p>
-            <a:pPr lvl="1"/>
-            <a:r>
-              <a:rPr lang="en-US" dirty="0" smtClean="0"/>
-              <a:t>Launch SMS App to share Quote via SMS</a:t>
-            </a:r>
-          </a:p>
-          <a:p>
-            <a:pPr lvl="1"/>
-            <a:r>
-              <a:rPr lang="en-US" dirty="0" smtClean="0"/>
-              <a:t>Launch Email App to share Quote via Email</a:t>
-            </a:r>
-          </a:p>
-          <a:p>
-            <a:pPr lvl="1"/>
-            <a:r>
-              <a:rPr lang="en-US" dirty="0" smtClean="0"/>
-              <a:t>File based database to store quotes</a:t>
-            </a:r>
           </a:p>
         </p:txBody>
       </p:sp>
@@ -25972,11 +25915,82 @@
           </a:p>
         </p:txBody>
       </p:sp>
+      <p:sp>
+        <p:nvSpPr>
+          <p:cNvPr id="10" name="Content Placeholder 3"/>
+          <p:cNvSpPr>
+            <a:spLocks noGrp="1"/>
+          </p:cNvSpPr>
+          <p:nvPr>
+            <p:ph sz="quarter" idx="1"/>
+          </p:nvPr>
+        </p:nvSpPr>
+        <p:spPr>
+          <a:xfrm>
+            <a:off x="612648" y="1600200"/>
+            <a:ext cx="8153400" cy="685800"/>
+          </a:xfrm>
+        </p:spPr>
+        <p:txBody>
+          <a:bodyPr/>
+          <a:lstStyle/>
+          <a:p>
+            <a:r>
+              <a:rPr lang="en-US" dirty="0" err="1" smtClean="0"/>
+              <a:t>QuoteActivity</a:t>
+            </a:r>
+            <a:r>
+              <a:rPr lang="en-US" dirty="0" smtClean="0"/>
+              <a:t> – Shows Main Menu</a:t>
+            </a:r>
+            <a:endParaRPr lang="en-US" dirty="0" smtClean="0"/>
+          </a:p>
+        </p:txBody>
+      </p:sp>
+      <p:pic>
+        <p:nvPicPr>
+          <p:cNvPr id="1026" name="Picture 2"/>
+          <p:cNvPicPr>
+            <a:picLocks noChangeAspect="1" noChangeArrowheads="1"/>
+          </p:cNvPicPr>
+          <p:nvPr/>
+        </p:nvPicPr>
+        <p:blipFill>
+          <a:blip r:embed="rId2" cstate="print"/>
+          <a:srcRect/>
+          <a:stretch>
+            <a:fillRect/>
+          </a:stretch>
+        </p:blipFill>
+        <p:spPr bwMode="auto">
+          <a:xfrm>
+            <a:off x="3352800" y="2209800"/>
+            <a:ext cx="2286000" cy="3810000"/>
+          </a:xfrm>
+          <a:prstGeom prst="rect">
+            <a:avLst/>
+          </a:prstGeom>
+          <a:noFill/>
+          <a:ln w="9525">
+            <a:noFill/>
+            <a:miter lim="800000"/>
+            <a:headEnd/>
+            <a:tailEnd/>
+          </a:ln>
+        </p:spPr>
+      </p:pic>
     </p:spTree>
   </p:cSld>
   <p:clrMapOvr>
     <a:masterClrMapping/>
   </p:clrMapOvr>
+  <p:timing>
+    <p:tnLst>
+      <p:par>
+        <p:cTn id="1" dur="indefinite" restart="never" nodeType="tmRoot"/>
+      </p:par>
+    </p:tnLst>
+  </p:timing>
 </p:sld>
 </file>
 
@@ -26092,14 +26106,18 @@
           <a:p>
             <a:r>
               <a:rPr lang="en-US" dirty="0" smtClean="0"/>
-              <a:t>Main Activity – supports both Portrait &amp; Landscape</a:t>
+              <a:t>Show Quotes </a:t>
+            </a:r>
+            <a:r>
+              <a:rPr lang="en-US" dirty="0" smtClean="0"/>
+              <a:t>retrieves a quote from Database</a:t>
             </a:r>
           </a:p>
         </p:txBody>
       </p:sp>
       <p:pic>
         <p:nvPicPr>
-          <p:cNvPr id="4" name="Picture 2"/>
+          <p:cNvPr id="12" name="Picture 2"/>
           <p:cNvPicPr>
             <a:picLocks noChangeAspect="1" noChangeArrowheads="1"/>
           </p:cNvPicPr>
@@ -26114,8 +26132,8 @@
         </p:blipFill>
         <p:spPr bwMode="auto">
           <a:xfrm>
-            <a:off x="685800" y="2362200"/>
-            <a:ext cx="2331720" cy="3886200"/>
+            <a:off x="533400" y="2133600"/>
+            <a:ext cx="2286000" cy="3810000"/>
           </a:xfrm>
           <a:prstGeom prst="rect">
             <a:avLst/>
@@ -26129,195 +26147,6 @@
           </a:ln>
         </p:spPr>
       </p:pic>
-      <p:pic>
-        <p:nvPicPr>
-          <p:cNvPr id="6" name="Picture 3"/>
-          <p:cNvPicPr>
-            <a:picLocks noChangeAspect="1" noChangeArrowheads="1"/>
-          </p:cNvPicPr>
-          <p:nvPr/>
-        </p:nvPicPr>
-        <p:blipFill>
-          <a:blip r:embed="rId3" cstate="print"/>
-          <a:srcRect/>
-          <a:stretch>
-            <a:fillRect/>
-          </a:stretch>
-        </p:blipFill>
-        <p:spPr bwMode="auto">
-          <a:xfrm>
-            <a:off x="3505200" y="2819400"/>
-            <a:ext cx="4699000" cy="2819400"/>
-          </a:xfrm>
-          <a:prstGeom prst="rect">
-            <a:avLst/>
-          </a:prstGeom>
-          <a:noFill/>
-          <a:ln w="9525">
-            <a:noFill/>
-            <a:miter lim="800000"/>
-            <a:headEnd/>
-            <a:tailEnd/>
-          </a:ln>
-        </p:spPr>
-      </p:pic>
-    </p:spTree>
-  </p:cSld>
-  <p:clrMapOvr>
-    <a:masterClrMapping/>
-  </p:clrMapOvr>
-</p:sld>
-</file>
-
-<file path=ppt/slides/slide74.xml><?xml version="1.0" encoding="utf-8"?>
-<p:sld xmlns:a="http://schemas.openxmlformats.org/drawingml/2006/main" xmlns:r="http://schemas.openxmlformats.org/officeDocument/2006/relationships" xmlns:p="http://schemas.openxmlformats.org/presentationml/2006/main">
-  <p:cSld>
-    <p:spTree>
-      <p:nvGrpSpPr>
-        <p:cNvPr id="1" name=""/>
-        <p:cNvGrpSpPr/>
-        <p:nvPr/>
-      </p:nvGrpSpPr>
-      <p:grpSpPr>
-        <a:xfrm>
-          <a:off x="0" y="0"/>
-          <a:ext cx="0" cy="0"/>
-          <a:chOff x="0" y="0"/>
-          <a:chExt cx="0" cy="0"/>
-        </a:xfrm>
-      </p:grpSpPr>
-      <p:pic>
-        <p:nvPicPr>
-          <p:cNvPr id="9" name="Picture 2"/>
-          <p:cNvPicPr>
-            <a:picLocks noChangeAspect="1" noChangeArrowheads="1"/>
-          </p:cNvPicPr>
-          <p:nvPr/>
-        </p:nvPicPr>
-        <p:blipFill>
-          <a:blip r:embed="rId2" cstate="print"/>
-          <a:srcRect/>
-          <a:stretch>
-            <a:fillRect/>
-          </a:stretch>
-        </p:blipFill>
-        <p:spPr bwMode="auto">
-          <a:xfrm>
-            <a:off x="685800" y="2362200"/>
-            <a:ext cx="2331720" cy="3886200"/>
-          </a:xfrm>
-          <a:prstGeom prst="rect">
-            <a:avLst/>
-          </a:prstGeom>
-          <a:noFill/>
-          <a:ln w="9525">
-            <a:noFill/>
-            <a:miter lim="800000"/>
-            <a:headEnd/>
-            <a:tailEnd/>
-          </a:ln>
-        </p:spPr>
-      </p:pic>
-      <p:sp>
-        <p:nvSpPr>
-          <p:cNvPr id="2" name="Title 1"/>
-          <p:cNvSpPr>
-            <a:spLocks noGrp="1"/>
-          </p:cNvSpPr>
-          <p:nvPr>
-            <p:ph type="title"/>
-          </p:nvPr>
-        </p:nvSpPr>
-        <p:spPr/>
-        <p:txBody>
-          <a:bodyPr/>
-          <a:lstStyle/>
-          <a:p>
-            <a:pPr algn="ctr"/>
-            <a:r>
-              <a:rPr lang="en-US" dirty="0" smtClean="0"/>
-              <a:t>Quotes App in Action</a:t>
-            </a:r>
-            <a:endParaRPr lang="en-IN" dirty="0"/>
-          </a:p>
-        </p:txBody>
-      </p:sp>
-      <p:sp>
-        <p:nvSpPr>
-          <p:cNvPr id="3" name="Date Placeholder 2"/>
-          <p:cNvSpPr>
-            <a:spLocks noGrp="1"/>
-          </p:cNvSpPr>
-          <p:nvPr>
-            <p:ph type="dt" sz="half" idx="10"/>
-          </p:nvPr>
-        </p:nvSpPr>
-        <p:spPr/>
-        <p:txBody>
-          <a:bodyPr/>
-          <a:lstStyle/>
-          <a:p>
-            <a:r>
-              <a:rPr lang="en-US" smtClean="0"/>
-              <a:t>2011-2012</a:t>
-            </a:r>
-            <a:endParaRPr lang="en-US" dirty="0"/>
-          </a:p>
-        </p:txBody>
-      </p:sp>
-      <p:sp>
-        <p:nvSpPr>
-          <p:cNvPr id="5" name="Slide Number Placeholder 4"/>
-          <p:cNvSpPr>
-            <a:spLocks noGrp="1"/>
-          </p:cNvSpPr>
-          <p:nvPr>
-            <p:ph type="sldNum" sz="quarter" idx="12"/>
-          </p:nvPr>
-        </p:nvSpPr>
-        <p:spPr/>
-        <p:txBody>
-          <a:bodyPr>
-            <a:normAutofit fontScale="85000" lnSpcReduction="20000"/>
-          </a:bodyPr>
-          <a:lstStyle/>
-          <a:p>
-            <a:fld id="{F2BF1754-4D2F-46D8-A35A-EF7FA01DA8F5}" type="slidenum">
-              <a:rPr lang="en-US" smtClean="0"/>
-              <a:pPr/>
-              <a:t>74</a:t>
-            </a:fld>
-            <a:endParaRPr lang="en-US" dirty="0"/>
-          </a:p>
-        </p:txBody>
-      </p:sp>
-      <p:sp>
-        <p:nvSpPr>
-          <p:cNvPr id="10" name="Content Placeholder 3"/>
-          <p:cNvSpPr>
-            <a:spLocks noGrp="1"/>
-          </p:cNvSpPr>
-          <p:nvPr>
-            <p:ph sz="quarter" idx="1"/>
-          </p:nvPr>
-        </p:nvSpPr>
-        <p:spPr>
-          <a:xfrm>
-            <a:off x="612648" y="1600200"/>
-            <a:ext cx="8153400" cy="685800"/>
-          </a:xfrm>
-        </p:spPr>
-        <p:txBody>
-          <a:bodyPr/>
-          <a:lstStyle/>
-          <a:p>
-            <a:r>
-              <a:rPr lang="en-US" dirty="0" smtClean="0"/>
-              <a:t>Random Quote retrieves a quote from Database</a:t>
-            </a:r>
-          </a:p>
-        </p:txBody>
-      </p:sp>
       <p:cxnSp>
         <p:nvCxnSpPr>
           <p:cNvPr id="11" name="Elbow Connector 10"/>
@@ -26325,9 +26154,9 @@
           <p:nvPr/>
         </p:nvCxnSpPr>
         <p:spPr>
-          <a:xfrm flipV="1">
-            <a:off x="2286000" y="2971800"/>
-            <a:ext cx="2286000" cy="457200"/>
+          <a:xfrm>
+            <a:off x="2286000" y="3429000"/>
+            <a:ext cx="2286000" cy="152400"/>
           </a:xfrm>
           <a:prstGeom prst="bentConnector3">
             <a:avLst>
@@ -26355,7 +26184,7 @@
       </p:cxnSp>
       <p:pic>
         <p:nvPicPr>
-          <p:cNvPr id="3074" name="Picture 2"/>
+          <p:cNvPr id="2050" name="Picture 2"/>
           <p:cNvPicPr>
             <a:picLocks noChangeAspect="1" noChangeArrowheads="1"/>
           </p:cNvPicPr>
@@ -26370,8 +26199,8 @@
         </p:blipFill>
         <p:spPr bwMode="auto">
           <a:xfrm>
-            <a:off x="4572000" y="2286000"/>
-            <a:ext cx="2377440" cy="3962400"/>
+            <a:off x="4648200" y="2057400"/>
+            <a:ext cx="2438400" cy="4064000"/>
           </a:xfrm>
           <a:prstGeom prst="rect">
             <a:avLst/>
@@ -26390,10 +26219,17 @@
   <p:clrMapOvr>
     <a:masterClrMapping/>
   </p:clrMapOvr>
+  <p:timing>
+    <p:tnLst>
+      <p:par>
+        <p:cTn id="1" dur="indefinite" restart="never" nodeType="tmRoot"/>
+      </p:par>
+    </p:tnLst>
+  </p:timing>
 </p:sld>
 </file>
 
-<file path=ppt/slides/slide75.xml><?xml version="1.0" encoding="utf-8"?>
+<file path=ppt/slides/slide74.xml><?xml version="1.0" encoding="utf-8"?>
 <p:sld xmlns:a="http://schemas.openxmlformats.org/drawingml/2006/main" xmlns:r="http://schemas.openxmlformats.org/officeDocument/2006/relationships" xmlns:p="http://schemas.openxmlformats.org/presentationml/2006/main">
   <p:cSld>
     <p:spTree>
@@ -26412,7 +26248,7 @@
       </p:grpSpPr>
       <p:pic>
         <p:nvPicPr>
-          <p:cNvPr id="19" name="Picture 2"/>
+          <p:cNvPr id="16" name="Picture 2"/>
           <p:cNvPicPr>
             <a:picLocks noChangeAspect="1" noChangeArrowheads="1"/>
           </p:cNvPicPr>
@@ -26427,8 +26263,8 @@
         </p:blipFill>
         <p:spPr bwMode="auto">
           <a:xfrm>
-            <a:off x="304800" y="2133600"/>
-            <a:ext cx="2377440" cy="3962400"/>
+            <a:off x="381000" y="2209800"/>
+            <a:ext cx="2438400" cy="4064000"/>
           </a:xfrm>
           <a:prstGeom prst="rect">
             <a:avLst/>
@@ -26509,7 +26345,7 @@
             <a:fld id="{F2BF1754-4D2F-46D8-A35A-EF7FA01DA8F5}" type="slidenum">
               <a:rPr lang="en-US" smtClean="0"/>
               <a:pPr/>
-              <a:t>75</a:t>
+              <a:t>74</a:t>
             </a:fld>
             <a:endParaRPr lang="en-US" dirty="0"/>
           </a:p>
@@ -26537,7 +26373,11 @@
           <a:p>
             <a:r>
               <a:rPr lang="en-US" dirty="0" smtClean="0"/>
-              <a:t>Random Quote Activity – Other Functions</a:t>
+              <a:t>Show Quote Activity </a:t>
+            </a:r>
+            <a:r>
+              <a:rPr lang="en-US" dirty="0" smtClean="0"/>
+              <a:t>– Other Functions</a:t>
             </a:r>
           </a:p>
         </p:txBody>
@@ -26545,16 +26385,20 @@
       <p:cxnSp>
         <p:nvCxnSpPr>
           <p:cNvPr id="11" name="Elbow Connector 10"/>
-          <p:cNvCxnSpPr/>
+          <p:cNvCxnSpPr>
+            <a:endCxn id="26" idx="1"/>
+          </p:cNvCxnSpPr>
           <p:nvPr/>
         </p:nvCxnSpPr>
         <p:spPr>
-          <a:xfrm rot="5400000" flipH="1" flipV="1">
-            <a:off x="1219200" y="3429000"/>
-            <a:ext cx="2438400" cy="2438400"/>
+          <a:xfrm flipV="1">
+            <a:off x="2362200" y="3276600"/>
+            <a:ext cx="1295400" cy="914400"/>
           </a:xfrm>
-          <a:prstGeom prst="bentConnector2">
-            <a:avLst/>
+          <a:prstGeom prst="bentConnector3">
+            <a:avLst>
+              <a:gd name="adj1" fmla="val 50000"/>
+            </a:avLst>
           </a:prstGeom>
           <a:ln>
             <a:tailEnd type="arrow"/>
@@ -26582,13 +26426,13 @@
           <p:nvPr/>
         </p:nvCxnSpPr>
         <p:spPr>
-          <a:xfrm flipV="1">
-            <a:off x="1905000" y="4572000"/>
-            <a:ext cx="1981200" cy="1295400"/>
+          <a:xfrm>
+            <a:off x="2057400" y="4495800"/>
+            <a:ext cx="1828800" cy="76200"/>
           </a:xfrm>
           <a:prstGeom prst="bentConnector3">
             <a:avLst>
-              <a:gd name="adj1" fmla="val -1202"/>
+              <a:gd name="adj1" fmla="val 50000"/>
             </a:avLst>
           </a:prstGeom>
           <a:ln>
@@ -26876,173 +26720,68 @@
           </a:fontRef>
         </p:style>
       </p:cxnSp>
-    </p:spTree>
-  </p:cSld>
-  <p:clrMapOvr>
-    <a:masterClrMapping/>
-  </p:clrMapOvr>
-</p:sld>
-</file>
-
-<file path=ppt/slides/slide76.xml><?xml version="1.0" encoding="utf-8"?>
-<p:sld xmlns:a="http://schemas.openxmlformats.org/drawingml/2006/main" xmlns:r="http://schemas.openxmlformats.org/officeDocument/2006/relationships" xmlns:p="http://schemas.openxmlformats.org/presentationml/2006/main">
-  <p:cSld>
-    <p:spTree>
-      <p:nvGrpSpPr>
-        <p:cNvPr id="1" name=""/>
-        <p:cNvGrpSpPr/>
-        <p:nvPr/>
-      </p:nvGrpSpPr>
-      <p:grpSpPr>
-        <a:xfrm>
-          <a:off x="0" y="0"/>
-          <a:ext cx="0" cy="0"/>
-          <a:chOff x="0" y="0"/>
-          <a:chExt cx="0" cy="0"/>
-        </a:xfrm>
-      </p:grpSpPr>
-      <p:sp>
-        <p:nvSpPr>
-          <p:cNvPr id="2" name="Title 1"/>
-          <p:cNvSpPr>
-            <a:spLocks noGrp="1"/>
-          </p:cNvSpPr>
-          <p:nvPr>
-            <p:ph type="title"/>
-          </p:nvPr>
-        </p:nvSpPr>
-        <p:spPr/>
-        <p:txBody>
-          <a:bodyPr/>
-          <a:lstStyle/>
-          <a:p>
-            <a:pPr algn="ctr"/>
-            <a:r>
-              <a:rPr lang="en-US" dirty="0" smtClean="0"/>
-              <a:t>Quotes App in Action</a:t>
-            </a:r>
-            <a:endParaRPr lang="en-IN" dirty="0"/>
-          </a:p>
-        </p:txBody>
-      </p:sp>
-      <p:sp>
-        <p:nvSpPr>
-          <p:cNvPr id="3" name="Date Placeholder 2"/>
-          <p:cNvSpPr>
-            <a:spLocks noGrp="1"/>
-          </p:cNvSpPr>
-          <p:nvPr>
-            <p:ph type="dt" sz="half" idx="10"/>
-          </p:nvPr>
-        </p:nvSpPr>
-        <p:spPr/>
-        <p:txBody>
-          <a:bodyPr/>
-          <a:lstStyle/>
-          <a:p>
-            <a:r>
-              <a:rPr lang="en-US" smtClean="0"/>
-              <a:t>2011-2012</a:t>
-            </a:r>
-            <a:endParaRPr lang="en-US" dirty="0"/>
-          </a:p>
-        </p:txBody>
-      </p:sp>
-      <p:sp>
-        <p:nvSpPr>
-          <p:cNvPr id="5" name="Slide Number Placeholder 4"/>
-          <p:cNvSpPr>
-            <a:spLocks noGrp="1"/>
-          </p:cNvSpPr>
-          <p:nvPr>
-            <p:ph type="sldNum" sz="quarter" idx="12"/>
-          </p:nvPr>
-        </p:nvSpPr>
-        <p:spPr/>
-        <p:txBody>
-          <a:bodyPr>
-            <a:normAutofit fontScale="85000" lnSpcReduction="20000"/>
-          </a:bodyPr>
-          <a:lstStyle/>
-          <a:p>
-            <a:fld id="{F2BF1754-4D2F-46D8-A35A-EF7FA01DA8F5}" type="slidenum">
-              <a:rPr lang="en-US" smtClean="0"/>
-              <a:pPr/>
-              <a:t>76</a:t>
-            </a:fld>
-            <a:endParaRPr lang="en-US" dirty="0"/>
-          </a:p>
-        </p:txBody>
-      </p:sp>
-      <p:sp>
-        <p:nvSpPr>
-          <p:cNvPr id="10" name="Content Placeholder 3"/>
-          <p:cNvSpPr>
-            <a:spLocks noGrp="1"/>
-          </p:cNvSpPr>
-          <p:nvPr>
-            <p:ph sz="quarter" idx="1"/>
-          </p:nvPr>
+      <p:sp>
+        <p:nvSpPr>
+          <p:cNvPr id="29" name="Rounded Rectangle 28"/>
+          <p:cNvSpPr/>
+          <p:nvPr/>
         </p:nvSpPr>
         <p:spPr>
           <a:xfrm>
-            <a:off x="612648" y="1600200"/>
-            <a:ext cx="8153400" cy="685800"/>
+            <a:off x="3962400" y="5181600"/>
+            <a:ext cx="2743200" cy="914400"/>
           </a:xfrm>
-        </p:spPr>
-        <p:txBody>
-          <a:bodyPr/>
-          <a:lstStyle/>
-          <a:p>
-            <a:r>
-              <a:rPr lang="en-US" dirty="0" smtClean="0"/>
-              <a:t>About App – Displays a Dialog box</a:t>
-            </a:r>
-          </a:p>
-        </p:txBody>
-      </p:sp>
-      <p:pic>
-        <p:nvPicPr>
-          <p:cNvPr id="9" name="Picture 2"/>
-          <p:cNvPicPr>
-            <a:picLocks noChangeAspect="1" noChangeArrowheads="1"/>
-          </p:cNvPicPr>
-          <p:nvPr/>
-        </p:nvPicPr>
-        <p:blipFill>
-          <a:blip r:embed="rId2" cstate="print"/>
-          <a:srcRect/>
-          <a:stretch>
-            <a:fillRect/>
-          </a:stretch>
-        </p:blipFill>
-        <p:spPr bwMode="auto">
-          <a:xfrm>
-            <a:off x="685800" y="2362200"/>
-            <a:ext cx="2331720" cy="3886200"/>
-          </a:xfrm>
-          <a:prstGeom prst="rect">
+          <a:prstGeom prst="roundRect">
             <a:avLst/>
           </a:prstGeom>
-          <a:noFill/>
-          <a:ln w="9525">
-            <a:noFill/>
-            <a:miter lim="800000"/>
-            <a:headEnd/>
-            <a:tailEnd/>
-          </a:ln>
         </p:spPr>
-      </p:pic>
+        <p:style>
+          <a:lnRef idx="2">
+            <a:schemeClr val="accent1">
+              <a:shade val="50000"/>
+            </a:schemeClr>
+          </a:lnRef>
+          <a:fillRef idx="1">
+            <a:schemeClr val="accent1"/>
+          </a:fillRef>
+          <a:effectRef idx="0">
+            <a:schemeClr val="accent1"/>
+          </a:effectRef>
+          <a:fontRef idx="minor">
+            <a:schemeClr val="lt1"/>
+          </a:fontRef>
+        </p:style>
+        <p:txBody>
+          <a:bodyPr rtlCol="0" anchor="ctr"/>
+          <a:lstStyle/>
+          <a:p>
+            <a:pPr algn="ctr"/>
+            <a:r>
+              <a:rPr lang="en-US" b="1" dirty="0" smtClean="0"/>
+              <a:t>Launches </a:t>
+            </a:r>
+            <a:r>
+              <a:rPr lang="en-US" b="1" dirty="0" smtClean="0"/>
+              <a:t>Email </a:t>
+            </a:r>
+            <a:r>
+              <a:rPr lang="en-US" b="1" dirty="0" smtClean="0"/>
+              <a:t>App on phone to share this quote</a:t>
+            </a:r>
+            <a:endParaRPr lang="en-IN" b="1" dirty="0"/>
+          </a:p>
+        </p:txBody>
+      </p:sp>
       <p:cxnSp>
         <p:nvCxnSpPr>
-          <p:cNvPr id="11" name="Elbow Connector 10"/>
+          <p:cNvPr id="31" name="Elbow Connector 30"/>
           <p:cNvCxnSpPr/>
           <p:nvPr/>
         </p:nvCxnSpPr>
         <p:spPr>
-          <a:xfrm flipV="1">
-            <a:off x="2590800" y="4419600"/>
-            <a:ext cx="1981200" cy="762000"/>
+          <a:xfrm>
+            <a:off x="2209800" y="4953000"/>
+            <a:ext cx="1752600" cy="762000"/>
           </a:xfrm>
           <a:prstGeom prst="bentConnector3">
             <a:avLst>
@@ -27070,7 +26809,281 @@
       </p:cxnSp>
       <p:pic>
         <p:nvPicPr>
-          <p:cNvPr id="2050" name="Picture 2"/>
+          <p:cNvPr id="3074" name="Picture 2"/>
+          <p:cNvPicPr>
+            <a:picLocks noChangeAspect="1" noChangeArrowheads="1"/>
+          </p:cNvPicPr>
+          <p:nvPr/>
+        </p:nvPicPr>
+        <p:blipFill>
+          <a:blip r:embed="rId4" cstate="print"/>
+          <a:srcRect/>
+          <a:stretch>
+            <a:fillRect/>
+          </a:stretch>
+        </p:blipFill>
+        <p:spPr bwMode="auto">
+          <a:xfrm>
+            <a:off x="7924800" y="5029200"/>
+            <a:ext cx="914400" cy="1524000"/>
+          </a:xfrm>
+          <a:prstGeom prst="rect">
+            <a:avLst/>
+          </a:prstGeom>
+          <a:ln>
+            <a:headEnd/>
+            <a:tailEnd/>
+          </a:ln>
+        </p:spPr>
+        <p:style>
+          <a:lnRef idx="2">
+            <a:schemeClr val="dk1">
+              <a:shade val="50000"/>
+            </a:schemeClr>
+          </a:lnRef>
+          <a:fillRef idx="1">
+            <a:schemeClr val="dk1"/>
+          </a:fillRef>
+          <a:effectRef idx="0">
+            <a:schemeClr val="dk1"/>
+          </a:effectRef>
+          <a:fontRef idx="minor">
+            <a:schemeClr val="lt1"/>
+          </a:fontRef>
+        </p:style>
+      </p:pic>
+      <p:cxnSp>
+        <p:nvCxnSpPr>
+          <p:cNvPr id="36" name="Straight Arrow Connector 35"/>
+          <p:cNvCxnSpPr>
+            <a:stCxn id="29" idx="3"/>
+            <a:endCxn id="3074" idx="1"/>
+          </p:cNvCxnSpPr>
+          <p:nvPr/>
+        </p:nvCxnSpPr>
+        <p:spPr>
+          <a:xfrm>
+            <a:off x="6705600" y="5638800"/>
+            <a:ext cx="1219200" cy="152400"/>
+          </a:xfrm>
+          <a:prstGeom prst="straightConnector1">
+            <a:avLst/>
+          </a:prstGeom>
+          <a:ln w="28575">
+            <a:headEnd type="arrow"/>
+            <a:tailEnd type="arrow"/>
+          </a:ln>
+        </p:spPr>
+        <p:style>
+          <a:lnRef idx="1">
+            <a:schemeClr val="accent1"/>
+          </a:lnRef>
+          <a:fillRef idx="0">
+            <a:schemeClr val="accent1"/>
+          </a:fillRef>
+          <a:effectRef idx="0">
+            <a:schemeClr val="accent1"/>
+          </a:effectRef>
+          <a:fontRef idx="minor">
+            <a:schemeClr val="tx1"/>
+          </a:fontRef>
+        </p:style>
+      </p:cxnSp>
+    </p:spTree>
+  </p:cSld>
+  <p:clrMapOvr>
+    <a:masterClrMapping/>
+  </p:clrMapOvr>
+</p:sld>
+</file>
+
+<file path=ppt/slides/slide75.xml><?xml version="1.0" encoding="utf-8"?>
+<p:sld xmlns:a="http://schemas.openxmlformats.org/drawingml/2006/main" xmlns:r="http://schemas.openxmlformats.org/officeDocument/2006/relationships" xmlns:p="http://schemas.openxmlformats.org/presentationml/2006/main">
+  <p:cSld>
+    <p:spTree>
+      <p:nvGrpSpPr>
+        <p:cNvPr id="1" name=""/>
+        <p:cNvGrpSpPr/>
+        <p:nvPr/>
+      </p:nvGrpSpPr>
+      <p:grpSpPr>
+        <a:xfrm>
+          <a:off x="0" y="0"/>
+          <a:ext cx="0" cy="0"/>
+          <a:chOff x="0" y="0"/>
+          <a:chExt cx="0" cy="0"/>
+        </a:xfrm>
+      </p:grpSpPr>
+      <p:sp>
+        <p:nvSpPr>
+          <p:cNvPr id="2" name="Title 1"/>
+          <p:cNvSpPr>
+            <a:spLocks noGrp="1"/>
+          </p:cNvSpPr>
+          <p:nvPr>
+            <p:ph type="title"/>
+          </p:nvPr>
+        </p:nvSpPr>
+        <p:spPr/>
+        <p:txBody>
+          <a:bodyPr/>
+          <a:lstStyle/>
+          <a:p>
+            <a:pPr algn="ctr"/>
+            <a:r>
+              <a:rPr lang="en-US" dirty="0" smtClean="0"/>
+              <a:t>Quotes App in Action</a:t>
+            </a:r>
+            <a:endParaRPr lang="en-IN" dirty="0"/>
+          </a:p>
+        </p:txBody>
+      </p:sp>
+      <p:sp>
+        <p:nvSpPr>
+          <p:cNvPr id="3" name="Date Placeholder 2"/>
+          <p:cNvSpPr>
+            <a:spLocks noGrp="1"/>
+          </p:cNvSpPr>
+          <p:nvPr>
+            <p:ph type="dt" sz="half" idx="10"/>
+          </p:nvPr>
+        </p:nvSpPr>
+        <p:spPr/>
+        <p:txBody>
+          <a:bodyPr/>
+          <a:lstStyle/>
+          <a:p>
+            <a:r>
+              <a:rPr lang="en-US" smtClean="0"/>
+              <a:t>2011-2012</a:t>
+            </a:r>
+            <a:endParaRPr lang="en-US" dirty="0"/>
+          </a:p>
+        </p:txBody>
+      </p:sp>
+      <p:sp>
+        <p:nvSpPr>
+          <p:cNvPr id="5" name="Slide Number Placeholder 4"/>
+          <p:cNvSpPr>
+            <a:spLocks noGrp="1"/>
+          </p:cNvSpPr>
+          <p:nvPr>
+            <p:ph type="sldNum" sz="quarter" idx="12"/>
+          </p:nvPr>
+        </p:nvSpPr>
+        <p:spPr/>
+        <p:txBody>
+          <a:bodyPr>
+            <a:normAutofit fontScale="85000" lnSpcReduction="20000"/>
+          </a:bodyPr>
+          <a:lstStyle/>
+          <a:p>
+            <a:fld id="{F2BF1754-4D2F-46D8-A35A-EF7FA01DA8F5}" type="slidenum">
+              <a:rPr lang="en-US" smtClean="0"/>
+              <a:pPr/>
+              <a:t>75</a:t>
+            </a:fld>
+            <a:endParaRPr lang="en-US" dirty="0"/>
+          </a:p>
+        </p:txBody>
+      </p:sp>
+      <p:sp>
+        <p:nvSpPr>
+          <p:cNvPr id="10" name="Content Placeholder 3"/>
+          <p:cNvSpPr>
+            <a:spLocks noGrp="1"/>
+          </p:cNvSpPr>
+          <p:nvPr>
+            <p:ph sz="quarter" idx="1"/>
+          </p:nvPr>
+        </p:nvSpPr>
+        <p:spPr>
+          <a:xfrm>
+            <a:off x="612648" y="1600200"/>
+            <a:ext cx="8153400" cy="685800"/>
+          </a:xfrm>
+        </p:spPr>
+        <p:txBody>
+          <a:bodyPr/>
+          <a:lstStyle/>
+          <a:p>
+            <a:r>
+              <a:rPr lang="en-US" dirty="0" smtClean="0"/>
+              <a:t>About App – Displays a Dialog box</a:t>
+            </a:r>
+          </a:p>
+        </p:txBody>
+      </p:sp>
+      <p:cxnSp>
+        <p:nvCxnSpPr>
+          <p:cNvPr id="11" name="Elbow Connector 10"/>
+          <p:cNvCxnSpPr/>
+          <p:nvPr/>
+        </p:nvCxnSpPr>
+        <p:spPr>
+          <a:xfrm>
+            <a:off x="2743200" y="3810000"/>
+            <a:ext cx="2057400" cy="609600"/>
+          </a:xfrm>
+          <a:prstGeom prst="bentConnector3">
+            <a:avLst>
+              <a:gd name="adj1" fmla="val 50000"/>
+            </a:avLst>
+          </a:prstGeom>
+          <a:ln>
+            <a:tailEnd type="arrow"/>
+          </a:ln>
+        </p:spPr>
+        <p:style>
+          <a:lnRef idx="3">
+            <a:schemeClr val="accent2"/>
+          </a:lnRef>
+          <a:fillRef idx="0">
+            <a:schemeClr val="accent2"/>
+          </a:fillRef>
+          <a:effectRef idx="2">
+            <a:schemeClr val="accent2"/>
+          </a:effectRef>
+          <a:fontRef idx="minor">
+            <a:schemeClr val="tx1"/>
+          </a:fontRef>
+        </p:style>
+      </p:cxnSp>
+      <p:pic>
+        <p:nvPicPr>
+          <p:cNvPr id="12" name="Picture 2"/>
+          <p:cNvPicPr>
+            <a:picLocks noChangeAspect="1" noChangeArrowheads="1"/>
+          </p:cNvPicPr>
+          <p:nvPr/>
+        </p:nvPicPr>
+        <p:blipFill>
+          <a:blip r:embed="rId2" cstate="print"/>
+          <a:srcRect/>
+          <a:stretch>
+            <a:fillRect/>
+          </a:stretch>
+        </p:blipFill>
+        <p:spPr bwMode="auto">
+          <a:xfrm>
+            <a:off x="533400" y="2133600"/>
+            <a:ext cx="2286000" cy="3810000"/>
+          </a:xfrm>
+          <a:prstGeom prst="rect">
+            <a:avLst/>
+          </a:prstGeom>
+          <a:noFill/>
+          <a:ln w="9525">
+            <a:noFill/>
+            <a:miter lim="800000"/>
+            <a:headEnd/>
+            <a:tailEnd/>
+          </a:ln>
+        </p:spPr>
+      </p:pic>
+      <p:pic>
+        <p:nvPicPr>
+          <p:cNvPr id="4098" name="Picture 2"/>
           <p:cNvPicPr>
             <a:picLocks noChangeAspect="1" noChangeArrowheads="1"/>
           </p:cNvPicPr>
@@ -27085,8 +27098,8 @@
         </p:blipFill>
         <p:spPr bwMode="auto">
           <a:xfrm>
-            <a:off x="4495800" y="2362200"/>
-            <a:ext cx="2331720" cy="3886200"/>
+            <a:off x="4800600" y="2057400"/>
+            <a:ext cx="2438400" cy="4064000"/>
           </a:xfrm>
           <a:prstGeom prst="rect">
             <a:avLst/>
@@ -27105,6 +27118,218 @@
   <p:clrMapOvr>
     <a:masterClrMapping/>
   </p:clrMapOvr>
+  <p:timing>
+    <p:tnLst>
+      <p:par>
+        <p:cTn id="1" dur="indefinite" restart="never" nodeType="tmRoot"/>
+      </p:par>
+    </p:tnLst>
+  </p:timing>
+</p:sld>
+</file>
+
+<file path=ppt/slides/slide76.xml><?xml version="1.0" encoding="utf-8"?>
+<p:sld xmlns:a="http://schemas.openxmlformats.org/drawingml/2006/main" xmlns:r="http://schemas.openxmlformats.org/officeDocument/2006/relationships" xmlns:p="http://schemas.openxmlformats.org/presentationml/2006/main">
+  <p:cSld>
+    <p:spTree>
+      <p:nvGrpSpPr>
+        <p:cNvPr id="1" name=""/>
+        <p:cNvGrpSpPr/>
+        <p:nvPr/>
+      </p:nvGrpSpPr>
+      <p:grpSpPr>
+        <a:xfrm>
+          <a:off x="0" y="0"/>
+          <a:ext cx="0" cy="0"/>
+          <a:chOff x="0" y="0"/>
+          <a:chExt cx="0" cy="0"/>
+        </a:xfrm>
+      </p:grpSpPr>
+      <p:sp>
+        <p:nvSpPr>
+          <p:cNvPr id="2" name="Title 1"/>
+          <p:cNvSpPr>
+            <a:spLocks noGrp="1"/>
+          </p:cNvSpPr>
+          <p:nvPr>
+            <p:ph type="title"/>
+          </p:nvPr>
+        </p:nvSpPr>
+        <p:spPr/>
+        <p:txBody>
+          <a:bodyPr/>
+          <a:lstStyle/>
+          <a:p>
+            <a:pPr algn="ctr"/>
+            <a:r>
+              <a:rPr lang="en-US" dirty="0" smtClean="0"/>
+              <a:t>Quotes App – Step by Step</a:t>
+            </a:r>
+            <a:endParaRPr lang="en-IN" dirty="0"/>
+          </a:p>
+        </p:txBody>
+      </p:sp>
+      <p:sp>
+        <p:nvSpPr>
+          <p:cNvPr id="3" name="Date Placeholder 2"/>
+          <p:cNvSpPr>
+            <a:spLocks noGrp="1"/>
+          </p:cNvSpPr>
+          <p:nvPr>
+            <p:ph type="dt" sz="half" idx="10"/>
+          </p:nvPr>
+        </p:nvSpPr>
+        <p:spPr/>
+        <p:txBody>
+          <a:bodyPr/>
+          <a:lstStyle/>
+          <a:p>
+            <a:r>
+              <a:rPr lang="en-US" smtClean="0"/>
+              <a:t>2011-2012</a:t>
+            </a:r>
+            <a:endParaRPr lang="en-US" dirty="0"/>
+          </a:p>
+        </p:txBody>
+      </p:sp>
+      <p:sp>
+        <p:nvSpPr>
+          <p:cNvPr id="5" name="Slide Number Placeholder 4"/>
+          <p:cNvSpPr>
+            <a:spLocks noGrp="1"/>
+          </p:cNvSpPr>
+          <p:nvPr>
+            <p:ph type="sldNum" sz="quarter" idx="12"/>
+          </p:nvPr>
+        </p:nvSpPr>
+        <p:spPr/>
+        <p:txBody>
+          <a:bodyPr>
+            <a:normAutofit fontScale="85000" lnSpcReduction="20000"/>
+          </a:bodyPr>
+          <a:lstStyle/>
+          <a:p>
+            <a:fld id="{F2BF1754-4D2F-46D8-A35A-EF7FA01DA8F5}" type="slidenum">
+              <a:rPr lang="en-US" smtClean="0"/>
+              <a:pPr/>
+              <a:t>76</a:t>
+            </a:fld>
+            <a:endParaRPr lang="en-US" dirty="0"/>
+          </a:p>
+        </p:txBody>
+      </p:sp>
+      <p:sp>
+        <p:nvSpPr>
+          <p:cNvPr id="10" name="Content Placeholder 3"/>
+          <p:cNvSpPr>
+            <a:spLocks noGrp="1"/>
+          </p:cNvSpPr>
+          <p:nvPr>
+            <p:ph sz="quarter" idx="1"/>
+          </p:nvPr>
+        </p:nvSpPr>
+        <p:spPr>
+          <a:xfrm>
+            <a:off x="612648" y="1600200"/>
+            <a:ext cx="8153400" cy="4648200"/>
+          </a:xfrm>
+        </p:spPr>
+        <p:txBody>
+          <a:bodyPr>
+            <a:normAutofit/>
+          </a:bodyPr>
+          <a:lstStyle/>
+          <a:p>
+            <a:r>
+              <a:rPr lang="en-US" dirty="0" smtClean="0"/>
+              <a:t>Quotes App – Step 1 - Navigation</a:t>
+            </a:r>
+          </a:p>
+          <a:p>
+            <a:r>
+              <a:rPr lang="en-US" dirty="0" smtClean="0"/>
+              <a:t>Quotes App – Step 2 </a:t>
+            </a:r>
+          </a:p>
+          <a:p>
+            <a:pPr lvl="1"/>
+            <a:r>
+              <a:rPr lang="en-US" dirty="0" smtClean="0"/>
+              <a:t>Random Quotes</a:t>
+            </a:r>
+          </a:p>
+          <a:p>
+            <a:pPr lvl="1"/>
+            <a:r>
+              <a:rPr lang="en-US" dirty="0" smtClean="0"/>
+              <a:t>Share a Quote via SMS</a:t>
+            </a:r>
+          </a:p>
+          <a:p>
+            <a:pPr lvl="1"/>
+            <a:r>
+              <a:rPr lang="en-US" dirty="0" smtClean="0"/>
+              <a:t>Share a Quote via Email</a:t>
+            </a:r>
+          </a:p>
+          <a:p>
+            <a:r>
+              <a:rPr lang="en-US" i="1" dirty="0" smtClean="0">
+                <a:solidFill>
+                  <a:schemeClr val="bg1">
+                    <a:lumMod val="75000"/>
+                  </a:schemeClr>
+                </a:solidFill>
+              </a:rPr>
+              <a:t>Future - Quotes App – Step 3 - </a:t>
+            </a:r>
+            <a:r>
+              <a:rPr lang="en-US" i="1" dirty="0" err="1" smtClean="0">
+                <a:solidFill>
+                  <a:schemeClr val="bg1">
+                    <a:lumMod val="75000"/>
+                  </a:schemeClr>
+                </a:solidFill>
+              </a:rPr>
+              <a:t>Favourites</a:t>
+            </a:r>
+            <a:endParaRPr lang="en-US" i="1" dirty="0" smtClean="0">
+              <a:solidFill>
+                <a:schemeClr val="bg1">
+                  <a:lumMod val="75000"/>
+                </a:schemeClr>
+              </a:solidFill>
+            </a:endParaRPr>
+          </a:p>
+          <a:p>
+            <a:r>
+              <a:rPr lang="en-US" i="1" dirty="0" smtClean="0">
+                <a:solidFill>
+                  <a:schemeClr val="bg1">
+                    <a:lumMod val="75000"/>
+                  </a:schemeClr>
+                </a:solidFill>
+              </a:rPr>
+              <a:t>Future - Quotes App – Step 4 – Category Quotes</a:t>
+            </a:r>
+          </a:p>
+          <a:p>
+            <a:endParaRPr lang="en-US" dirty="0" smtClean="0"/>
+          </a:p>
+        </p:txBody>
+      </p:sp>
+    </p:spTree>
+  </p:cSld>
+  <p:clrMapOvr>
+    <a:masterClrMapping/>
+  </p:clrMapOvr>
+  <p:timing>
+    <p:tnLst>
+      <p:par>
+        <p:cTn id="1" dur="indefinite" restart="never" nodeType="tmRoot"/>
+      </p:par>
+    </p:tnLst>
+  </p:timing>
 </p:sld>
 </file>
 
@@ -27127,31 +27352,7 @@
       </p:grpSpPr>
       <p:sp>
         <p:nvSpPr>
-          <p:cNvPr id="2" name="Title 1"/>
-          <p:cNvSpPr>
-            <a:spLocks noGrp="1"/>
-          </p:cNvSpPr>
-          <p:nvPr>
-            <p:ph type="title"/>
-          </p:nvPr>
-        </p:nvSpPr>
-        <p:spPr/>
-        <p:txBody>
-          <a:bodyPr/>
-          <a:lstStyle/>
-          <a:p>
-            <a:pPr algn="ctr"/>
-            <a:r>
-              <a:rPr lang="en-US" dirty="0" smtClean="0"/>
-              <a:t>Quotes App – Step by Step</a:t>
-            </a:r>
-            <a:endParaRPr lang="en-IN" dirty="0"/>
-          </a:p>
-        </p:txBody>
-      </p:sp>
-      <p:sp>
-        <p:nvSpPr>
-          <p:cNvPr id="3" name="Date Placeholder 2"/>
+          <p:cNvPr id="4" name="Date Placeholder 3"/>
           <p:cNvSpPr>
             <a:spLocks noGrp="1"/>
           </p:cNvSpPr>
@@ -27193,187 +27394,6 @@
               <a:rPr lang="en-US" smtClean="0"/>
               <a:pPr/>
               <a:t>77</a:t>
-            </a:fld>
-            <a:endParaRPr lang="en-US" dirty="0"/>
-          </a:p>
-        </p:txBody>
-      </p:sp>
-      <p:sp>
-        <p:nvSpPr>
-          <p:cNvPr id="10" name="Content Placeholder 3"/>
-          <p:cNvSpPr>
-            <a:spLocks noGrp="1"/>
-          </p:cNvSpPr>
-          <p:nvPr>
-            <p:ph sz="quarter" idx="1"/>
-          </p:nvPr>
-        </p:nvSpPr>
-        <p:spPr>
-          <a:xfrm>
-            <a:off x="612648" y="1600200"/>
-            <a:ext cx="8153400" cy="4648200"/>
-          </a:xfrm>
-        </p:spPr>
-        <p:txBody>
-          <a:bodyPr>
-            <a:normAutofit/>
-          </a:bodyPr>
-          <a:lstStyle/>
-          <a:p>
-            <a:r>
-              <a:rPr lang="en-US" dirty="0" smtClean="0"/>
-              <a:t>Quotes App – Step 1 - Navigation</a:t>
-            </a:r>
-          </a:p>
-          <a:p>
-            <a:r>
-              <a:rPr lang="en-US" dirty="0" smtClean="0"/>
-              <a:t>Quotes App – Step 2 </a:t>
-            </a:r>
-          </a:p>
-          <a:p>
-            <a:pPr lvl="1"/>
-            <a:r>
-              <a:rPr lang="en-US" dirty="0" smtClean="0"/>
-              <a:t>Random Quotes</a:t>
-            </a:r>
-          </a:p>
-          <a:p>
-            <a:pPr lvl="1"/>
-            <a:r>
-              <a:rPr lang="en-US" dirty="0" smtClean="0"/>
-              <a:t>Share a Quote via SMS</a:t>
-            </a:r>
-          </a:p>
-          <a:p>
-            <a:pPr lvl="1"/>
-            <a:r>
-              <a:rPr lang="en-US" dirty="0" smtClean="0"/>
-              <a:t>Share a Quote via Email</a:t>
-            </a:r>
-          </a:p>
-          <a:p>
-            <a:r>
-              <a:rPr lang="en-US" i="1" dirty="0" smtClean="0">
-                <a:solidFill>
-                  <a:schemeClr val="bg1">
-                    <a:lumMod val="75000"/>
-                  </a:schemeClr>
-                </a:solidFill>
-              </a:rPr>
-              <a:t>Future - Quotes App – Step 3 - </a:t>
-            </a:r>
-            <a:r>
-              <a:rPr lang="en-US" i="1" dirty="0" err="1" smtClean="0">
-                <a:solidFill>
-                  <a:schemeClr val="bg1">
-                    <a:lumMod val="75000"/>
-                  </a:schemeClr>
-                </a:solidFill>
-              </a:rPr>
-              <a:t>Favourites</a:t>
-            </a:r>
-            <a:endParaRPr lang="en-US" i="1" dirty="0" smtClean="0">
-              <a:solidFill>
-                <a:schemeClr val="bg1">
-                  <a:lumMod val="75000"/>
-                </a:schemeClr>
-              </a:solidFill>
-            </a:endParaRPr>
-          </a:p>
-          <a:p>
-            <a:r>
-              <a:rPr lang="en-US" i="1" dirty="0" smtClean="0">
-                <a:solidFill>
-                  <a:schemeClr val="bg1">
-                    <a:lumMod val="75000"/>
-                  </a:schemeClr>
-                </a:solidFill>
-              </a:rPr>
-              <a:t>Future - Quotes App – Step 4 – Category Quotes</a:t>
-            </a:r>
-          </a:p>
-          <a:p>
-            <a:endParaRPr lang="en-US" dirty="0" smtClean="0"/>
-          </a:p>
-        </p:txBody>
-      </p:sp>
-    </p:spTree>
-  </p:cSld>
-  <p:clrMapOvr>
-    <a:masterClrMapping/>
-  </p:clrMapOvr>
-  <p:timing>
-    <p:tnLst>
-      <p:par>
-        <p:cTn id="1" dur="indefinite" restart="never" nodeType="tmRoot"/>
-      </p:par>
-    </p:tnLst>
-  </p:timing>
-</p:sld>
-</file>
-
-<file path=ppt/slides/slide78.xml><?xml version="1.0" encoding="utf-8"?>
-<p:sld xmlns:a="http://schemas.openxmlformats.org/drawingml/2006/main" xmlns:r="http://schemas.openxmlformats.org/officeDocument/2006/relationships" xmlns:p="http://schemas.openxmlformats.org/presentationml/2006/main">
-  <p:cSld>
-    <p:spTree>
-      <p:nvGrpSpPr>
-        <p:cNvPr id="1" name=""/>
-        <p:cNvGrpSpPr/>
-        <p:nvPr/>
-      </p:nvGrpSpPr>
-      <p:grpSpPr>
-        <a:xfrm>
-          <a:off x="0" y="0"/>
-          <a:ext cx="0" cy="0"/>
-          <a:chOff x="0" y="0"/>
-          <a:chExt cx="0" cy="0"/>
-        </a:xfrm>
-      </p:grpSpPr>
-      <p:sp>
-        <p:nvSpPr>
-          <p:cNvPr id="4" name="Date Placeholder 3"/>
-          <p:cNvSpPr>
-            <a:spLocks noGrp="1"/>
-          </p:cNvSpPr>
-          <p:nvPr>
-            <p:ph type="dt" sz="half" idx="10"/>
-          </p:nvPr>
-        </p:nvSpPr>
-        <p:spPr/>
-        <p:txBody>
-          <a:bodyPr/>
-          <a:lstStyle/>
-          <a:p>
-            <a:r>
-              <a:rPr lang="en-US" smtClean="0"/>
-              <a:t>2011-2012</a:t>
-            </a:r>
-            <a:endParaRPr lang="en-US" dirty="0"/>
-          </a:p>
-        </p:txBody>
-      </p:sp>
-      <p:sp>
-        <p:nvSpPr>
-          <p:cNvPr id="5" name="Slide Number Placeholder 4"/>
-          <p:cNvSpPr>
-            <a:spLocks noGrp="1"/>
-          </p:cNvSpPr>
-          <p:nvPr>
-            <p:ph type="sldNum" sz="quarter" idx="12"/>
-          </p:nvPr>
-        </p:nvSpPr>
-        <p:spPr/>
-        <p:txBody>
-          <a:bodyPr>
-            <a:normAutofit fontScale="85000" lnSpcReduction="20000"/>
-          </a:bodyPr>
-          <a:lstStyle/>
-          <a:p>
-            <a:fld id="{F2BF1754-4D2F-46D8-A35A-EF7FA01DA8F5}" type="slidenum">
-              <a:rPr lang="en-US" smtClean="0"/>
-              <a:pPr/>
-              <a:t>78</a:t>
             </a:fld>
             <a:endParaRPr lang="en-US" dirty="0"/>
           </a:p>
@@ -27542,7 +27562,7 @@
 </p:sld>
 </file>
 
-<file path=ppt/slides/slide79.xml><?xml version="1.0" encoding="utf-8"?>
+<file path=ppt/slides/slide78.xml><?xml version="1.0" encoding="utf-8"?>
 <p:sld xmlns:a="http://schemas.openxmlformats.org/drawingml/2006/main" xmlns:r="http://schemas.openxmlformats.org/officeDocument/2006/relationships" xmlns:p="http://schemas.openxmlformats.org/presentationml/2006/main">
   <p:cSld>
     <p:spTree>
@@ -27661,7 +27681,7 @@
             <a:fld id="{F2BF1754-4D2F-46D8-A35A-EF7FA01DA8F5}" type="slidenum">
               <a:rPr lang="en-US" smtClean="0"/>
               <a:pPr/>
-              <a:t>79</a:t>
+              <a:t>78</a:t>
             </a:fld>
             <a:endParaRPr lang="en-US" dirty="0"/>
           </a:p>
@@ -27714,7 +27734,7 @@
 </p:sld>
 </file>
 
-<file path=ppt/slides/slide8.xml><?xml version="1.0" encoding="utf-8"?>
+<file path=ppt/slides/slide79.xml><?xml version="1.0" encoding="utf-8"?>
 <p:sld xmlns:a="http://schemas.openxmlformats.org/drawingml/2006/main" xmlns:r="http://schemas.openxmlformats.org/officeDocument/2006/relationships" xmlns:p="http://schemas.openxmlformats.org/presentationml/2006/main">
   <p:cSld>
     <p:spTree>
@@ -27733,6 +27753,30 @@
       </p:grpSpPr>
       <p:sp>
         <p:nvSpPr>
+          <p:cNvPr id="2" name="Title 1"/>
+          <p:cNvSpPr>
+            <a:spLocks noGrp="1"/>
+          </p:cNvSpPr>
+          <p:nvPr>
+            <p:ph type="title"/>
+          </p:nvPr>
+        </p:nvSpPr>
+        <p:spPr/>
+        <p:txBody>
+          <a:bodyPr/>
+          <a:lstStyle/>
+          <a:p>
+            <a:pPr algn="ctr"/>
+            <a:r>
+              <a:rPr lang="en-US" dirty="0" smtClean="0"/>
+              <a:t>Android Marketplace</a:t>
+            </a:r>
+            <a:endParaRPr lang="en-IN" dirty="0"/>
+          </a:p>
+        </p:txBody>
+      </p:sp>
+      <p:sp>
+        <p:nvSpPr>
           <p:cNvPr id="3" name="Date Placeholder 2"/>
           <p:cNvSpPr>
             <a:spLocks noGrp="1"/>
@@ -27756,7 +27800,99 @@
       </p:sp>
       <p:sp>
         <p:nvSpPr>
-          <p:cNvPr id="4" name="Slide Number Placeholder 3"/>
+          <p:cNvPr id="4" name="Content Placeholder 3"/>
+          <p:cNvSpPr>
+            <a:spLocks noGrp="1"/>
+          </p:cNvSpPr>
+          <p:nvPr>
+            <p:ph sz="quarter" idx="1"/>
+          </p:nvPr>
+        </p:nvSpPr>
+        <p:spPr/>
+        <p:txBody>
+          <a:bodyPr>
+            <a:normAutofit fontScale="77500" lnSpcReduction="20000"/>
+          </a:bodyPr>
+          <a:lstStyle/>
+          <a:p>
+            <a:r>
+              <a:rPr lang="en-US" dirty="0" smtClean="0"/>
+              <a:t>Web application + Android Application</a:t>
+            </a:r>
+          </a:p>
+          <a:p>
+            <a:r>
+              <a:rPr lang="en-US" dirty="0" smtClean="0"/>
+              <a:t>Single Marketplace for eBooks, Music, Movies and Android Applications</a:t>
+            </a:r>
+          </a:p>
+          <a:p>
+            <a:r>
+              <a:rPr lang="en-US" dirty="0" smtClean="0"/>
+              <a:t>Filters out the above categories if services are not available in particular country</a:t>
+            </a:r>
+          </a:p>
+          <a:p>
+            <a:r>
+              <a:rPr lang="en-US" dirty="0" smtClean="0"/>
+              <a:t>Publisher Account</a:t>
+            </a:r>
+          </a:p>
+          <a:p>
+            <a:pPr lvl="1"/>
+            <a:r>
+              <a:rPr lang="en-US" dirty="0" smtClean="0"/>
+              <a:t>Google Account</a:t>
+            </a:r>
+          </a:p>
+          <a:p>
+            <a:pPr lvl="1"/>
+            <a:r>
+              <a:rPr lang="en-US" dirty="0" smtClean="0"/>
+              <a:t>Free Apps and Paid Apps (30% commission)</a:t>
+            </a:r>
+          </a:p>
+          <a:p>
+            <a:pPr lvl="1"/>
+            <a:r>
+              <a:rPr lang="en-US" dirty="0" smtClean="0"/>
+              <a:t>Selling a Paid App currently not available for India</a:t>
+            </a:r>
+          </a:p>
+          <a:p>
+            <a:pPr lvl="1"/>
+            <a:r>
+              <a:rPr lang="en-US" dirty="0" smtClean="0"/>
+              <a:t>Download Free Apps</a:t>
+            </a:r>
+          </a:p>
+          <a:p>
+            <a:pPr lvl="1"/>
+            <a:r>
+              <a:rPr lang="en-US" dirty="0" smtClean="0"/>
+              <a:t>Download Paid Apps</a:t>
+            </a:r>
+          </a:p>
+          <a:p>
+            <a:pPr lvl="1"/>
+            <a:r>
+              <a:rPr lang="en-US" dirty="0" smtClean="0"/>
+              <a:t>$25 Registration Fee</a:t>
+            </a:r>
+          </a:p>
+          <a:p>
+            <a:pPr lvl="1"/>
+            <a:r>
+              <a:rPr lang="en-US" dirty="0" smtClean="0"/>
+              <a:t>Application Approval - Immediate</a:t>
+            </a:r>
+            <a:endParaRPr lang="en-IN" dirty="0"/>
+          </a:p>
+        </p:txBody>
+      </p:sp>
+      <p:sp>
+        <p:nvSpPr>
+          <p:cNvPr id="5" name="Slide Number Placeholder 4"/>
           <p:cNvSpPr>
             <a:spLocks noGrp="1"/>
           </p:cNvSpPr>
@@ -27774,658 +27910,7 @@
             <a:fld id="{F2BF1754-4D2F-46D8-A35A-EF7FA01DA8F5}" type="slidenum">
               <a:rPr lang="en-US" smtClean="0"/>
               <a:pPr/>
-              <a:t>8</a:t>
-            </a:fld>
-            <a:endParaRPr lang="en-US" dirty="0"/>
-          </a:p>
-        </p:txBody>
-      </p:sp>
-      <p:sp>
-        <p:nvSpPr>
-          <p:cNvPr id="7" name="Content Placeholder 2"/>
-          <p:cNvSpPr txBox="1">
-            <a:spLocks/>
-          </p:cNvSpPr>
-          <p:nvPr/>
-        </p:nvSpPr>
-        <p:spPr>
-          <a:xfrm>
-            <a:off x="765048" y="1752600"/>
-            <a:ext cx="8153400" cy="4495800"/>
-          </a:xfrm>
-          <a:prstGeom prst="rect">
-            <a:avLst/>
-          </a:prstGeom>
-        </p:spPr>
-        <p:txBody>
-          <a:bodyPr vert="horz">
-            <a:normAutofit lnSpcReduction="10000"/>
-          </a:bodyPr>
-          <a:lstStyle/>
-          <a:p>
-            <a:pPr marL="320040" marR="0" lvl="0" indent="-320040" algn="l" defTabSz="914400" rtl="0" eaLnBrk="1" fontAlgn="auto" latinLnBrk="0" hangingPunct="1">
-              <a:lnSpc>
-                <a:spcPct val="100000"/>
-              </a:lnSpc>
-              <a:spcBef>
-                <a:spcPts val="700"/>
-              </a:spcBef>
-              <a:spcAft>
-                <a:spcPts val="0"/>
-              </a:spcAft>
-              <a:buClr>
-                <a:schemeClr val="accent2"/>
-              </a:buClr>
-              <a:buSzPct val="60000"/>
-              <a:buFont typeface="Wingdings"/>
-              <a:buChar char=""/>
-              <a:tabLst/>
-              <a:defRPr/>
-            </a:pPr>
-            <a:r>
-              <a:rPr kumimoji="0" lang="en-US" sz="2900" b="0" i="0" u="none" strike="noStrike" kern="1200" cap="none" spc="0" normalizeH="0" baseline="0" noProof="0" smtClean="0">
-                <a:ln>
-                  <a:noFill/>
-                </a:ln>
-                <a:solidFill>
-                  <a:schemeClr val="tx1"/>
-                </a:solidFill>
-                <a:effectLst/>
-                <a:uLnTx/>
-                <a:uFillTx/>
-                <a:latin typeface="+mn-lt"/>
-                <a:ea typeface="+mn-ea"/>
-                <a:cs typeface="+mn-cs"/>
-              </a:rPr>
-              <a:t>Handset Layouts, Multiple Languages</a:t>
-            </a:r>
-          </a:p>
-          <a:p>
-            <a:pPr marL="320040" marR="0" lvl="0" indent="-320040" algn="l" defTabSz="914400" rtl="0" eaLnBrk="1" fontAlgn="auto" latinLnBrk="0" hangingPunct="1">
-              <a:lnSpc>
-                <a:spcPct val="100000"/>
-              </a:lnSpc>
-              <a:spcBef>
-                <a:spcPts val="700"/>
-              </a:spcBef>
-              <a:spcAft>
-                <a:spcPts val="0"/>
-              </a:spcAft>
-              <a:buClr>
-                <a:schemeClr val="accent2"/>
-              </a:buClr>
-              <a:buSzPct val="60000"/>
-              <a:buFont typeface="Wingdings"/>
-              <a:buChar char=""/>
-              <a:tabLst/>
-              <a:defRPr/>
-            </a:pPr>
-            <a:r>
-              <a:rPr kumimoji="0" lang="en-US" sz="2900" b="0" i="0" u="none" strike="noStrike" kern="1200" cap="none" spc="0" normalizeH="0" baseline="0" noProof="0" smtClean="0">
-                <a:ln>
-                  <a:noFill/>
-                </a:ln>
-                <a:solidFill>
-                  <a:schemeClr val="tx1"/>
-                </a:solidFill>
-                <a:effectLst/>
-                <a:uLnTx/>
-                <a:uFillTx/>
-                <a:latin typeface="+mn-lt"/>
-                <a:ea typeface="+mn-ea"/>
-                <a:cs typeface="+mn-cs"/>
-              </a:rPr>
-              <a:t>Storage</a:t>
-            </a:r>
-          </a:p>
-          <a:p>
-            <a:pPr marL="320040" marR="0" lvl="0" indent="-320040" algn="l" defTabSz="914400" rtl="0" eaLnBrk="1" fontAlgn="auto" latinLnBrk="0" hangingPunct="1">
-              <a:lnSpc>
-                <a:spcPct val="100000"/>
-              </a:lnSpc>
-              <a:spcBef>
-                <a:spcPts val="700"/>
-              </a:spcBef>
-              <a:spcAft>
-                <a:spcPts val="0"/>
-              </a:spcAft>
-              <a:buClr>
-                <a:schemeClr val="accent2"/>
-              </a:buClr>
-              <a:buSzPct val="60000"/>
-              <a:buFont typeface="Wingdings"/>
-              <a:buChar char=""/>
-              <a:tabLst/>
-              <a:defRPr/>
-            </a:pPr>
-            <a:r>
-              <a:rPr kumimoji="0" lang="en-US" sz="2900" b="0" i="0" u="none" strike="noStrike" kern="1200" cap="none" spc="0" normalizeH="0" baseline="0" noProof="0" smtClean="0">
-                <a:ln>
-                  <a:noFill/>
-                </a:ln>
-                <a:solidFill>
-                  <a:schemeClr val="tx1"/>
-                </a:solidFill>
-                <a:effectLst/>
-                <a:uLnTx/>
-                <a:uFillTx/>
-                <a:latin typeface="+mn-lt"/>
-                <a:ea typeface="+mn-ea"/>
-                <a:cs typeface="+mn-cs"/>
-              </a:rPr>
-              <a:t>Connectivity</a:t>
-            </a:r>
-          </a:p>
-          <a:p>
-            <a:pPr marL="320040" marR="0" lvl="0" indent="-320040" algn="l" defTabSz="914400" rtl="0" eaLnBrk="1" fontAlgn="auto" latinLnBrk="0" hangingPunct="1">
-              <a:lnSpc>
-                <a:spcPct val="100000"/>
-              </a:lnSpc>
-              <a:spcBef>
-                <a:spcPts val="700"/>
-              </a:spcBef>
-              <a:spcAft>
-                <a:spcPts val="0"/>
-              </a:spcAft>
-              <a:buClr>
-                <a:schemeClr val="accent2"/>
-              </a:buClr>
-              <a:buSzPct val="60000"/>
-              <a:buFont typeface="Wingdings"/>
-              <a:buChar char=""/>
-              <a:tabLst/>
-              <a:defRPr/>
-            </a:pPr>
-            <a:r>
-              <a:rPr kumimoji="0" lang="en-US" sz="2900" b="0" i="0" u="none" strike="noStrike" kern="1200" cap="none" spc="0" normalizeH="0" baseline="0" noProof="0" smtClean="0">
-                <a:ln>
-                  <a:noFill/>
-                </a:ln>
-                <a:solidFill>
-                  <a:schemeClr val="tx1"/>
-                </a:solidFill>
-                <a:effectLst/>
-                <a:uLnTx/>
-                <a:uFillTx/>
-                <a:latin typeface="+mn-lt"/>
-                <a:ea typeface="+mn-ea"/>
-                <a:cs typeface="+mn-cs"/>
-              </a:rPr>
-              <a:t>Messaging</a:t>
-            </a:r>
-          </a:p>
-          <a:p>
-            <a:pPr marL="320040" marR="0" lvl="0" indent="-320040" algn="l" defTabSz="914400" rtl="0" eaLnBrk="1" fontAlgn="auto" latinLnBrk="0" hangingPunct="1">
-              <a:lnSpc>
-                <a:spcPct val="100000"/>
-              </a:lnSpc>
-              <a:spcBef>
-                <a:spcPts val="700"/>
-              </a:spcBef>
-              <a:spcAft>
-                <a:spcPts val="0"/>
-              </a:spcAft>
-              <a:buClr>
-                <a:schemeClr val="accent2"/>
-              </a:buClr>
-              <a:buSzPct val="60000"/>
-              <a:buFont typeface="Wingdings"/>
-              <a:buChar char=""/>
-              <a:tabLst/>
-              <a:defRPr/>
-            </a:pPr>
-            <a:r>
-              <a:rPr kumimoji="0" lang="en-US" sz="2900" b="0" i="0" u="none" strike="noStrike" kern="1200" cap="none" spc="0" normalizeH="0" baseline="0" noProof="0" smtClean="0">
-                <a:ln>
-                  <a:noFill/>
-                </a:ln>
-                <a:solidFill>
-                  <a:schemeClr val="tx1"/>
-                </a:solidFill>
-                <a:effectLst/>
-                <a:uLnTx/>
-                <a:uFillTx/>
-                <a:latin typeface="+mn-lt"/>
-                <a:ea typeface="+mn-ea"/>
-                <a:cs typeface="+mn-cs"/>
-              </a:rPr>
-              <a:t>Media Support</a:t>
-            </a:r>
-          </a:p>
-          <a:p>
-            <a:pPr marL="320040" marR="0" lvl="0" indent="-320040" algn="l" defTabSz="914400" rtl="0" eaLnBrk="1" fontAlgn="auto" latinLnBrk="0" hangingPunct="1">
-              <a:lnSpc>
-                <a:spcPct val="100000"/>
-              </a:lnSpc>
-              <a:spcBef>
-                <a:spcPts val="700"/>
-              </a:spcBef>
-              <a:spcAft>
-                <a:spcPts val="0"/>
-              </a:spcAft>
-              <a:buClr>
-                <a:schemeClr val="accent2"/>
-              </a:buClr>
-              <a:buSzPct val="60000"/>
-              <a:buFont typeface="Wingdings"/>
-              <a:buChar char=""/>
-              <a:tabLst/>
-              <a:defRPr/>
-            </a:pPr>
-            <a:r>
-              <a:rPr kumimoji="0" lang="en-US" sz="2900" b="0" i="0" u="none" strike="noStrike" kern="1200" cap="none" spc="0" normalizeH="0" baseline="0" noProof="0" smtClean="0">
-                <a:ln>
-                  <a:noFill/>
-                </a:ln>
-                <a:solidFill>
-                  <a:schemeClr val="tx1"/>
-                </a:solidFill>
-                <a:effectLst/>
-                <a:uLnTx/>
-                <a:uFillTx/>
-                <a:latin typeface="+mn-lt"/>
-                <a:ea typeface="+mn-ea"/>
-                <a:cs typeface="+mn-cs"/>
-              </a:rPr>
-              <a:t>Hardware support</a:t>
-            </a:r>
-          </a:p>
-          <a:p>
-            <a:pPr marL="640080" marR="0" lvl="1" indent="-274320" algn="l" defTabSz="914400" rtl="0" eaLnBrk="1" fontAlgn="auto" latinLnBrk="0" hangingPunct="1">
-              <a:lnSpc>
-                <a:spcPct val="100000"/>
-              </a:lnSpc>
-              <a:spcBef>
-                <a:spcPts val="550"/>
-              </a:spcBef>
-              <a:spcAft>
-                <a:spcPts val="0"/>
-              </a:spcAft>
-              <a:buClr>
-                <a:schemeClr val="accent1"/>
-              </a:buClr>
-              <a:buSzPct val="70000"/>
-              <a:buFont typeface="Wingdings 2"/>
-              <a:buChar char=""/>
-              <a:tabLst/>
-              <a:defRPr/>
-            </a:pPr>
-            <a:r>
-              <a:rPr kumimoji="0" lang="en-US" sz="2600" b="0" i="0" u="none" strike="noStrike" kern="1200" cap="none" spc="0" normalizeH="0" baseline="0" noProof="0" smtClean="0">
-                <a:ln>
-                  <a:noFill/>
-                </a:ln>
-                <a:solidFill>
-                  <a:schemeClr val="tx1"/>
-                </a:solidFill>
-                <a:effectLst/>
-                <a:uLnTx/>
-                <a:uFillTx/>
-                <a:latin typeface="+mn-lt"/>
-                <a:ea typeface="+mn-ea"/>
-                <a:cs typeface="+mn-cs"/>
-              </a:rPr>
-              <a:t>Cameras, touch screens, GPS, accelerometer, etc.</a:t>
-            </a:r>
-          </a:p>
-          <a:p>
-            <a:pPr marL="320040" marR="0" lvl="0" indent="-320040" algn="l" defTabSz="914400" rtl="0" eaLnBrk="1" fontAlgn="auto" latinLnBrk="0" hangingPunct="1">
-              <a:lnSpc>
-                <a:spcPct val="100000"/>
-              </a:lnSpc>
-              <a:spcBef>
-                <a:spcPts val="700"/>
-              </a:spcBef>
-              <a:spcAft>
-                <a:spcPts val="0"/>
-              </a:spcAft>
-              <a:buClr>
-                <a:schemeClr val="accent2"/>
-              </a:buClr>
-              <a:buSzPct val="60000"/>
-              <a:buFont typeface="Wingdings"/>
-              <a:buChar char=""/>
-              <a:tabLst/>
-              <a:defRPr/>
-            </a:pPr>
-            <a:r>
-              <a:rPr kumimoji="0" lang="en-US" sz="2900" b="0" i="0" u="none" strike="noStrike" kern="1200" cap="none" spc="0" normalizeH="0" baseline="0" noProof="0" smtClean="0">
-                <a:ln>
-                  <a:noFill/>
-                </a:ln>
-                <a:solidFill>
-                  <a:schemeClr val="tx1"/>
-                </a:solidFill>
-                <a:effectLst/>
-                <a:uLnTx/>
-                <a:uFillTx/>
-                <a:latin typeface="+mn-lt"/>
-                <a:ea typeface="+mn-ea"/>
-                <a:cs typeface="+mn-cs"/>
-              </a:rPr>
-              <a:t>Reuse of Data</a:t>
-            </a:r>
-          </a:p>
-          <a:p>
-            <a:pPr marL="320040" marR="0" lvl="0" indent="-320040" algn="l" defTabSz="914400" rtl="0" eaLnBrk="1" fontAlgn="auto" latinLnBrk="0" hangingPunct="1">
-              <a:lnSpc>
-                <a:spcPct val="100000"/>
-              </a:lnSpc>
-              <a:spcBef>
-                <a:spcPts val="700"/>
-              </a:spcBef>
-              <a:spcAft>
-                <a:spcPts val="0"/>
-              </a:spcAft>
-              <a:buClr>
-                <a:schemeClr val="accent2"/>
-              </a:buClr>
-              <a:buSzPct val="60000"/>
-              <a:buFont typeface="Wingdings"/>
-              <a:buChar char=""/>
-              <a:tabLst/>
-              <a:defRPr/>
-            </a:pPr>
-            <a:r>
-              <a:rPr kumimoji="0" lang="en-US" sz="2900" b="0" i="0" u="none" strike="noStrike" kern="1200" cap="none" spc="0" normalizeH="0" baseline="0" noProof="0" smtClean="0">
-                <a:ln>
-                  <a:noFill/>
-                </a:ln>
-                <a:solidFill>
-                  <a:schemeClr val="tx1"/>
-                </a:solidFill>
-                <a:effectLst/>
-                <a:uLnTx/>
-                <a:uFillTx/>
-                <a:latin typeface="+mn-lt"/>
-                <a:ea typeface="+mn-ea"/>
-                <a:cs typeface="+mn-cs"/>
-              </a:rPr>
-              <a:t>Reuse of Functionality</a:t>
-            </a:r>
-            <a:endParaRPr kumimoji="0" lang="en-US" sz="2900" b="0" i="0" u="none" strike="noStrike" kern="1200" cap="none" spc="0" normalizeH="0" baseline="0" noProof="0" dirty="0" smtClean="0">
-              <a:ln>
-                <a:noFill/>
-              </a:ln>
-              <a:solidFill>
-                <a:schemeClr val="tx1"/>
-              </a:solidFill>
-              <a:effectLst/>
-              <a:uLnTx/>
-              <a:uFillTx/>
-              <a:latin typeface="+mn-lt"/>
-              <a:ea typeface="+mn-ea"/>
-              <a:cs typeface="+mn-cs"/>
-            </a:endParaRPr>
-          </a:p>
-        </p:txBody>
-      </p:sp>
-      <p:sp>
-        <p:nvSpPr>
-          <p:cNvPr id="8" name="Title 1"/>
-          <p:cNvSpPr txBox="1">
-            <a:spLocks/>
-          </p:cNvSpPr>
-          <p:nvPr/>
-        </p:nvSpPr>
-        <p:spPr>
-          <a:xfrm>
-            <a:off x="765048" y="381000"/>
-            <a:ext cx="8153400" cy="990600"/>
-          </a:xfrm>
-          <a:prstGeom prst="rect">
-            <a:avLst/>
-          </a:prstGeom>
-        </p:spPr>
-        <p:txBody>
-          <a:bodyPr vert="horz" anchor="ctr">
-            <a:normAutofit/>
-          </a:bodyPr>
-          <a:lstStyle/>
-          <a:p>
-            <a:pPr marL="0" marR="0" lvl="0" indent="0" algn="ctr" defTabSz="914400" rtl="0" eaLnBrk="1" fontAlgn="auto" latinLnBrk="0" hangingPunct="1">
-              <a:lnSpc>
-                <a:spcPct val="100000"/>
-              </a:lnSpc>
-              <a:spcBef>
-                <a:spcPct val="0"/>
-              </a:spcBef>
-              <a:spcAft>
-                <a:spcPts val="0"/>
-              </a:spcAft>
-              <a:buClrTx/>
-              <a:buSzTx/>
-              <a:buFontTx/>
-              <a:buNone/>
-              <a:tabLst/>
-              <a:defRPr/>
-            </a:pPr>
-            <a:r>
-              <a:rPr kumimoji="0" lang="en-US" sz="4400" b="0" i="0" u="none" strike="noStrike" kern="1200" cap="none" spc="0" normalizeH="0" baseline="0" noProof="0" dirty="0" smtClean="0">
-                <a:ln>
-                  <a:noFill/>
-                </a:ln>
-                <a:solidFill>
-                  <a:schemeClr val="tx2"/>
-                </a:solidFill>
-                <a:effectLst/>
-                <a:uLnTx/>
-                <a:uFillTx/>
-                <a:latin typeface="+mj-lt"/>
-                <a:ea typeface="+mj-ea"/>
-                <a:cs typeface="+mj-cs"/>
-              </a:rPr>
-              <a:t>Android Features</a:t>
-            </a:r>
-            <a:endParaRPr kumimoji="0" lang="en-IN" sz="4400" b="0" i="0" u="none" strike="noStrike" kern="1200" cap="none" spc="0" normalizeH="0" baseline="0" noProof="0" dirty="0">
-              <a:ln>
-                <a:noFill/>
-              </a:ln>
-              <a:solidFill>
-                <a:schemeClr val="tx2"/>
-              </a:solidFill>
-              <a:effectLst/>
-              <a:uLnTx/>
-              <a:uFillTx/>
-              <a:latin typeface="+mj-lt"/>
-              <a:ea typeface="+mj-ea"/>
-              <a:cs typeface="+mj-cs"/>
-            </a:endParaRPr>
-          </a:p>
-        </p:txBody>
-      </p:sp>
-    </p:spTree>
-  </p:cSld>
-  <p:clrMapOvr>
-    <a:masterClrMapping/>
-  </p:clrMapOvr>
-  <p:timing>
-    <p:tnLst>
-      <p:par>
-        <p:cTn id="1" dur="indefinite" restart="never" nodeType="tmRoot"/>
-      </p:par>
-    </p:tnLst>
-  </p:timing>
-</p:sld>
-</file>
-
-<file path=ppt/slides/slide80.xml><?xml version="1.0" encoding="utf-8"?>
-<p:sld xmlns:a="http://schemas.openxmlformats.org/drawingml/2006/main" xmlns:r="http://schemas.openxmlformats.org/officeDocument/2006/relationships" xmlns:p="http://schemas.openxmlformats.org/presentationml/2006/main">
-  <p:cSld>
-    <p:spTree>
-      <p:nvGrpSpPr>
-        <p:cNvPr id="1" name=""/>
-        <p:cNvGrpSpPr/>
-        <p:nvPr/>
-      </p:nvGrpSpPr>
-      <p:grpSpPr>
-        <a:xfrm>
-          <a:off x="0" y="0"/>
-          <a:ext cx="0" cy="0"/>
-          <a:chOff x="0" y="0"/>
-          <a:chExt cx="0" cy="0"/>
-        </a:xfrm>
-      </p:grpSpPr>
-      <p:sp>
-        <p:nvSpPr>
-          <p:cNvPr id="2" name="Title 1"/>
-          <p:cNvSpPr>
-            <a:spLocks noGrp="1"/>
-          </p:cNvSpPr>
-          <p:nvPr>
-            <p:ph type="title"/>
-          </p:nvPr>
-        </p:nvSpPr>
-        <p:spPr/>
-        <p:txBody>
-          <a:bodyPr/>
-          <a:lstStyle/>
-          <a:p>
-            <a:pPr algn="ctr"/>
-            <a:r>
-              <a:rPr lang="en-US" dirty="0" smtClean="0"/>
-              <a:t>Android Marketplace</a:t>
-            </a:r>
-            <a:endParaRPr lang="en-IN" dirty="0"/>
-          </a:p>
-        </p:txBody>
-      </p:sp>
-      <p:sp>
-        <p:nvSpPr>
-          <p:cNvPr id="3" name="Date Placeholder 2"/>
-          <p:cNvSpPr>
-            <a:spLocks noGrp="1"/>
-          </p:cNvSpPr>
-          <p:nvPr>
-            <p:ph type="dt" sz="half" idx="10"/>
-          </p:nvPr>
-        </p:nvSpPr>
-        <p:spPr/>
-        <p:txBody>
-          <a:bodyPr/>
-          <a:lstStyle/>
-          <a:p>
-            <a:r>
-              <a:rPr lang="en-US" smtClean="0"/>
-              <a:t>2011-2012</a:t>
-            </a:r>
-            <a:endParaRPr lang="en-US" dirty="0"/>
-          </a:p>
-        </p:txBody>
-      </p:sp>
-      <p:sp>
-        <p:nvSpPr>
-          <p:cNvPr id="4" name="Content Placeholder 3"/>
-          <p:cNvSpPr>
-            <a:spLocks noGrp="1"/>
-          </p:cNvSpPr>
-          <p:nvPr>
-            <p:ph sz="quarter" idx="1"/>
-          </p:nvPr>
-        </p:nvSpPr>
-        <p:spPr/>
-        <p:txBody>
-          <a:bodyPr>
-            <a:normAutofit fontScale="77500" lnSpcReduction="20000"/>
-          </a:bodyPr>
-          <a:lstStyle/>
-          <a:p>
-            <a:r>
-              <a:rPr lang="en-US" dirty="0" smtClean="0"/>
-              <a:t>Web application + Android Application</a:t>
-            </a:r>
-          </a:p>
-          <a:p>
-            <a:r>
-              <a:rPr lang="en-US" dirty="0" smtClean="0"/>
-              <a:t>Single Marketplace for eBooks, Music, Movies and Android Applications</a:t>
-            </a:r>
-          </a:p>
-          <a:p>
-            <a:r>
-              <a:rPr lang="en-US" dirty="0" smtClean="0"/>
-              <a:t>Filters out the above categories if services are not available in particular country</a:t>
-            </a:r>
-          </a:p>
-          <a:p>
-            <a:r>
-              <a:rPr lang="en-US" dirty="0" smtClean="0"/>
-              <a:t>Publisher Account</a:t>
-            </a:r>
-          </a:p>
-          <a:p>
-            <a:pPr lvl="1"/>
-            <a:r>
-              <a:rPr lang="en-US" dirty="0" smtClean="0"/>
-              <a:t>Google Account</a:t>
-            </a:r>
-          </a:p>
-          <a:p>
-            <a:pPr lvl="1"/>
-            <a:r>
-              <a:rPr lang="en-US" dirty="0" smtClean="0"/>
-              <a:t>Free Apps and Paid Apps (30% commission)</a:t>
-            </a:r>
-          </a:p>
-          <a:p>
-            <a:pPr lvl="1"/>
-            <a:r>
-              <a:rPr lang="en-US" dirty="0" smtClean="0"/>
-              <a:t>Selling a Paid App currently not available for India</a:t>
-            </a:r>
-          </a:p>
-          <a:p>
-            <a:pPr lvl="1"/>
-            <a:r>
-              <a:rPr lang="en-US" dirty="0" smtClean="0"/>
-              <a:t>Download Free Apps</a:t>
-            </a:r>
-          </a:p>
-          <a:p>
-            <a:pPr lvl="1"/>
-            <a:r>
-              <a:rPr lang="en-US" dirty="0" smtClean="0"/>
-              <a:t>Download Paid Apps</a:t>
-            </a:r>
-          </a:p>
-          <a:p>
-            <a:pPr lvl="1"/>
-            <a:r>
-              <a:rPr lang="en-US" dirty="0" smtClean="0"/>
-              <a:t>$25 Registration Fee</a:t>
-            </a:r>
-          </a:p>
-          <a:p>
-            <a:pPr lvl="1"/>
-            <a:r>
-              <a:rPr lang="en-US" dirty="0" smtClean="0"/>
-              <a:t>Application Approval - Immediate</a:t>
-            </a:r>
-            <a:endParaRPr lang="en-IN" dirty="0"/>
-          </a:p>
-        </p:txBody>
-      </p:sp>
-      <p:sp>
-        <p:nvSpPr>
-          <p:cNvPr id="5" name="Slide Number Placeholder 4"/>
-          <p:cNvSpPr>
-            <a:spLocks noGrp="1"/>
-          </p:cNvSpPr>
-          <p:nvPr>
-            <p:ph type="sldNum" sz="quarter" idx="12"/>
-          </p:nvPr>
-        </p:nvSpPr>
-        <p:spPr/>
-        <p:txBody>
-          <a:bodyPr>
-            <a:normAutofit fontScale="85000" lnSpcReduction="20000"/>
-          </a:bodyPr>
-          <a:lstStyle/>
-          <a:p>
-            <a:fld id="{F2BF1754-4D2F-46D8-A35A-EF7FA01DA8F5}" type="slidenum">
-              <a:rPr lang="en-US" smtClean="0"/>
-              <a:pPr/>
-              <a:t>80</a:t>
+              <a:t>79</a:t>
             </a:fld>
             <a:endParaRPr lang="en-US" dirty="0"/>
           </a:p>
@@ -28472,7 +27957,542 @@
 </p:sld>
 </file>
 
-<file path=ppt/slides/slide81.xml><?xml version="1.0" encoding="utf-8"?>
+<file path=ppt/slides/slide8.xml><?xml version="1.0" encoding="utf-8"?>
+<p:sld xmlns:a="http://schemas.openxmlformats.org/drawingml/2006/main" xmlns:r="http://schemas.openxmlformats.org/officeDocument/2006/relationships" xmlns:p="http://schemas.openxmlformats.org/presentationml/2006/main">
+  <p:cSld>
+    <p:spTree>
+      <p:nvGrpSpPr>
+        <p:cNvPr id="1" name=""/>
+        <p:cNvGrpSpPr/>
+        <p:nvPr/>
+      </p:nvGrpSpPr>
+      <p:grpSpPr>
+        <a:xfrm>
+          <a:off x="0" y="0"/>
+          <a:ext cx="0" cy="0"/>
+          <a:chOff x="0" y="0"/>
+          <a:chExt cx="0" cy="0"/>
+        </a:xfrm>
+      </p:grpSpPr>
+      <p:sp>
+        <p:nvSpPr>
+          <p:cNvPr id="3" name="Date Placeholder 2"/>
+          <p:cNvSpPr>
+            <a:spLocks noGrp="1"/>
+          </p:cNvSpPr>
+          <p:nvPr>
+            <p:ph type="dt" sz="half" idx="10"/>
+          </p:nvPr>
+        </p:nvSpPr>
+        <p:spPr/>
+        <p:txBody>
+          <a:bodyPr/>
+          <a:lstStyle/>
+          <a:p>
+            <a:r>
+              <a:rPr lang="en-US" smtClean="0"/>
+              <a:t>2011-2012</a:t>
+            </a:r>
+            <a:endParaRPr lang="en-US" dirty="0"/>
+          </a:p>
+        </p:txBody>
+      </p:sp>
+      <p:sp>
+        <p:nvSpPr>
+          <p:cNvPr id="4" name="Slide Number Placeholder 3"/>
+          <p:cNvSpPr>
+            <a:spLocks noGrp="1"/>
+          </p:cNvSpPr>
+          <p:nvPr>
+            <p:ph type="sldNum" sz="quarter" idx="12"/>
+          </p:nvPr>
+        </p:nvSpPr>
+        <p:spPr/>
+        <p:txBody>
+          <a:bodyPr>
+            <a:normAutofit fontScale="85000" lnSpcReduction="20000"/>
+          </a:bodyPr>
+          <a:lstStyle/>
+          <a:p>
+            <a:fld id="{F2BF1754-4D2F-46D8-A35A-EF7FA01DA8F5}" type="slidenum">
+              <a:rPr lang="en-US" smtClean="0"/>
+              <a:pPr/>
+              <a:t>8</a:t>
+            </a:fld>
+            <a:endParaRPr lang="en-US" dirty="0"/>
+          </a:p>
+        </p:txBody>
+      </p:sp>
+      <p:sp>
+        <p:nvSpPr>
+          <p:cNvPr id="7" name="Content Placeholder 2"/>
+          <p:cNvSpPr txBox="1">
+            <a:spLocks/>
+          </p:cNvSpPr>
+          <p:nvPr/>
+        </p:nvSpPr>
+        <p:spPr>
+          <a:xfrm>
+            <a:off x="765048" y="1752600"/>
+            <a:ext cx="8153400" cy="4495800"/>
+          </a:xfrm>
+          <a:prstGeom prst="rect">
+            <a:avLst/>
+          </a:prstGeom>
+        </p:spPr>
+        <p:txBody>
+          <a:bodyPr vert="horz">
+            <a:normAutofit lnSpcReduction="10000"/>
+          </a:bodyPr>
+          <a:lstStyle/>
+          <a:p>
+            <a:pPr marL="320040" marR="0" lvl="0" indent="-320040" algn="l" defTabSz="914400" rtl="0" eaLnBrk="1" fontAlgn="auto" latinLnBrk="0" hangingPunct="1">
+              <a:lnSpc>
+                <a:spcPct val="100000"/>
+              </a:lnSpc>
+              <a:spcBef>
+                <a:spcPts val="700"/>
+              </a:spcBef>
+              <a:spcAft>
+                <a:spcPts val="0"/>
+              </a:spcAft>
+              <a:buClr>
+                <a:schemeClr val="accent2"/>
+              </a:buClr>
+              <a:buSzPct val="60000"/>
+              <a:buFont typeface="Wingdings"/>
+              <a:buChar char=""/>
+              <a:tabLst/>
+              <a:defRPr/>
+            </a:pPr>
+            <a:r>
+              <a:rPr kumimoji="0" lang="en-US" sz="2900" b="0" i="0" u="none" strike="noStrike" kern="1200" cap="none" spc="0" normalizeH="0" baseline="0" noProof="0" smtClean="0">
+                <a:ln>
+                  <a:noFill/>
+                </a:ln>
+                <a:solidFill>
+                  <a:schemeClr val="tx1"/>
+                </a:solidFill>
+                <a:effectLst/>
+                <a:uLnTx/>
+                <a:uFillTx/>
+                <a:latin typeface="+mn-lt"/>
+                <a:ea typeface="+mn-ea"/>
+                <a:cs typeface="+mn-cs"/>
+              </a:rPr>
+              <a:t>Handset Layouts, Multiple Languages</a:t>
+            </a:r>
+          </a:p>
+          <a:p>
+            <a:pPr marL="320040" marR="0" lvl="0" indent="-320040" algn="l" defTabSz="914400" rtl="0" eaLnBrk="1" fontAlgn="auto" latinLnBrk="0" hangingPunct="1">
+              <a:lnSpc>
+                <a:spcPct val="100000"/>
+              </a:lnSpc>
+              <a:spcBef>
+                <a:spcPts val="700"/>
+              </a:spcBef>
+              <a:spcAft>
+                <a:spcPts val="0"/>
+              </a:spcAft>
+              <a:buClr>
+                <a:schemeClr val="accent2"/>
+              </a:buClr>
+              <a:buSzPct val="60000"/>
+              <a:buFont typeface="Wingdings"/>
+              <a:buChar char=""/>
+              <a:tabLst/>
+              <a:defRPr/>
+            </a:pPr>
+            <a:r>
+              <a:rPr kumimoji="0" lang="en-US" sz="2900" b="0" i="0" u="none" strike="noStrike" kern="1200" cap="none" spc="0" normalizeH="0" baseline="0" noProof="0" smtClean="0">
+                <a:ln>
+                  <a:noFill/>
+                </a:ln>
+                <a:solidFill>
+                  <a:schemeClr val="tx1"/>
+                </a:solidFill>
+                <a:effectLst/>
+                <a:uLnTx/>
+                <a:uFillTx/>
+                <a:latin typeface="+mn-lt"/>
+                <a:ea typeface="+mn-ea"/>
+                <a:cs typeface="+mn-cs"/>
+              </a:rPr>
+              <a:t>Storage</a:t>
+            </a:r>
+          </a:p>
+          <a:p>
+            <a:pPr marL="320040" marR="0" lvl="0" indent="-320040" algn="l" defTabSz="914400" rtl="0" eaLnBrk="1" fontAlgn="auto" latinLnBrk="0" hangingPunct="1">
+              <a:lnSpc>
+                <a:spcPct val="100000"/>
+              </a:lnSpc>
+              <a:spcBef>
+                <a:spcPts val="700"/>
+              </a:spcBef>
+              <a:spcAft>
+                <a:spcPts val="0"/>
+              </a:spcAft>
+              <a:buClr>
+                <a:schemeClr val="accent2"/>
+              </a:buClr>
+              <a:buSzPct val="60000"/>
+              <a:buFont typeface="Wingdings"/>
+              <a:buChar char=""/>
+              <a:tabLst/>
+              <a:defRPr/>
+            </a:pPr>
+            <a:r>
+              <a:rPr kumimoji="0" lang="en-US" sz="2900" b="0" i="0" u="none" strike="noStrike" kern="1200" cap="none" spc="0" normalizeH="0" baseline="0" noProof="0" smtClean="0">
+                <a:ln>
+                  <a:noFill/>
+                </a:ln>
+                <a:solidFill>
+                  <a:schemeClr val="tx1"/>
+                </a:solidFill>
+                <a:effectLst/>
+                <a:uLnTx/>
+                <a:uFillTx/>
+                <a:latin typeface="+mn-lt"/>
+                <a:ea typeface="+mn-ea"/>
+                <a:cs typeface="+mn-cs"/>
+              </a:rPr>
+              <a:t>Connectivity</a:t>
+            </a:r>
+          </a:p>
+          <a:p>
+            <a:pPr marL="320040" marR="0" lvl="0" indent="-320040" algn="l" defTabSz="914400" rtl="0" eaLnBrk="1" fontAlgn="auto" latinLnBrk="0" hangingPunct="1">
+              <a:lnSpc>
+                <a:spcPct val="100000"/>
+              </a:lnSpc>
+              <a:spcBef>
+                <a:spcPts val="700"/>
+              </a:spcBef>
+              <a:spcAft>
+                <a:spcPts val="0"/>
+              </a:spcAft>
+              <a:buClr>
+                <a:schemeClr val="accent2"/>
+              </a:buClr>
+              <a:buSzPct val="60000"/>
+              <a:buFont typeface="Wingdings"/>
+              <a:buChar char=""/>
+              <a:tabLst/>
+              <a:defRPr/>
+            </a:pPr>
+            <a:r>
+              <a:rPr kumimoji="0" lang="en-US" sz="2900" b="0" i="0" u="none" strike="noStrike" kern="1200" cap="none" spc="0" normalizeH="0" baseline="0" noProof="0" smtClean="0">
+                <a:ln>
+                  <a:noFill/>
+                </a:ln>
+                <a:solidFill>
+                  <a:schemeClr val="tx1"/>
+                </a:solidFill>
+                <a:effectLst/>
+                <a:uLnTx/>
+                <a:uFillTx/>
+                <a:latin typeface="+mn-lt"/>
+                <a:ea typeface="+mn-ea"/>
+                <a:cs typeface="+mn-cs"/>
+              </a:rPr>
+              <a:t>Messaging</a:t>
+            </a:r>
+          </a:p>
+          <a:p>
+            <a:pPr marL="320040" marR="0" lvl="0" indent="-320040" algn="l" defTabSz="914400" rtl="0" eaLnBrk="1" fontAlgn="auto" latinLnBrk="0" hangingPunct="1">
+              <a:lnSpc>
+                <a:spcPct val="100000"/>
+              </a:lnSpc>
+              <a:spcBef>
+                <a:spcPts val="700"/>
+              </a:spcBef>
+              <a:spcAft>
+                <a:spcPts val="0"/>
+              </a:spcAft>
+              <a:buClr>
+                <a:schemeClr val="accent2"/>
+              </a:buClr>
+              <a:buSzPct val="60000"/>
+              <a:buFont typeface="Wingdings"/>
+              <a:buChar char=""/>
+              <a:tabLst/>
+              <a:defRPr/>
+            </a:pPr>
+            <a:r>
+              <a:rPr kumimoji="0" lang="en-US" sz="2900" b="0" i="0" u="none" strike="noStrike" kern="1200" cap="none" spc="0" normalizeH="0" baseline="0" noProof="0" smtClean="0">
+                <a:ln>
+                  <a:noFill/>
+                </a:ln>
+                <a:solidFill>
+                  <a:schemeClr val="tx1"/>
+                </a:solidFill>
+                <a:effectLst/>
+                <a:uLnTx/>
+                <a:uFillTx/>
+                <a:latin typeface="+mn-lt"/>
+                <a:ea typeface="+mn-ea"/>
+                <a:cs typeface="+mn-cs"/>
+              </a:rPr>
+              <a:t>Media Support</a:t>
+            </a:r>
+          </a:p>
+          <a:p>
+            <a:pPr marL="320040" marR="0" lvl="0" indent="-320040" algn="l" defTabSz="914400" rtl="0" eaLnBrk="1" fontAlgn="auto" latinLnBrk="0" hangingPunct="1">
+              <a:lnSpc>
+                <a:spcPct val="100000"/>
+              </a:lnSpc>
+              <a:spcBef>
+                <a:spcPts val="700"/>
+              </a:spcBef>
+              <a:spcAft>
+                <a:spcPts val="0"/>
+              </a:spcAft>
+              <a:buClr>
+                <a:schemeClr val="accent2"/>
+              </a:buClr>
+              <a:buSzPct val="60000"/>
+              <a:buFont typeface="Wingdings"/>
+              <a:buChar char=""/>
+              <a:tabLst/>
+              <a:defRPr/>
+            </a:pPr>
+            <a:r>
+              <a:rPr kumimoji="0" lang="en-US" sz="2900" b="0" i="0" u="none" strike="noStrike" kern="1200" cap="none" spc="0" normalizeH="0" baseline="0" noProof="0" smtClean="0">
+                <a:ln>
+                  <a:noFill/>
+                </a:ln>
+                <a:solidFill>
+                  <a:schemeClr val="tx1"/>
+                </a:solidFill>
+                <a:effectLst/>
+                <a:uLnTx/>
+                <a:uFillTx/>
+                <a:latin typeface="+mn-lt"/>
+                <a:ea typeface="+mn-ea"/>
+                <a:cs typeface="+mn-cs"/>
+              </a:rPr>
+              <a:t>Hardware support</a:t>
+            </a:r>
+          </a:p>
+          <a:p>
+            <a:pPr marL="640080" marR="0" lvl="1" indent="-274320" algn="l" defTabSz="914400" rtl="0" eaLnBrk="1" fontAlgn="auto" latinLnBrk="0" hangingPunct="1">
+              <a:lnSpc>
+                <a:spcPct val="100000"/>
+              </a:lnSpc>
+              <a:spcBef>
+                <a:spcPts val="550"/>
+              </a:spcBef>
+              <a:spcAft>
+                <a:spcPts val="0"/>
+              </a:spcAft>
+              <a:buClr>
+                <a:schemeClr val="accent1"/>
+              </a:buClr>
+              <a:buSzPct val="70000"/>
+              <a:buFont typeface="Wingdings 2"/>
+              <a:buChar char=""/>
+              <a:tabLst/>
+              <a:defRPr/>
+            </a:pPr>
+            <a:r>
+              <a:rPr kumimoji="0" lang="en-US" sz="2600" b="0" i="0" u="none" strike="noStrike" kern="1200" cap="none" spc="0" normalizeH="0" baseline="0" noProof="0" smtClean="0">
+                <a:ln>
+                  <a:noFill/>
+                </a:ln>
+                <a:solidFill>
+                  <a:schemeClr val="tx1"/>
+                </a:solidFill>
+                <a:effectLst/>
+                <a:uLnTx/>
+                <a:uFillTx/>
+                <a:latin typeface="+mn-lt"/>
+                <a:ea typeface="+mn-ea"/>
+                <a:cs typeface="+mn-cs"/>
+              </a:rPr>
+              <a:t>Cameras, touch screens, GPS, accelerometer, etc.</a:t>
+            </a:r>
+          </a:p>
+          <a:p>
+            <a:pPr marL="320040" marR="0" lvl="0" indent="-320040" algn="l" defTabSz="914400" rtl="0" eaLnBrk="1" fontAlgn="auto" latinLnBrk="0" hangingPunct="1">
+              <a:lnSpc>
+                <a:spcPct val="100000"/>
+              </a:lnSpc>
+              <a:spcBef>
+                <a:spcPts val="700"/>
+              </a:spcBef>
+              <a:spcAft>
+                <a:spcPts val="0"/>
+              </a:spcAft>
+              <a:buClr>
+                <a:schemeClr val="accent2"/>
+              </a:buClr>
+              <a:buSzPct val="60000"/>
+              <a:buFont typeface="Wingdings"/>
+              <a:buChar char=""/>
+              <a:tabLst/>
+              <a:defRPr/>
+            </a:pPr>
+            <a:r>
+              <a:rPr kumimoji="0" lang="en-US" sz="2900" b="0" i="0" u="none" strike="noStrike" kern="1200" cap="none" spc="0" normalizeH="0" baseline="0" noProof="0" smtClean="0">
+                <a:ln>
+                  <a:noFill/>
+                </a:ln>
+                <a:solidFill>
+                  <a:schemeClr val="tx1"/>
+                </a:solidFill>
+                <a:effectLst/>
+                <a:uLnTx/>
+                <a:uFillTx/>
+                <a:latin typeface="+mn-lt"/>
+                <a:ea typeface="+mn-ea"/>
+                <a:cs typeface="+mn-cs"/>
+              </a:rPr>
+              <a:t>Reuse of Data</a:t>
+            </a:r>
+          </a:p>
+          <a:p>
+            <a:pPr marL="320040" marR="0" lvl="0" indent="-320040" algn="l" defTabSz="914400" rtl="0" eaLnBrk="1" fontAlgn="auto" latinLnBrk="0" hangingPunct="1">
+              <a:lnSpc>
+                <a:spcPct val="100000"/>
+              </a:lnSpc>
+              <a:spcBef>
+                <a:spcPts val="700"/>
+              </a:spcBef>
+              <a:spcAft>
+                <a:spcPts val="0"/>
+              </a:spcAft>
+              <a:buClr>
+                <a:schemeClr val="accent2"/>
+              </a:buClr>
+              <a:buSzPct val="60000"/>
+              <a:buFont typeface="Wingdings"/>
+              <a:buChar char=""/>
+              <a:tabLst/>
+              <a:defRPr/>
+            </a:pPr>
+            <a:r>
+              <a:rPr kumimoji="0" lang="en-US" sz="2900" b="0" i="0" u="none" strike="noStrike" kern="1200" cap="none" spc="0" normalizeH="0" baseline="0" noProof="0" smtClean="0">
+                <a:ln>
+                  <a:noFill/>
+                </a:ln>
+                <a:solidFill>
+                  <a:schemeClr val="tx1"/>
+                </a:solidFill>
+                <a:effectLst/>
+                <a:uLnTx/>
+                <a:uFillTx/>
+                <a:latin typeface="+mn-lt"/>
+                <a:ea typeface="+mn-ea"/>
+                <a:cs typeface="+mn-cs"/>
+              </a:rPr>
+              <a:t>Reuse of Functionality</a:t>
+            </a:r>
+            <a:endParaRPr kumimoji="0" lang="en-US" sz="2900" b="0" i="0" u="none" strike="noStrike" kern="1200" cap="none" spc="0" normalizeH="0" baseline="0" noProof="0" dirty="0" smtClean="0">
+              <a:ln>
+                <a:noFill/>
+              </a:ln>
+              <a:solidFill>
+                <a:schemeClr val="tx1"/>
+              </a:solidFill>
+              <a:effectLst/>
+              <a:uLnTx/>
+              <a:uFillTx/>
+              <a:latin typeface="+mn-lt"/>
+              <a:ea typeface="+mn-ea"/>
+              <a:cs typeface="+mn-cs"/>
+            </a:endParaRPr>
+          </a:p>
+        </p:txBody>
+      </p:sp>
+      <p:sp>
+        <p:nvSpPr>
+          <p:cNvPr id="8" name="Title 1"/>
+          <p:cNvSpPr txBox="1">
+            <a:spLocks/>
+          </p:cNvSpPr>
+          <p:nvPr/>
+        </p:nvSpPr>
+        <p:spPr>
+          <a:xfrm>
+            <a:off x="765048" y="381000"/>
+            <a:ext cx="8153400" cy="990600"/>
+          </a:xfrm>
+          <a:prstGeom prst="rect">
+            <a:avLst/>
+          </a:prstGeom>
+        </p:spPr>
+        <p:txBody>
+          <a:bodyPr vert="horz" anchor="ctr">
+            <a:normAutofit/>
+          </a:bodyPr>
+          <a:lstStyle/>
+          <a:p>
+            <a:pPr marL="0" marR="0" lvl="0" indent="0" algn="ctr" defTabSz="914400" rtl="0" eaLnBrk="1" fontAlgn="auto" latinLnBrk="0" hangingPunct="1">
+              <a:lnSpc>
+                <a:spcPct val="100000"/>
+              </a:lnSpc>
+              <a:spcBef>
+                <a:spcPct val="0"/>
+              </a:spcBef>
+              <a:spcAft>
+                <a:spcPts val="0"/>
+              </a:spcAft>
+              <a:buClrTx/>
+              <a:buSzTx/>
+              <a:buFontTx/>
+              <a:buNone/>
+              <a:tabLst/>
+              <a:defRPr/>
+            </a:pPr>
+            <a:r>
+              <a:rPr kumimoji="0" lang="en-US" sz="4400" b="0" i="0" u="none" strike="noStrike" kern="1200" cap="none" spc="0" normalizeH="0" baseline="0" noProof="0" dirty="0" smtClean="0">
+                <a:ln>
+                  <a:noFill/>
+                </a:ln>
+                <a:solidFill>
+                  <a:schemeClr val="tx2"/>
+                </a:solidFill>
+                <a:effectLst/>
+                <a:uLnTx/>
+                <a:uFillTx/>
+                <a:latin typeface="+mj-lt"/>
+                <a:ea typeface="+mj-ea"/>
+                <a:cs typeface="+mj-cs"/>
+              </a:rPr>
+              <a:t>Android Features</a:t>
+            </a:r>
+            <a:endParaRPr kumimoji="0" lang="en-IN" sz="4400" b="0" i="0" u="none" strike="noStrike" kern="1200" cap="none" spc="0" normalizeH="0" baseline="0" noProof="0" dirty="0">
+              <a:ln>
+                <a:noFill/>
+              </a:ln>
+              <a:solidFill>
+                <a:schemeClr val="tx2"/>
+              </a:solidFill>
+              <a:effectLst/>
+              <a:uLnTx/>
+              <a:uFillTx/>
+              <a:latin typeface="+mj-lt"/>
+              <a:ea typeface="+mj-ea"/>
+              <a:cs typeface="+mj-cs"/>
+            </a:endParaRPr>
+          </a:p>
+        </p:txBody>
+      </p:sp>
+    </p:spTree>
+  </p:cSld>
+  <p:clrMapOvr>
+    <a:masterClrMapping/>
+  </p:clrMapOvr>
+  <p:timing>
+    <p:tnLst>
+      <p:par>
+        <p:cTn id="1" dur="indefinite" restart="never" nodeType="tmRoot"/>
+      </p:par>
+    </p:tnLst>
+  </p:timing>
+</p:sld>
+</file>
+
+<file path=ppt/slides/slide80.xml><?xml version="1.0" encoding="utf-8"?>
 <p:sld xmlns:a="http://schemas.openxmlformats.org/drawingml/2006/main" xmlns:r="http://schemas.openxmlformats.org/officeDocument/2006/relationships" xmlns:p="http://schemas.openxmlformats.org/presentationml/2006/main">
   <p:cSld>
     <p:spTree>
@@ -28626,6 +28646,194 @@
             <a:fld id="{F2BF1754-4D2F-46D8-A35A-EF7FA01DA8F5}" type="slidenum">
               <a:rPr lang="en-US" smtClean="0"/>
               <a:pPr/>
+              <a:t>80</a:t>
+            </a:fld>
+            <a:endParaRPr lang="en-US" dirty="0"/>
+          </a:p>
+        </p:txBody>
+      </p:sp>
+    </p:spTree>
+  </p:cSld>
+  <p:clrMapOvr>
+    <a:masterClrMapping/>
+  </p:clrMapOvr>
+  <p:timing>
+    <p:tnLst>
+      <p:par>
+        <p:cTn id="1" dur="indefinite" restart="never" nodeType="tmRoot"/>
+      </p:par>
+    </p:tnLst>
+  </p:timing>
+</p:sld>
+</file>
+
+<file path=ppt/slides/slide81.xml><?xml version="1.0" encoding="utf-8"?>
+<p:sld xmlns:a="http://schemas.openxmlformats.org/drawingml/2006/main" xmlns:r="http://schemas.openxmlformats.org/officeDocument/2006/relationships" xmlns:p="http://schemas.openxmlformats.org/presentationml/2006/main">
+  <p:cSld>
+    <p:spTree>
+      <p:nvGrpSpPr>
+        <p:cNvPr id="1" name=""/>
+        <p:cNvGrpSpPr/>
+        <p:nvPr/>
+      </p:nvGrpSpPr>
+      <p:grpSpPr>
+        <a:xfrm>
+          <a:off x="0" y="0"/>
+          <a:ext cx="0" cy="0"/>
+          <a:chOff x="0" y="0"/>
+          <a:chExt cx="0" cy="0"/>
+        </a:xfrm>
+      </p:grpSpPr>
+      <p:sp>
+        <p:nvSpPr>
+          <p:cNvPr id="2" name="Title 1"/>
+          <p:cNvSpPr>
+            <a:spLocks noGrp="1"/>
+          </p:cNvSpPr>
+          <p:nvPr>
+            <p:ph type="title"/>
+          </p:nvPr>
+        </p:nvSpPr>
+        <p:spPr/>
+        <p:txBody>
+          <a:bodyPr/>
+          <a:lstStyle/>
+          <a:p>
+            <a:pPr algn="ctr"/>
+            <a:r>
+              <a:rPr lang="en-US" dirty="0" smtClean="0"/>
+              <a:t>Build the APK</a:t>
+            </a:r>
+            <a:endParaRPr lang="en-IN" dirty="0"/>
+          </a:p>
+        </p:txBody>
+      </p:sp>
+      <p:sp>
+        <p:nvSpPr>
+          <p:cNvPr id="3" name="Date Placeholder 2"/>
+          <p:cNvSpPr>
+            <a:spLocks noGrp="1"/>
+          </p:cNvSpPr>
+          <p:nvPr>
+            <p:ph type="dt" sz="half" idx="10"/>
+          </p:nvPr>
+        </p:nvSpPr>
+        <p:spPr/>
+        <p:txBody>
+          <a:bodyPr/>
+          <a:lstStyle/>
+          <a:p>
+            <a:r>
+              <a:rPr lang="en-US" smtClean="0"/>
+              <a:t>2011-2012</a:t>
+            </a:r>
+            <a:endParaRPr lang="en-US" dirty="0"/>
+          </a:p>
+        </p:txBody>
+      </p:sp>
+      <p:sp>
+        <p:nvSpPr>
+          <p:cNvPr id="4" name="Content Placeholder 3"/>
+          <p:cNvSpPr>
+            <a:spLocks noGrp="1"/>
+          </p:cNvSpPr>
+          <p:nvPr>
+            <p:ph sz="quarter" idx="1"/>
+          </p:nvPr>
+        </p:nvSpPr>
+        <p:spPr>
+          <a:xfrm>
+            <a:off x="609600" y="1600200"/>
+            <a:ext cx="8153400" cy="4495800"/>
+          </a:xfrm>
+        </p:spPr>
+        <p:txBody>
+          <a:bodyPr>
+            <a:normAutofit fontScale="92500" lnSpcReduction="10000"/>
+          </a:bodyPr>
+          <a:lstStyle/>
+          <a:p>
+            <a:r>
+              <a:rPr lang="en-US" dirty="0" smtClean="0"/>
+              <a:t>APK = Android Application Package</a:t>
+            </a:r>
+          </a:p>
+          <a:p>
+            <a:r>
+              <a:rPr lang="en-US" dirty="0" smtClean="0"/>
+              <a:t>File Format to distribute and install software on Android OS</a:t>
+            </a:r>
+          </a:p>
+          <a:p>
+            <a:r>
+              <a:rPr lang="en-US" dirty="0" smtClean="0"/>
+              <a:t>Android Marketplace allows only signed APKs</a:t>
+            </a:r>
+          </a:p>
+          <a:p>
+            <a:r>
+              <a:rPr lang="en-US" dirty="0" smtClean="0"/>
+              <a:t>APK = Archive File</a:t>
+            </a:r>
+          </a:p>
+          <a:p>
+            <a:pPr lvl="1"/>
+            <a:r>
+              <a:rPr lang="en-US" dirty="0" smtClean="0"/>
+              <a:t>META-INF directory</a:t>
+            </a:r>
+          </a:p>
+          <a:p>
+            <a:pPr lvl="1"/>
+            <a:r>
+              <a:rPr lang="en-US" dirty="0" smtClean="0"/>
+              <a:t>res</a:t>
+            </a:r>
+          </a:p>
+          <a:p>
+            <a:pPr lvl="1"/>
+            <a:r>
+              <a:rPr lang="en-US" dirty="0" smtClean="0"/>
+              <a:t>AndroidManifest.xml</a:t>
+            </a:r>
+          </a:p>
+          <a:p>
+            <a:pPr lvl="1"/>
+            <a:r>
+              <a:rPr lang="en-US" dirty="0" smtClean="0"/>
+              <a:t>classes.dex</a:t>
+            </a:r>
+          </a:p>
+          <a:p>
+            <a:pPr lvl="1"/>
+            <a:r>
+              <a:rPr lang="en-US" dirty="0" err="1" smtClean="0"/>
+              <a:t>resources.arsc</a:t>
+            </a:r>
+            <a:endParaRPr lang="en-US" dirty="0" smtClean="0"/>
+          </a:p>
+        </p:txBody>
+      </p:sp>
+      <p:sp>
+        <p:nvSpPr>
+          <p:cNvPr id="5" name="Slide Number Placeholder 4"/>
+          <p:cNvSpPr>
+            <a:spLocks noGrp="1"/>
+          </p:cNvSpPr>
+          <p:nvPr>
+            <p:ph type="sldNum" sz="quarter" idx="12"/>
+          </p:nvPr>
+        </p:nvSpPr>
+        <p:spPr/>
+        <p:txBody>
+          <a:bodyPr>
+            <a:normAutofit fontScale="85000" lnSpcReduction="20000"/>
+          </a:bodyPr>
+          <a:lstStyle/>
+          <a:p>
+            <a:fld id="{F2BF1754-4D2F-46D8-A35A-EF7FA01DA8F5}" type="slidenum">
+              <a:rPr lang="en-US" smtClean="0"/>
+              <a:pPr/>
               <a:t>81</a:t>
             </a:fld>
             <a:endParaRPr lang="en-US" dirty="0"/>
@@ -28682,7 +28890,7 @@
             <a:pPr algn="ctr"/>
             <a:r>
               <a:rPr lang="en-US" dirty="0" smtClean="0"/>
-              <a:t>Build the APK</a:t>
+              <a:t>Android Marketplace - Publish</a:t>
             </a:r>
             <a:endParaRPr lang="en-IN" dirty="0"/>
           </a:p>
@@ -28721,76 +28929,68 @@
             <p:ph sz="quarter" idx="1"/>
           </p:nvPr>
         </p:nvSpPr>
-        <p:spPr>
-          <a:xfrm>
-            <a:off x="609600" y="1600200"/>
-            <a:ext cx="8153400" cy="4495800"/>
-          </a:xfrm>
-        </p:spPr>
+        <p:spPr/>
         <p:txBody>
           <a:bodyPr>
-            <a:normAutofit fontScale="92500" lnSpcReduction="10000"/>
+            <a:normAutofit/>
           </a:bodyPr>
           <a:lstStyle/>
           <a:p>
             <a:r>
               <a:rPr lang="en-US" dirty="0" smtClean="0"/>
-              <a:t>APK = Android Application Package</a:t>
-            </a:r>
-          </a:p>
-          <a:p>
-            <a:r>
-              <a:rPr lang="en-US" dirty="0" smtClean="0"/>
-              <a:t>File Format to distribute and install software on Android OS</a:t>
-            </a:r>
-          </a:p>
-          <a:p>
-            <a:r>
-              <a:rPr lang="en-US" dirty="0" smtClean="0"/>
-              <a:t>Android Marketplace allows only signed APKs</a:t>
-            </a:r>
-          </a:p>
-          <a:p>
-            <a:r>
-              <a:rPr lang="en-US" dirty="0" smtClean="0"/>
-              <a:t>APK = Archive File</a:t>
+              <a:t>Upload the APK</a:t>
+            </a:r>
+          </a:p>
+          <a:p>
+            <a:r>
+              <a:rPr lang="en-US" b="1" dirty="0" smtClean="0"/>
+              <a:t>Hands On Exercise : Build the APK : ex15.docx</a:t>
+            </a:r>
+            <a:endParaRPr lang="en-US" dirty="0" smtClean="0"/>
+          </a:p>
+          <a:p>
+            <a:r>
+              <a:rPr lang="en-US" dirty="0" smtClean="0"/>
+              <a:t>Provide 2 screenshots</a:t>
+            </a:r>
+          </a:p>
+          <a:p>
+            <a:r>
+              <a:rPr lang="en-US" dirty="0" smtClean="0"/>
+              <a:t>Provide 1 High Resolution Image Icon (512 x 512)</a:t>
+            </a:r>
+          </a:p>
+          <a:p>
+            <a:r>
+              <a:rPr lang="en-US" dirty="0" smtClean="0"/>
+              <a:t>Title , Description, Recent Changes</a:t>
+            </a:r>
+          </a:p>
+          <a:p>
+            <a:r>
+              <a:rPr lang="en-US" dirty="0" smtClean="0"/>
+              <a:t>Application Type</a:t>
+            </a:r>
+          </a:p>
+          <a:p>
+            <a:r>
+              <a:rPr lang="en-US" dirty="0" smtClean="0"/>
+              <a:t>Category</a:t>
+            </a:r>
+          </a:p>
+          <a:p>
+            <a:r>
+              <a:rPr lang="en-US" dirty="0" smtClean="0"/>
+              <a:t>Contact Details</a:t>
             </a:r>
           </a:p>
           <a:p>
             <a:pPr lvl="1"/>
-            <a:r>
-              <a:rPr lang="en-US" dirty="0" smtClean="0"/>
-              <a:t>META-INF directory</a:t>
-            </a:r>
+            <a:endParaRPr lang="en-US" dirty="0" smtClean="0"/>
           </a:p>
           <a:p>
             <a:pPr lvl="1"/>
-            <a:r>
-              <a:rPr lang="en-US" dirty="0" smtClean="0"/>
-              <a:t>res</a:t>
-            </a:r>
-          </a:p>
-          <a:p>
-            <a:pPr lvl="1"/>
-            <a:r>
-              <a:rPr lang="en-US" dirty="0" smtClean="0"/>
-              <a:t>AndroidManifest.xml</a:t>
-            </a:r>
-          </a:p>
-          <a:p>
-            <a:pPr lvl="1"/>
-            <a:r>
-              <a:rPr lang="en-US" dirty="0" smtClean="0"/>
-              <a:t>classes.dex</a:t>
-            </a:r>
-          </a:p>
-          <a:p>
-            <a:pPr lvl="1"/>
-            <a:r>
-              <a:rPr lang="en-US" dirty="0" err="1" smtClean="0"/>
-              <a:t>resources.arsc</a:t>
-            </a:r>
-            <a:endParaRPr lang="en-US" dirty="0" smtClean="0"/>
+            <a:endParaRPr lang="en-IN" dirty="0"/>
           </a:p>
         </p:txBody>
       </p:sp>
@@ -28870,7 +29070,7 @@
             <a:pPr algn="ctr"/>
             <a:r>
               <a:rPr lang="en-US" dirty="0" smtClean="0"/>
-              <a:t>Android Marketplace - Publish</a:t>
+              <a:t>Build the APK – Short Check List</a:t>
             </a:r>
             <a:endParaRPr lang="en-IN" dirty="0"/>
           </a:p>
@@ -28912,64 +29112,103 @@
         <p:spPr/>
         <p:txBody>
           <a:bodyPr>
-            <a:normAutofit/>
+            <a:normAutofit fontScale="92500" lnSpcReduction="10000"/>
           </a:bodyPr>
           <a:lstStyle/>
           <a:p>
             <a:r>
               <a:rPr lang="en-US" dirty="0" smtClean="0"/>
-              <a:t>Upload the APK</a:t>
-            </a:r>
-          </a:p>
-          <a:p>
-            <a:r>
-              <a:rPr lang="en-US" b="1" dirty="0" smtClean="0"/>
-              <a:t>Hands On Exercise : Build the APK : ex15.docx</a:t>
+              <a:t>Test Your Application</a:t>
+            </a:r>
+          </a:p>
+          <a:p>
+            <a:r>
+              <a:rPr lang="en-US" dirty="0" smtClean="0"/>
+              <a:t>Review your AndroidManifest.xml file</a:t>
+            </a:r>
+          </a:p>
+          <a:p>
+            <a:pPr lvl="1"/>
+            <a:r>
+              <a:rPr lang="en-US" dirty="0" smtClean="0"/>
+              <a:t>Permissions  (&lt;uses-permission&gt;)</a:t>
+            </a:r>
+          </a:p>
+          <a:p>
+            <a:pPr lvl="1"/>
+            <a:r>
+              <a:rPr lang="en-US" dirty="0" smtClean="0"/>
+              <a:t>Icon and Label</a:t>
+            </a:r>
+          </a:p>
+          <a:p>
+            <a:pPr lvl="1"/>
+            <a:r>
+              <a:rPr lang="en-US" dirty="0" smtClean="0"/>
+              <a:t>Application Version</a:t>
+            </a:r>
+          </a:p>
+          <a:p>
+            <a:pPr lvl="1"/>
+            <a:r>
+              <a:rPr lang="en-US" dirty="0" smtClean="0"/>
+              <a:t>API Level : &lt;uses-</a:t>
+            </a:r>
+            <a:r>
+              <a:rPr lang="en-US" dirty="0" err="1" smtClean="0"/>
+              <a:t>sdk</a:t>
+            </a:r>
+            <a:r>
+              <a:rPr lang="en-US" dirty="0" smtClean="0"/>
+              <a:t>&gt;, </a:t>
+            </a:r>
+            <a:r>
+              <a:rPr lang="en-US" sz="2400" dirty="0" err="1" smtClean="0"/>
+              <a:t>minSDKVersion</a:t>
+            </a:r>
+            <a:r>
+              <a:rPr lang="en-US" sz="2400" dirty="0" smtClean="0"/>
+              <a:t>, </a:t>
+            </a:r>
+            <a:r>
+              <a:rPr lang="en-US" sz="2400" dirty="0" err="1" smtClean="0"/>
+              <a:t>targetSDKVersion</a:t>
             </a:r>
             <a:endParaRPr lang="en-US" dirty="0" smtClean="0"/>
           </a:p>
           <a:p>
-            <a:r>
-              <a:rPr lang="en-US" dirty="0" smtClean="0"/>
-              <a:t>Provide 2 screenshots</a:t>
-            </a:r>
-          </a:p>
-          <a:p>
-            <a:r>
-              <a:rPr lang="en-US" dirty="0" smtClean="0"/>
-              <a:t>Provide 1 High Resolution Image Icon (512 x 512)</a:t>
-            </a:r>
-          </a:p>
-          <a:p>
-            <a:r>
-              <a:rPr lang="en-US" dirty="0" smtClean="0"/>
-              <a:t>Title , Description, Recent Changes</a:t>
-            </a:r>
-          </a:p>
-          <a:p>
-            <a:r>
-              <a:rPr lang="en-US" dirty="0" smtClean="0"/>
-              <a:t>Application Type</a:t>
-            </a:r>
-          </a:p>
-          <a:p>
-            <a:r>
-              <a:rPr lang="en-US" dirty="0" smtClean="0"/>
-              <a:t>Category</a:t>
-            </a:r>
-          </a:p>
-          <a:p>
-            <a:r>
-              <a:rPr lang="en-US" dirty="0" smtClean="0"/>
-              <a:t>Contact Details</a:t>
-            </a:r>
-          </a:p>
-          <a:p>
             <a:pPr lvl="1"/>
+            <a:r>
+              <a:rPr lang="en-US" dirty="0" smtClean="0"/>
+              <a:t>Other Filters : &lt;supports-screens&gt;, etc</a:t>
+            </a:r>
+          </a:p>
+          <a:p>
+            <a:pPr lvl="1"/>
+            <a:r>
+              <a:rPr lang="en-IN" sz="2200" dirty="0" smtClean="0">
+                <a:hlinkClick r:id="rId2"/>
+              </a:rPr>
+              <a:t>http://developer.android.com/guide/appendix/market-filters.html</a:t>
+            </a:r>
             <a:endParaRPr lang="en-US" dirty="0" smtClean="0"/>
           </a:p>
           <a:p>
-            <a:pPr lvl="1"/>
+            <a:r>
+              <a:rPr lang="en-US" dirty="0" smtClean="0"/>
+              <a:t>Compile Your Application</a:t>
+            </a:r>
+          </a:p>
+          <a:p>
+            <a:r>
+              <a:rPr lang="en-US" dirty="0" smtClean="0"/>
+              <a:t>Export Signed Application (.APK) </a:t>
+            </a:r>
+          </a:p>
+          <a:p>
+            <a:pPr lvl="1">
+              <a:buNone/>
+            </a:pPr>
             <a:endParaRPr lang="en-IN" dirty="0"/>
           </a:p>
         </p:txBody>
@@ -29050,225 +29289,6 @@
             <a:pPr algn="ctr"/>
             <a:r>
               <a:rPr lang="en-US" dirty="0" smtClean="0"/>
-              <a:t>Build the APK – Short Check List</a:t>
-            </a:r>
-            <a:endParaRPr lang="en-IN" dirty="0"/>
-          </a:p>
-        </p:txBody>
-      </p:sp>
-      <p:sp>
-        <p:nvSpPr>
-          <p:cNvPr id="3" name="Date Placeholder 2"/>
-          <p:cNvSpPr>
-            <a:spLocks noGrp="1"/>
-          </p:cNvSpPr>
-          <p:nvPr>
-            <p:ph type="dt" sz="half" idx="10"/>
-          </p:nvPr>
-        </p:nvSpPr>
-        <p:spPr/>
-        <p:txBody>
-          <a:bodyPr/>
-          <a:lstStyle/>
-          <a:p>
-            <a:r>
-              <a:rPr lang="en-US" smtClean="0"/>
-              <a:t>2011-2012</a:t>
-            </a:r>
-            <a:endParaRPr lang="en-US" dirty="0"/>
-          </a:p>
-        </p:txBody>
-      </p:sp>
-      <p:sp>
-        <p:nvSpPr>
-          <p:cNvPr id="4" name="Content Placeholder 3"/>
-          <p:cNvSpPr>
-            <a:spLocks noGrp="1"/>
-          </p:cNvSpPr>
-          <p:nvPr>
-            <p:ph sz="quarter" idx="1"/>
-          </p:nvPr>
-        </p:nvSpPr>
-        <p:spPr/>
-        <p:txBody>
-          <a:bodyPr>
-            <a:normAutofit fontScale="92500" lnSpcReduction="10000"/>
-          </a:bodyPr>
-          <a:lstStyle/>
-          <a:p>
-            <a:r>
-              <a:rPr lang="en-US" dirty="0" smtClean="0"/>
-              <a:t>Test Your Application</a:t>
-            </a:r>
-          </a:p>
-          <a:p>
-            <a:r>
-              <a:rPr lang="en-US" dirty="0" smtClean="0"/>
-              <a:t>Review your AndroidManifest.xml file</a:t>
-            </a:r>
-          </a:p>
-          <a:p>
-            <a:pPr lvl="1"/>
-            <a:r>
-              <a:rPr lang="en-US" dirty="0" smtClean="0"/>
-              <a:t>Permissions  (&lt;uses-permission&gt;)</a:t>
-            </a:r>
-          </a:p>
-          <a:p>
-            <a:pPr lvl="1"/>
-            <a:r>
-              <a:rPr lang="en-US" dirty="0" smtClean="0"/>
-              <a:t>Icon and Label</a:t>
-            </a:r>
-          </a:p>
-          <a:p>
-            <a:pPr lvl="1"/>
-            <a:r>
-              <a:rPr lang="en-US" dirty="0" smtClean="0"/>
-              <a:t>Application Version</a:t>
-            </a:r>
-          </a:p>
-          <a:p>
-            <a:pPr lvl="1"/>
-            <a:r>
-              <a:rPr lang="en-US" dirty="0" smtClean="0"/>
-              <a:t>API Level : &lt;uses-</a:t>
-            </a:r>
-            <a:r>
-              <a:rPr lang="en-US" dirty="0" err="1" smtClean="0"/>
-              <a:t>sdk</a:t>
-            </a:r>
-            <a:r>
-              <a:rPr lang="en-US" dirty="0" smtClean="0"/>
-              <a:t>&gt;, </a:t>
-            </a:r>
-            <a:r>
-              <a:rPr lang="en-US" sz="2400" dirty="0" err="1" smtClean="0"/>
-              <a:t>minSDKVersion</a:t>
-            </a:r>
-            <a:r>
-              <a:rPr lang="en-US" sz="2400" dirty="0" smtClean="0"/>
-              <a:t>, </a:t>
-            </a:r>
-            <a:r>
-              <a:rPr lang="en-US" sz="2400" dirty="0" err="1" smtClean="0"/>
-              <a:t>targetSDKVersion</a:t>
-            </a:r>
-            <a:endParaRPr lang="en-US" dirty="0" smtClean="0"/>
-          </a:p>
-          <a:p>
-            <a:pPr lvl="1"/>
-            <a:r>
-              <a:rPr lang="en-US" dirty="0" smtClean="0"/>
-              <a:t>Other Filters : &lt;supports-screens&gt;, etc</a:t>
-            </a:r>
-          </a:p>
-          <a:p>
-            <a:pPr lvl="1"/>
-            <a:r>
-              <a:rPr lang="en-IN" sz="2200" dirty="0" smtClean="0">
-                <a:hlinkClick r:id="rId2"/>
-              </a:rPr>
-              <a:t>http://developer.android.com/guide/appendix/market-filters.html</a:t>
-            </a:r>
-            <a:endParaRPr lang="en-US" dirty="0" smtClean="0"/>
-          </a:p>
-          <a:p>
-            <a:r>
-              <a:rPr lang="en-US" dirty="0" smtClean="0"/>
-              <a:t>Compile Your Application</a:t>
-            </a:r>
-          </a:p>
-          <a:p>
-            <a:r>
-              <a:rPr lang="en-US" dirty="0" smtClean="0"/>
-              <a:t>Export Signed Application (.APK) </a:t>
-            </a:r>
-          </a:p>
-          <a:p>
-            <a:pPr lvl="1">
-              <a:buNone/>
-            </a:pPr>
-            <a:endParaRPr lang="en-IN" dirty="0"/>
-          </a:p>
-        </p:txBody>
-      </p:sp>
-      <p:sp>
-        <p:nvSpPr>
-          <p:cNvPr id="5" name="Slide Number Placeholder 4"/>
-          <p:cNvSpPr>
-            <a:spLocks noGrp="1"/>
-          </p:cNvSpPr>
-          <p:nvPr>
-            <p:ph type="sldNum" sz="quarter" idx="12"/>
-          </p:nvPr>
-        </p:nvSpPr>
-        <p:spPr/>
-        <p:txBody>
-          <a:bodyPr>
-            <a:normAutofit fontScale="85000" lnSpcReduction="20000"/>
-          </a:bodyPr>
-          <a:lstStyle/>
-          <a:p>
-            <a:fld id="{F2BF1754-4D2F-46D8-A35A-EF7FA01DA8F5}" type="slidenum">
-              <a:rPr lang="en-US" smtClean="0"/>
-              <a:pPr/>
-              <a:t>84</a:t>
-            </a:fld>
-            <a:endParaRPr lang="en-US" dirty="0"/>
-          </a:p>
-        </p:txBody>
-      </p:sp>
-    </p:spTree>
-  </p:cSld>
-  <p:clrMapOvr>
-    <a:masterClrMapping/>
-  </p:clrMapOvr>
-  <p:timing>
-    <p:tnLst>
-      <p:par>
-        <p:cTn id="1" dur="indefinite" restart="never" nodeType="tmRoot"/>
-      </p:par>
-    </p:tnLst>
-  </p:timing>
-</p:sld>
-</file>
-
-<file path=ppt/slides/slide85.xml><?xml version="1.0" encoding="utf-8"?>
-<p:sld xmlns:a="http://schemas.openxmlformats.org/drawingml/2006/main" xmlns:r="http://schemas.openxmlformats.org/officeDocument/2006/relationships" xmlns:p="http://schemas.openxmlformats.org/presentationml/2006/main">
-  <p:cSld>
-    <p:spTree>
-      <p:nvGrpSpPr>
-        <p:cNvPr id="1" name=""/>
-        <p:cNvGrpSpPr/>
-        <p:nvPr/>
-      </p:nvGrpSpPr>
-      <p:grpSpPr>
-        <a:xfrm>
-          <a:off x="0" y="0"/>
-          <a:ext cx="0" cy="0"/>
-          <a:chOff x="0" y="0"/>
-          <a:chExt cx="0" cy="0"/>
-        </a:xfrm>
-      </p:grpSpPr>
-      <p:sp>
-        <p:nvSpPr>
-          <p:cNvPr id="2" name="Title 1"/>
-          <p:cNvSpPr>
-            <a:spLocks noGrp="1"/>
-          </p:cNvSpPr>
-          <p:nvPr>
-            <p:ph type="title"/>
-          </p:nvPr>
-        </p:nvSpPr>
-        <p:spPr/>
-        <p:txBody>
-          <a:bodyPr/>
-          <a:lstStyle/>
-          <a:p>
-            <a:pPr algn="ctr"/>
-            <a:r>
-              <a:rPr lang="en-US" dirty="0" smtClean="0"/>
               <a:t>Next Steps</a:t>
             </a:r>
             <a:endParaRPr lang="en-IN" dirty="0"/>
@@ -29422,7 +29442,7 @@
             <a:fld id="{F2BF1754-4D2F-46D8-A35A-EF7FA01DA8F5}" type="slidenum">
               <a:rPr lang="en-US" smtClean="0"/>
               <a:pPr/>
-              <a:t>85</a:t>
+              <a:t>84</a:t>
             </a:fld>
             <a:endParaRPr lang="en-US" dirty="0"/>
           </a:p>
@@ -29495,7 +29515,7 @@
 </p:sld>
 </file>
 
-<file path=ppt/slides/slide86.xml><?xml version="1.0" encoding="utf-8"?>
+<file path=ppt/slides/slide85.xml><?xml version="1.0" encoding="utf-8"?>
 <p:sld xmlns:a="http://schemas.openxmlformats.org/drawingml/2006/main" xmlns:r="http://schemas.openxmlformats.org/officeDocument/2006/relationships" xmlns:p="http://schemas.openxmlformats.org/presentationml/2006/main">
   <p:cSld>
     <p:spTree>
@@ -29640,7 +29660,7 @@
             <a:fld id="{F2BF1754-4D2F-46D8-A35A-EF7FA01DA8F5}" type="slidenum">
               <a:rPr lang="en-US" smtClean="0"/>
               <a:pPr/>
-              <a:t>86</a:t>
+              <a:t>85</a:t>
             </a:fld>
             <a:endParaRPr lang="en-US" dirty="0"/>
           </a:p>

--- a/presentation/AndroidDeveloper101Workshop-October6-Nitrodroid-2012-MindStormSoftware.pptx
+++ b/presentation/AndroidDeveloper101Workshop-October6-Nitrodroid-2012-MindStormSoftware.pptx
@@ -1569,1101 +1569,6 @@
       <dsp:cNvGrpSpPr/>
     </dsp:nvGrpSpPr>
     <dsp:grpSpPr/>
-    <dsp:sp modelId="{E1BC9B8F-B260-4A7D-8E0E-9A869D585B0C}">
-      <dsp:nvSpPr>
-        <dsp:cNvPr id="0" name=""/>
-        <dsp:cNvSpPr/>
-      </dsp:nvSpPr>
-      <dsp:spPr>
-        <a:xfrm>
-          <a:off x="2545765" y="1995625"/>
-          <a:ext cx="2243505" cy="258374"/>
-        </a:xfrm>
-        <a:custGeom>
-          <a:avLst/>
-          <a:gdLst/>
-          <a:ahLst/>
-          <a:cxnLst/>
-          <a:rect l="0" t="0" r="0" b="0"/>
-          <a:pathLst>
-            <a:path>
-              <a:moveTo>
-                <a:pt x="0" y="0"/>
-              </a:moveTo>
-              <a:lnTo>
-                <a:pt x="0" y="176074"/>
-              </a:lnTo>
-              <a:lnTo>
-                <a:pt x="2243505" y="176074"/>
-              </a:lnTo>
-              <a:lnTo>
-                <a:pt x="2243505" y="258374"/>
-              </a:lnTo>
-            </a:path>
-          </a:pathLst>
-        </a:custGeom>
-        <a:noFill/>
-        <a:ln w="19050" cap="flat" cmpd="sng" algn="ctr">
-          <a:solidFill>
-            <a:schemeClr val="accent6">
-              <a:hueOff val="0"/>
-              <a:satOff val="0"/>
-              <a:lumOff val="0"/>
-              <a:alphaOff val="0"/>
-            </a:schemeClr>
-          </a:solidFill>
-          <a:prstDash val="solid"/>
-        </a:ln>
-        <a:effectLst/>
-      </dsp:spPr>
-      <dsp:style>
-        <a:lnRef idx="2">
-          <a:scrgbClr r="0" g="0" b="0"/>
-        </a:lnRef>
-        <a:fillRef idx="0">
-          <a:scrgbClr r="0" g="0" b="0"/>
-        </a:fillRef>
-        <a:effectRef idx="0">
-          <a:scrgbClr r="0" g="0" b="0"/>
-        </a:effectRef>
-        <a:fontRef idx="minor"/>
-      </dsp:style>
-    </dsp:sp>
-    <dsp:sp modelId="{01DEB631-A608-427D-B88F-0BB6E3FF29BB}">
-      <dsp:nvSpPr>
-        <dsp:cNvPr id="0" name=""/>
-        <dsp:cNvSpPr/>
-      </dsp:nvSpPr>
-      <dsp:spPr>
-        <a:xfrm>
-          <a:off x="2545765" y="1995625"/>
-          <a:ext cx="1157692" cy="258374"/>
-        </a:xfrm>
-        <a:custGeom>
-          <a:avLst/>
-          <a:gdLst/>
-          <a:ahLst/>
-          <a:cxnLst/>
-          <a:rect l="0" t="0" r="0" b="0"/>
-          <a:pathLst>
-            <a:path>
-              <a:moveTo>
-                <a:pt x="0" y="0"/>
-              </a:moveTo>
-              <a:lnTo>
-                <a:pt x="0" y="176074"/>
-              </a:lnTo>
-              <a:lnTo>
-                <a:pt x="1157692" y="176074"/>
-              </a:lnTo>
-              <a:lnTo>
-                <a:pt x="1157692" y="258374"/>
-              </a:lnTo>
-            </a:path>
-          </a:pathLst>
-        </a:custGeom>
-        <a:noFill/>
-        <a:ln w="19050" cap="flat" cmpd="sng" algn="ctr">
-          <a:solidFill>
-            <a:schemeClr val="accent6">
-              <a:hueOff val="0"/>
-              <a:satOff val="0"/>
-              <a:lumOff val="0"/>
-              <a:alphaOff val="0"/>
-            </a:schemeClr>
-          </a:solidFill>
-          <a:prstDash val="solid"/>
-        </a:ln>
-        <a:effectLst/>
-      </dsp:spPr>
-      <dsp:style>
-        <a:lnRef idx="2">
-          <a:scrgbClr r="0" g="0" b="0"/>
-        </a:lnRef>
-        <a:fillRef idx="0">
-          <a:scrgbClr r="0" g="0" b="0"/>
-        </a:fillRef>
-        <a:effectRef idx="0">
-          <a:scrgbClr r="0" g="0" b="0"/>
-        </a:effectRef>
-        <a:fontRef idx="minor"/>
-      </dsp:style>
-    </dsp:sp>
-    <dsp:sp modelId="{031ACCB7-3D59-4208-A735-8B7645726667}">
-      <dsp:nvSpPr>
-        <dsp:cNvPr id="0" name=""/>
-        <dsp:cNvSpPr/>
-      </dsp:nvSpPr>
-      <dsp:spPr>
-        <a:xfrm>
-          <a:off x="2500045" y="1995625"/>
-          <a:ext cx="91440" cy="258374"/>
-        </a:xfrm>
-        <a:custGeom>
-          <a:avLst/>
-          <a:gdLst/>
-          <a:ahLst/>
-          <a:cxnLst/>
-          <a:rect l="0" t="0" r="0" b="0"/>
-          <a:pathLst>
-            <a:path>
-              <a:moveTo>
-                <a:pt x="45720" y="0"/>
-              </a:moveTo>
-              <a:lnTo>
-                <a:pt x="45720" y="176074"/>
-              </a:lnTo>
-              <a:lnTo>
-                <a:pt x="117599" y="176074"/>
-              </a:lnTo>
-              <a:lnTo>
-                <a:pt x="117599" y="258374"/>
-              </a:lnTo>
-            </a:path>
-          </a:pathLst>
-        </a:custGeom>
-        <a:noFill/>
-        <a:ln w="19050" cap="flat" cmpd="sng" algn="ctr">
-          <a:solidFill>
-            <a:schemeClr val="accent6">
-              <a:hueOff val="0"/>
-              <a:satOff val="0"/>
-              <a:lumOff val="0"/>
-              <a:alphaOff val="0"/>
-            </a:schemeClr>
-          </a:solidFill>
-          <a:prstDash val="solid"/>
-        </a:ln>
-        <a:effectLst/>
-      </dsp:spPr>
-      <dsp:style>
-        <a:lnRef idx="2">
-          <a:scrgbClr r="0" g="0" b="0"/>
-        </a:lnRef>
-        <a:fillRef idx="0">
-          <a:scrgbClr r="0" g="0" b="0"/>
-        </a:fillRef>
-        <a:effectRef idx="0">
-          <a:scrgbClr r="0" g="0" b="0"/>
-        </a:effectRef>
-        <a:fontRef idx="minor"/>
-      </dsp:style>
-    </dsp:sp>
-    <dsp:sp modelId="{7808602A-A678-49DA-8BE3-6E09C0A3C11D}">
-      <dsp:nvSpPr>
-        <dsp:cNvPr id="0" name=""/>
-        <dsp:cNvSpPr/>
-      </dsp:nvSpPr>
-      <dsp:spPr>
-        <a:xfrm>
-          <a:off x="1531832" y="1995625"/>
-          <a:ext cx="1013932" cy="258374"/>
-        </a:xfrm>
-        <a:custGeom>
-          <a:avLst/>
-          <a:gdLst/>
-          <a:ahLst/>
-          <a:cxnLst/>
-          <a:rect l="0" t="0" r="0" b="0"/>
-          <a:pathLst>
-            <a:path>
-              <a:moveTo>
-                <a:pt x="1013932" y="0"/>
-              </a:moveTo>
-              <a:lnTo>
-                <a:pt x="1013932" y="176074"/>
-              </a:lnTo>
-              <a:lnTo>
-                <a:pt x="0" y="176074"/>
-              </a:lnTo>
-              <a:lnTo>
-                <a:pt x="0" y="258374"/>
-              </a:lnTo>
-            </a:path>
-          </a:pathLst>
-        </a:custGeom>
-        <a:noFill/>
-        <a:ln w="19050" cap="flat" cmpd="sng" algn="ctr">
-          <a:solidFill>
-            <a:schemeClr val="accent6">
-              <a:hueOff val="0"/>
-              <a:satOff val="0"/>
-              <a:lumOff val="0"/>
-              <a:alphaOff val="0"/>
-            </a:schemeClr>
-          </a:solidFill>
-          <a:prstDash val="solid"/>
-        </a:ln>
-        <a:effectLst/>
-      </dsp:spPr>
-      <dsp:style>
-        <a:lnRef idx="2">
-          <a:scrgbClr r="0" g="0" b="0"/>
-        </a:lnRef>
-        <a:fillRef idx="0">
-          <a:scrgbClr r="0" g="0" b="0"/>
-        </a:fillRef>
-        <a:effectRef idx="0">
-          <a:scrgbClr r="0" g="0" b="0"/>
-        </a:effectRef>
-        <a:fontRef idx="minor"/>
-      </dsp:style>
-    </dsp:sp>
-    <dsp:sp modelId="{7B854566-974F-406A-9D2D-6DF7A81F293D}">
-      <dsp:nvSpPr>
-        <dsp:cNvPr id="0" name=""/>
-        <dsp:cNvSpPr/>
-      </dsp:nvSpPr>
-      <dsp:spPr>
-        <a:xfrm>
-          <a:off x="446019" y="1995625"/>
-          <a:ext cx="2099745" cy="258374"/>
-        </a:xfrm>
-        <a:custGeom>
-          <a:avLst/>
-          <a:gdLst/>
-          <a:ahLst/>
-          <a:cxnLst/>
-          <a:rect l="0" t="0" r="0" b="0"/>
-          <a:pathLst>
-            <a:path>
-              <a:moveTo>
-                <a:pt x="2099745" y="0"/>
-              </a:moveTo>
-              <a:lnTo>
-                <a:pt x="2099745" y="176074"/>
-              </a:lnTo>
-              <a:lnTo>
-                <a:pt x="0" y="176074"/>
-              </a:lnTo>
-              <a:lnTo>
-                <a:pt x="0" y="258374"/>
-              </a:lnTo>
-            </a:path>
-          </a:pathLst>
-        </a:custGeom>
-        <a:noFill/>
-        <a:ln w="19050" cap="flat" cmpd="sng" algn="ctr">
-          <a:solidFill>
-            <a:schemeClr val="accent6">
-              <a:hueOff val="0"/>
-              <a:satOff val="0"/>
-              <a:lumOff val="0"/>
-              <a:alphaOff val="0"/>
-            </a:schemeClr>
-          </a:solidFill>
-          <a:prstDash val="solid"/>
-        </a:ln>
-        <a:effectLst/>
-      </dsp:spPr>
-      <dsp:style>
-        <a:lnRef idx="2">
-          <a:scrgbClr r="0" g="0" b="0"/>
-        </a:lnRef>
-        <a:fillRef idx="0">
-          <a:scrgbClr r="0" g="0" b="0"/>
-        </a:fillRef>
-        <a:effectRef idx="0">
-          <a:scrgbClr r="0" g="0" b="0"/>
-        </a:effectRef>
-        <a:fontRef idx="minor"/>
-      </dsp:style>
-    </dsp:sp>
-    <dsp:sp modelId="{AF9D0EE9-C42A-4D44-9548-2504EB473202}">
-      <dsp:nvSpPr>
-        <dsp:cNvPr id="0" name=""/>
-        <dsp:cNvSpPr/>
-      </dsp:nvSpPr>
-      <dsp:spPr>
-        <a:xfrm>
-          <a:off x="2101568" y="1431496"/>
-          <a:ext cx="888392" cy="564129"/>
-        </a:xfrm>
-        <a:prstGeom prst="roundRect">
-          <a:avLst>
-            <a:gd name="adj" fmla="val 10000"/>
-          </a:avLst>
-        </a:prstGeom>
-        <a:solidFill>
-          <a:schemeClr val="accent4">
-            <a:hueOff val="0"/>
-            <a:satOff val="0"/>
-            <a:lumOff val="0"/>
-            <a:alphaOff val="0"/>
-          </a:schemeClr>
-        </a:solidFill>
-        <a:ln w="19050" cap="flat" cmpd="sng" algn="ctr">
-          <a:solidFill>
-            <a:schemeClr val="lt1">
-              <a:hueOff val="0"/>
-              <a:satOff val="0"/>
-              <a:lumOff val="0"/>
-              <a:alphaOff val="0"/>
-            </a:schemeClr>
-          </a:solidFill>
-          <a:prstDash val="solid"/>
-        </a:ln>
-        <a:effectLst/>
-      </dsp:spPr>
-      <dsp:style>
-        <a:lnRef idx="2">
-          <a:scrgbClr r="0" g="0" b="0"/>
-        </a:lnRef>
-        <a:fillRef idx="1">
-          <a:scrgbClr r="0" g="0" b="0"/>
-        </a:fillRef>
-        <a:effectRef idx="0">
-          <a:scrgbClr r="0" g="0" b="0"/>
-        </a:effectRef>
-        <a:fontRef idx="minor">
-          <a:schemeClr val="lt1"/>
-        </a:fontRef>
-      </dsp:style>
-    </dsp:sp>
-    <dsp:sp modelId="{25A768D3-3859-46D5-9D83-FD4225F52382}">
-      <dsp:nvSpPr>
-        <dsp:cNvPr id="0" name=""/>
-        <dsp:cNvSpPr/>
-      </dsp:nvSpPr>
-      <dsp:spPr>
-        <a:xfrm>
-          <a:off x="2200279" y="1525271"/>
-          <a:ext cx="888392" cy="564129"/>
-        </a:xfrm>
-        <a:prstGeom prst="roundRect">
-          <a:avLst>
-            <a:gd name="adj" fmla="val 10000"/>
-          </a:avLst>
-        </a:prstGeom>
-        <a:solidFill>
-          <a:schemeClr val="lt1">
-            <a:alpha val="90000"/>
-            <a:hueOff val="0"/>
-            <a:satOff val="0"/>
-            <a:lumOff val="0"/>
-            <a:alphaOff val="0"/>
-          </a:schemeClr>
-        </a:solidFill>
-        <a:ln w="19050" cap="flat" cmpd="sng" algn="ctr">
-          <a:solidFill>
-            <a:schemeClr val="accent4">
-              <a:hueOff val="0"/>
-              <a:satOff val="0"/>
-              <a:lumOff val="0"/>
-              <a:alphaOff val="0"/>
-            </a:schemeClr>
-          </a:solidFill>
-          <a:prstDash val="solid"/>
-        </a:ln>
-        <a:effectLst/>
-      </dsp:spPr>
-      <dsp:style>
-        <a:lnRef idx="2">
-          <a:scrgbClr r="0" g="0" b="0"/>
-        </a:lnRef>
-        <a:fillRef idx="1">
-          <a:scrgbClr r="0" g="0" b="0"/>
-        </a:fillRef>
-        <a:effectRef idx="0">
-          <a:scrgbClr r="0" g="0" b="0"/>
-        </a:effectRef>
-        <a:fontRef idx="minor"/>
-      </dsp:style>
-      <dsp:txBody>
-        <a:bodyPr spcFirstLastPara="0" vert="horz" wrap="square" lIns="60960" tIns="60960" rIns="60960" bIns="60960" numCol="1" spcCol="1270" anchor="ctr" anchorCtr="0">
-          <a:noAutofit/>
-        </a:bodyPr>
-        <a:lstStyle/>
-        <a:p>
-          <a:pPr lvl="0" algn="ctr" defTabSz="711200">
-            <a:lnSpc>
-              <a:spcPct val="90000"/>
-            </a:lnSpc>
-            <a:spcBef>
-              <a:spcPct val="0"/>
-            </a:spcBef>
-            <a:spcAft>
-              <a:spcPct val="35000"/>
-            </a:spcAft>
-          </a:pPr>
-          <a:r>
-            <a:rPr lang="en-US" sz="1600" kern="1200" dirty="0" smtClean="0"/>
-            <a:t>Linear Layout</a:t>
-          </a:r>
-          <a:endParaRPr lang="en-IN" sz="1600" kern="1200" dirty="0"/>
-        </a:p>
-      </dsp:txBody>
-      <dsp:txXfrm>
-        <a:off x="2200279" y="1525271"/>
-        <a:ext cx="888392" cy="564129"/>
-      </dsp:txXfrm>
-    </dsp:sp>
-    <dsp:sp modelId="{EC100101-92DD-4D20-9701-FAD85A795761}">
-      <dsp:nvSpPr>
-        <dsp:cNvPr id="0" name=""/>
-        <dsp:cNvSpPr/>
-      </dsp:nvSpPr>
-      <dsp:spPr>
-        <a:xfrm>
-          <a:off x="1823" y="2253999"/>
-          <a:ext cx="888392" cy="564129"/>
-        </a:xfrm>
-        <a:prstGeom prst="roundRect">
-          <a:avLst>
-            <a:gd name="adj" fmla="val 10000"/>
-          </a:avLst>
-        </a:prstGeom>
-        <a:solidFill>
-          <a:schemeClr val="accent6">
-            <a:hueOff val="0"/>
-            <a:satOff val="0"/>
-            <a:lumOff val="0"/>
-            <a:alphaOff val="0"/>
-          </a:schemeClr>
-        </a:solidFill>
-        <a:ln w="19050" cap="flat" cmpd="sng" algn="ctr">
-          <a:solidFill>
-            <a:schemeClr val="lt1">
-              <a:hueOff val="0"/>
-              <a:satOff val="0"/>
-              <a:lumOff val="0"/>
-              <a:alphaOff val="0"/>
-            </a:schemeClr>
-          </a:solidFill>
-          <a:prstDash val="solid"/>
-        </a:ln>
-        <a:effectLst/>
-      </dsp:spPr>
-      <dsp:style>
-        <a:lnRef idx="2">
-          <a:scrgbClr r="0" g="0" b="0"/>
-        </a:lnRef>
-        <a:fillRef idx="1">
-          <a:scrgbClr r="0" g="0" b="0"/>
-        </a:fillRef>
-        <a:effectRef idx="0">
-          <a:scrgbClr r="0" g="0" b="0"/>
-        </a:effectRef>
-        <a:fontRef idx="minor">
-          <a:schemeClr val="lt1"/>
-        </a:fontRef>
-      </dsp:style>
-    </dsp:sp>
-    <dsp:sp modelId="{1113A76B-E984-440D-AECE-6D8662A7EB0B}">
-      <dsp:nvSpPr>
-        <dsp:cNvPr id="0" name=""/>
-        <dsp:cNvSpPr/>
-      </dsp:nvSpPr>
-      <dsp:spPr>
-        <a:xfrm>
-          <a:off x="100533" y="2347774"/>
-          <a:ext cx="888392" cy="564129"/>
-        </a:xfrm>
-        <a:prstGeom prst="roundRect">
-          <a:avLst>
-            <a:gd name="adj" fmla="val 10000"/>
-          </a:avLst>
-        </a:prstGeom>
-        <a:solidFill>
-          <a:schemeClr val="lt1">
-            <a:alpha val="90000"/>
-            <a:hueOff val="0"/>
-            <a:satOff val="0"/>
-            <a:lumOff val="0"/>
-            <a:alphaOff val="0"/>
-          </a:schemeClr>
-        </a:solidFill>
-        <a:ln w="19050" cap="flat" cmpd="sng" algn="ctr">
-          <a:solidFill>
-            <a:schemeClr val="accent6">
-              <a:hueOff val="0"/>
-              <a:satOff val="0"/>
-              <a:lumOff val="0"/>
-              <a:alphaOff val="0"/>
-            </a:schemeClr>
-          </a:solidFill>
-          <a:prstDash val="solid"/>
-        </a:ln>
-        <a:effectLst/>
-      </dsp:spPr>
-      <dsp:style>
-        <a:lnRef idx="2">
-          <a:scrgbClr r="0" g="0" b="0"/>
-        </a:lnRef>
-        <a:fillRef idx="1">
-          <a:scrgbClr r="0" g="0" b="0"/>
-        </a:fillRef>
-        <a:effectRef idx="0">
-          <a:scrgbClr r="0" g="0" b="0"/>
-        </a:effectRef>
-        <a:fontRef idx="minor"/>
-      </dsp:style>
-      <dsp:txBody>
-        <a:bodyPr spcFirstLastPara="0" vert="horz" wrap="square" lIns="60960" tIns="60960" rIns="60960" bIns="60960" numCol="1" spcCol="1270" anchor="ctr" anchorCtr="0">
-          <a:noAutofit/>
-        </a:bodyPr>
-        <a:lstStyle/>
-        <a:p>
-          <a:pPr lvl="0" algn="ctr" defTabSz="711200">
-            <a:lnSpc>
-              <a:spcPct val="90000"/>
-            </a:lnSpc>
-            <a:spcBef>
-              <a:spcPct val="0"/>
-            </a:spcBef>
-            <a:spcAft>
-              <a:spcPct val="35000"/>
-            </a:spcAft>
-          </a:pPr>
-          <a:r>
-            <a:rPr lang="en-US" sz="1600" kern="1200" dirty="0" smtClean="0"/>
-            <a:t>Button</a:t>
-          </a:r>
-          <a:endParaRPr lang="en-IN" sz="1600" kern="1200" dirty="0"/>
-        </a:p>
-      </dsp:txBody>
-      <dsp:txXfrm>
-        <a:off x="100533" y="2347774"/>
-        <a:ext cx="888392" cy="564129"/>
-      </dsp:txXfrm>
-    </dsp:sp>
-    <dsp:sp modelId="{5D4784FD-058A-4276-AB6D-2E0FA6286CAF}">
-      <dsp:nvSpPr>
-        <dsp:cNvPr id="0" name=""/>
-        <dsp:cNvSpPr/>
-      </dsp:nvSpPr>
-      <dsp:spPr>
-        <a:xfrm>
-          <a:off x="1087635" y="2253999"/>
-          <a:ext cx="888392" cy="564129"/>
-        </a:xfrm>
-        <a:prstGeom prst="roundRect">
-          <a:avLst>
-            <a:gd name="adj" fmla="val 10000"/>
-          </a:avLst>
-        </a:prstGeom>
-        <a:solidFill>
-          <a:schemeClr val="accent6">
-            <a:hueOff val="0"/>
-            <a:satOff val="0"/>
-            <a:lumOff val="0"/>
-            <a:alphaOff val="0"/>
-          </a:schemeClr>
-        </a:solidFill>
-        <a:ln w="19050" cap="flat" cmpd="sng" algn="ctr">
-          <a:solidFill>
-            <a:schemeClr val="lt1">
-              <a:hueOff val="0"/>
-              <a:satOff val="0"/>
-              <a:lumOff val="0"/>
-              <a:alphaOff val="0"/>
-            </a:schemeClr>
-          </a:solidFill>
-          <a:prstDash val="solid"/>
-        </a:ln>
-        <a:effectLst/>
-      </dsp:spPr>
-      <dsp:style>
-        <a:lnRef idx="2">
-          <a:scrgbClr r="0" g="0" b="0"/>
-        </a:lnRef>
-        <a:fillRef idx="1">
-          <a:scrgbClr r="0" g="0" b="0"/>
-        </a:fillRef>
-        <a:effectRef idx="0">
-          <a:scrgbClr r="0" g="0" b="0"/>
-        </a:effectRef>
-        <a:fontRef idx="minor">
-          <a:schemeClr val="lt1"/>
-        </a:fontRef>
-      </dsp:style>
-    </dsp:sp>
-    <dsp:sp modelId="{3EC870B7-8A23-4E4E-BFFF-9C77A7058F47}">
-      <dsp:nvSpPr>
-        <dsp:cNvPr id="0" name=""/>
-        <dsp:cNvSpPr/>
-      </dsp:nvSpPr>
-      <dsp:spPr>
-        <a:xfrm>
-          <a:off x="1186346" y="2347774"/>
-          <a:ext cx="888392" cy="564129"/>
-        </a:xfrm>
-        <a:prstGeom prst="roundRect">
-          <a:avLst>
-            <a:gd name="adj" fmla="val 10000"/>
-          </a:avLst>
-        </a:prstGeom>
-        <a:solidFill>
-          <a:schemeClr val="lt1">
-            <a:alpha val="90000"/>
-            <a:hueOff val="0"/>
-            <a:satOff val="0"/>
-            <a:lumOff val="0"/>
-            <a:alphaOff val="0"/>
-          </a:schemeClr>
-        </a:solidFill>
-        <a:ln w="19050" cap="flat" cmpd="sng" algn="ctr">
-          <a:solidFill>
-            <a:schemeClr val="accent6">
-              <a:hueOff val="0"/>
-              <a:satOff val="0"/>
-              <a:lumOff val="0"/>
-              <a:alphaOff val="0"/>
-            </a:schemeClr>
-          </a:solidFill>
-          <a:prstDash val="solid"/>
-        </a:ln>
-        <a:effectLst/>
-      </dsp:spPr>
-      <dsp:style>
-        <a:lnRef idx="2">
-          <a:scrgbClr r="0" g="0" b="0"/>
-        </a:lnRef>
-        <a:fillRef idx="1">
-          <a:scrgbClr r="0" g="0" b="0"/>
-        </a:fillRef>
-        <a:effectRef idx="0">
-          <a:scrgbClr r="0" g="0" b="0"/>
-        </a:effectRef>
-        <a:fontRef idx="minor"/>
-      </dsp:style>
-      <dsp:txBody>
-        <a:bodyPr spcFirstLastPara="0" vert="horz" wrap="square" lIns="60960" tIns="60960" rIns="60960" bIns="60960" numCol="1" spcCol="1270" anchor="ctr" anchorCtr="0">
-          <a:noAutofit/>
-        </a:bodyPr>
-        <a:lstStyle/>
-        <a:p>
-          <a:pPr lvl="0" algn="ctr" defTabSz="711200">
-            <a:lnSpc>
-              <a:spcPct val="90000"/>
-            </a:lnSpc>
-            <a:spcBef>
-              <a:spcPct val="0"/>
-            </a:spcBef>
-            <a:spcAft>
-              <a:spcPct val="35000"/>
-            </a:spcAft>
-          </a:pPr>
-          <a:r>
-            <a:rPr lang="en-US" sz="1600" kern="1200" dirty="0" smtClean="0"/>
-            <a:t>Text</a:t>
-          </a:r>
-          <a:br>
-            <a:rPr lang="en-US" sz="1600" kern="1200" dirty="0" smtClean="0"/>
-          </a:br>
-          <a:r>
-            <a:rPr lang="en-US" sz="1600" kern="1200" dirty="0" smtClean="0"/>
-            <a:t>View</a:t>
-          </a:r>
-          <a:endParaRPr lang="en-IN" sz="1600" kern="1200" dirty="0"/>
-        </a:p>
-      </dsp:txBody>
-      <dsp:txXfrm>
-        <a:off x="1186346" y="2347774"/>
-        <a:ext cx="888392" cy="564129"/>
-      </dsp:txXfrm>
-    </dsp:sp>
-    <dsp:sp modelId="{1EDC7A99-6B34-40C4-8DA1-F493D64100B7}">
-      <dsp:nvSpPr>
-        <dsp:cNvPr id="0" name=""/>
-        <dsp:cNvSpPr/>
-      </dsp:nvSpPr>
-      <dsp:spPr>
-        <a:xfrm>
-          <a:off x="2173448" y="2253999"/>
-          <a:ext cx="888392" cy="564129"/>
-        </a:xfrm>
-        <a:prstGeom prst="roundRect">
-          <a:avLst>
-            <a:gd name="adj" fmla="val 10000"/>
-          </a:avLst>
-        </a:prstGeom>
-        <a:solidFill>
-          <a:schemeClr val="accent6">
-            <a:hueOff val="0"/>
-            <a:satOff val="0"/>
-            <a:lumOff val="0"/>
-            <a:alphaOff val="0"/>
-          </a:schemeClr>
-        </a:solidFill>
-        <a:ln w="19050" cap="flat" cmpd="sng" algn="ctr">
-          <a:solidFill>
-            <a:schemeClr val="lt1">
-              <a:hueOff val="0"/>
-              <a:satOff val="0"/>
-              <a:lumOff val="0"/>
-              <a:alphaOff val="0"/>
-            </a:schemeClr>
-          </a:solidFill>
-          <a:prstDash val="solid"/>
-        </a:ln>
-        <a:effectLst/>
-      </dsp:spPr>
-      <dsp:style>
-        <a:lnRef idx="2">
-          <a:scrgbClr r="0" g="0" b="0"/>
-        </a:lnRef>
-        <a:fillRef idx="1">
-          <a:scrgbClr r="0" g="0" b="0"/>
-        </a:fillRef>
-        <a:effectRef idx="0">
-          <a:scrgbClr r="0" g="0" b="0"/>
-        </a:effectRef>
-        <a:fontRef idx="minor">
-          <a:schemeClr val="lt1"/>
-        </a:fontRef>
-      </dsp:style>
-    </dsp:sp>
-    <dsp:sp modelId="{1796688C-6770-4E3C-9BA8-A61375DC5047}">
-      <dsp:nvSpPr>
-        <dsp:cNvPr id="0" name=""/>
-        <dsp:cNvSpPr/>
-      </dsp:nvSpPr>
-      <dsp:spPr>
-        <a:xfrm>
-          <a:off x="2272158" y="2347774"/>
-          <a:ext cx="888392" cy="564129"/>
-        </a:xfrm>
-        <a:prstGeom prst="roundRect">
-          <a:avLst>
-            <a:gd name="adj" fmla="val 10000"/>
-          </a:avLst>
-        </a:prstGeom>
-        <a:solidFill>
-          <a:schemeClr val="lt1">
-            <a:alpha val="90000"/>
-            <a:hueOff val="0"/>
-            <a:satOff val="0"/>
-            <a:lumOff val="0"/>
-            <a:alphaOff val="0"/>
-          </a:schemeClr>
-        </a:solidFill>
-        <a:ln w="19050" cap="flat" cmpd="sng" algn="ctr">
-          <a:solidFill>
-            <a:schemeClr val="accent6">
-              <a:hueOff val="0"/>
-              <a:satOff val="0"/>
-              <a:lumOff val="0"/>
-              <a:alphaOff val="0"/>
-            </a:schemeClr>
-          </a:solidFill>
-          <a:prstDash val="solid"/>
-        </a:ln>
-        <a:effectLst/>
-      </dsp:spPr>
-      <dsp:style>
-        <a:lnRef idx="2">
-          <a:scrgbClr r="0" g="0" b="0"/>
-        </a:lnRef>
-        <a:fillRef idx="1">
-          <a:scrgbClr r="0" g="0" b="0"/>
-        </a:fillRef>
-        <a:effectRef idx="0">
-          <a:scrgbClr r="0" g="0" b="0"/>
-        </a:effectRef>
-        <a:fontRef idx="minor"/>
-      </dsp:style>
-      <dsp:txBody>
-        <a:bodyPr spcFirstLastPara="0" vert="horz" wrap="square" lIns="60960" tIns="60960" rIns="60960" bIns="60960" numCol="1" spcCol="1270" anchor="ctr" anchorCtr="0">
-          <a:noAutofit/>
-        </a:bodyPr>
-        <a:lstStyle/>
-        <a:p>
-          <a:pPr lvl="0" algn="ctr" defTabSz="711200">
-            <a:lnSpc>
-              <a:spcPct val="90000"/>
-            </a:lnSpc>
-            <a:spcBef>
-              <a:spcPct val="0"/>
-            </a:spcBef>
-            <a:spcAft>
-              <a:spcPct val="35000"/>
-            </a:spcAft>
-          </a:pPr>
-          <a:r>
-            <a:rPr lang="en-US" sz="1600" kern="1200" dirty="0" smtClean="0"/>
-            <a:t>Edit </a:t>
-          </a:r>
-          <a:br>
-            <a:rPr lang="en-US" sz="1600" kern="1200" dirty="0" smtClean="0"/>
-          </a:br>
-          <a:r>
-            <a:rPr lang="en-US" sz="1600" kern="1200" dirty="0" smtClean="0"/>
-            <a:t>Text</a:t>
-          </a:r>
-          <a:endParaRPr lang="en-IN" sz="1600" kern="1200" dirty="0"/>
-        </a:p>
-      </dsp:txBody>
-      <dsp:txXfrm>
-        <a:off x="2272158" y="2347774"/>
-        <a:ext cx="888392" cy="564129"/>
-      </dsp:txXfrm>
-    </dsp:sp>
-    <dsp:sp modelId="{2A18DF43-7699-4F70-9D78-EDE0D34DEEDA}">
-      <dsp:nvSpPr>
-        <dsp:cNvPr id="0" name=""/>
-        <dsp:cNvSpPr/>
-      </dsp:nvSpPr>
-      <dsp:spPr>
-        <a:xfrm>
-          <a:off x="3259261" y="2253999"/>
-          <a:ext cx="888392" cy="564129"/>
-        </a:xfrm>
-        <a:prstGeom prst="roundRect">
-          <a:avLst>
-            <a:gd name="adj" fmla="val 10000"/>
-          </a:avLst>
-        </a:prstGeom>
-        <a:solidFill>
-          <a:schemeClr val="accent6">
-            <a:hueOff val="0"/>
-            <a:satOff val="0"/>
-            <a:lumOff val="0"/>
-            <a:alphaOff val="0"/>
-          </a:schemeClr>
-        </a:solidFill>
-        <a:ln w="19050" cap="flat" cmpd="sng" algn="ctr">
-          <a:solidFill>
-            <a:schemeClr val="lt1">
-              <a:hueOff val="0"/>
-              <a:satOff val="0"/>
-              <a:lumOff val="0"/>
-              <a:alphaOff val="0"/>
-            </a:schemeClr>
-          </a:solidFill>
-          <a:prstDash val="solid"/>
-        </a:ln>
-        <a:effectLst/>
-      </dsp:spPr>
-      <dsp:style>
-        <a:lnRef idx="2">
-          <a:scrgbClr r="0" g="0" b="0"/>
-        </a:lnRef>
-        <a:fillRef idx="1">
-          <a:scrgbClr r="0" g="0" b="0"/>
-        </a:fillRef>
-        <a:effectRef idx="0">
-          <a:scrgbClr r="0" g="0" b="0"/>
-        </a:effectRef>
-        <a:fontRef idx="minor">
-          <a:schemeClr val="lt1"/>
-        </a:fontRef>
-      </dsp:style>
-    </dsp:sp>
-    <dsp:sp modelId="{A912B26A-1D92-4FB1-921E-F2D7A07C27DA}">
-      <dsp:nvSpPr>
-        <dsp:cNvPr id="0" name=""/>
-        <dsp:cNvSpPr/>
-      </dsp:nvSpPr>
-      <dsp:spPr>
-        <a:xfrm>
-          <a:off x="3357971" y="2347774"/>
-          <a:ext cx="888392" cy="564129"/>
-        </a:xfrm>
-        <a:prstGeom prst="roundRect">
-          <a:avLst>
-            <a:gd name="adj" fmla="val 10000"/>
-          </a:avLst>
-        </a:prstGeom>
-        <a:solidFill>
-          <a:schemeClr val="lt1">
-            <a:alpha val="90000"/>
-            <a:hueOff val="0"/>
-            <a:satOff val="0"/>
-            <a:lumOff val="0"/>
-            <a:alphaOff val="0"/>
-          </a:schemeClr>
-        </a:solidFill>
-        <a:ln w="19050" cap="flat" cmpd="sng" algn="ctr">
-          <a:solidFill>
-            <a:schemeClr val="accent6">
-              <a:hueOff val="0"/>
-              <a:satOff val="0"/>
-              <a:lumOff val="0"/>
-              <a:alphaOff val="0"/>
-            </a:schemeClr>
-          </a:solidFill>
-          <a:prstDash val="solid"/>
-        </a:ln>
-        <a:effectLst/>
-      </dsp:spPr>
-      <dsp:style>
-        <a:lnRef idx="2">
-          <a:scrgbClr r="0" g="0" b="0"/>
-        </a:lnRef>
-        <a:fillRef idx="1">
-          <a:scrgbClr r="0" g="0" b="0"/>
-        </a:fillRef>
-        <a:effectRef idx="0">
-          <a:scrgbClr r="0" g="0" b="0"/>
-        </a:effectRef>
-        <a:fontRef idx="minor"/>
-      </dsp:style>
-      <dsp:txBody>
-        <a:bodyPr spcFirstLastPara="0" vert="horz" wrap="square" lIns="60960" tIns="60960" rIns="60960" bIns="60960" numCol="1" spcCol="1270" anchor="ctr" anchorCtr="0">
-          <a:noAutofit/>
-        </a:bodyPr>
-        <a:lstStyle/>
-        <a:p>
-          <a:pPr lvl="0" algn="ctr" defTabSz="711200">
-            <a:lnSpc>
-              <a:spcPct val="90000"/>
-            </a:lnSpc>
-            <a:spcBef>
-              <a:spcPct val="0"/>
-            </a:spcBef>
-            <a:spcAft>
-              <a:spcPct val="35000"/>
-            </a:spcAft>
-          </a:pPr>
-          <a:r>
-            <a:rPr lang="en-US" sz="1600" kern="1200" dirty="0" smtClean="0"/>
-            <a:t>Text View</a:t>
-          </a:r>
-          <a:endParaRPr lang="en-IN" sz="1600" kern="1200" dirty="0"/>
-        </a:p>
-      </dsp:txBody>
-      <dsp:txXfrm>
-        <a:off x="3357971" y="2347774"/>
-        <a:ext cx="888392" cy="564129"/>
-      </dsp:txXfrm>
-    </dsp:sp>
-    <dsp:sp modelId="{267F4A6D-6151-4A85-BFA2-039DE2284D63}">
-      <dsp:nvSpPr>
-        <dsp:cNvPr id="0" name=""/>
-        <dsp:cNvSpPr/>
-      </dsp:nvSpPr>
-      <dsp:spPr>
-        <a:xfrm>
-          <a:off x="4345074" y="2253999"/>
-          <a:ext cx="888392" cy="564129"/>
-        </a:xfrm>
-        <a:prstGeom prst="roundRect">
-          <a:avLst>
-            <a:gd name="adj" fmla="val 10000"/>
-          </a:avLst>
-        </a:prstGeom>
-        <a:solidFill>
-          <a:schemeClr val="accent6">
-            <a:hueOff val="0"/>
-            <a:satOff val="0"/>
-            <a:lumOff val="0"/>
-            <a:alphaOff val="0"/>
-          </a:schemeClr>
-        </a:solidFill>
-        <a:ln w="19050" cap="flat" cmpd="sng" algn="ctr">
-          <a:solidFill>
-            <a:schemeClr val="lt1">
-              <a:hueOff val="0"/>
-              <a:satOff val="0"/>
-              <a:lumOff val="0"/>
-              <a:alphaOff val="0"/>
-            </a:schemeClr>
-          </a:solidFill>
-          <a:prstDash val="solid"/>
-        </a:ln>
-        <a:effectLst/>
-      </dsp:spPr>
-      <dsp:style>
-        <a:lnRef idx="2">
-          <a:scrgbClr r="0" g="0" b="0"/>
-        </a:lnRef>
-        <a:fillRef idx="1">
-          <a:scrgbClr r="0" g="0" b="0"/>
-        </a:fillRef>
-        <a:effectRef idx="0">
-          <a:scrgbClr r="0" g="0" b="0"/>
-        </a:effectRef>
-        <a:fontRef idx="minor">
-          <a:schemeClr val="lt1"/>
-        </a:fontRef>
-      </dsp:style>
-    </dsp:sp>
-    <dsp:sp modelId="{A48905BF-C547-4D73-B43C-30279FB7FC7A}">
-      <dsp:nvSpPr>
-        <dsp:cNvPr id="0" name=""/>
-        <dsp:cNvSpPr/>
-      </dsp:nvSpPr>
-      <dsp:spPr>
-        <a:xfrm>
-          <a:off x="4443784" y="2347774"/>
-          <a:ext cx="888392" cy="564129"/>
-        </a:xfrm>
-        <a:prstGeom prst="roundRect">
-          <a:avLst>
-            <a:gd name="adj" fmla="val 10000"/>
-          </a:avLst>
-        </a:prstGeom>
-        <a:solidFill>
-          <a:schemeClr val="lt1">
-            <a:alpha val="90000"/>
-            <a:hueOff val="0"/>
-            <a:satOff val="0"/>
-            <a:lumOff val="0"/>
-            <a:alphaOff val="0"/>
-          </a:schemeClr>
-        </a:solidFill>
-        <a:ln w="19050" cap="flat" cmpd="sng" algn="ctr">
-          <a:solidFill>
-            <a:schemeClr val="accent6">
-              <a:hueOff val="0"/>
-              <a:satOff val="0"/>
-              <a:lumOff val="0"/>
-              <a:alphaOff val="0"/>
-            </a:schemeClr>
-          </a:solidFill>
-          <a:prstDash val="solid"/>
-        </a:ln>
-        <a:effectLst/>
-      </dsp:spPr>
-      <dsp:style>
-        <a:lnRef idx="2">
-          <a:scrgbClr r="0" g="0" b="0"/>
-        </a:lnRef>
-        <a:fillRef idx="1">
-          <a:scrgbClr r="0" g="0" b="0"/>
-        </a:fillRef>
-        <a:effectRef idx="0">
-          <a:scrgbClr r="0" g="0" b="0"/>
-        </a:effectRef>
-        <a:fontRef idx="minor"/>
-      </dsp:style>
-      <dsp:txBody>
-        <a:bodyPr spcFirstLastPara="0" vert="horz" wrap="square" lIns="60960" tIns="60960" rIns="60960" bIns="60960" numCol="1" spcCol="1270" anchor="ctr" anchorCtr="0">
-          <a:noAutofit/>
-        </a:bodyPr>
-        <a:lstStyle/>
-        <a:p>
-          <a:pPr lvl="0" algn="ctr" defTabSz="711200">
-            <a:lnSpc>
-              <a:spcPct val="90000"/>
-            </a:lnSpc>
-            <a:spcBef>
-              <a:spcPct val="0"/>
-            </a:spcBef>
-            <a:spcAft>
-              <a:spcPct val="35000"/>
-            </a:spcAft>
-          </a:pPr>
-          <a:r>
-            <a:rPr lang="en-US" sz="1600" kern="1200" dirty="0" smtClean="0"/>
-            <a:t>Edit </a:t>
-          </a:r>
-          <a:br>
-            <a:rPr lang="en-US" sz="1600" kern="1200" dirty="0" smtClean="0"/>
-          </a:br>
-          <a:r>
-            <a:rPr lang="en-US" sz="1600" kern="1200" dirty="0" smtClean="0"/>
-            <a:t>Text</a:t>
-          </a:r>
-          <a:endParaRPr lang="en-IN" sz="1600" kern="1200" dirty="0"/>
-        </a:p>
-      </dsp:txBody>
-      <dsp:txXfrm>
-        <a:off x="4443784" y="2347774"/>
-        <a:ext cx="888392" cy="564129"/>
-      </dsp:txXfrm>
-    </dsp:sp>
   </dsp:spTree>
 </dsp:drawing>
 </file>
@@ -10288,21 +9193,8 @@
           <a:p>
             <a:r>
               <a:rPr lang="en-US" dirty="0" smtClean="0"/>
-              <a:t>Android has garnered more than 50% of the current </a:t>
-            </a:r>
-            <a:r>
-              <a:rPr lang="en-US" dirty="0" smtClean="0"/>
-              <a:t>market share </a:t>
-            </a:r>
-            <a:r>
-              <a:rPr lang="en-US" dirty="0" smtClean="0"/>
-              <a:t>in </a:t>
-            </a:r>
-            <a:r>
-              <a:rPr lang="en-US" dirty="0" smtClean="0"/>
-              <a:t>Smartphone</a:t>
-            </a:r>
-            <a:endParaRPr lang="en-US" dirty="0" smtClean="0"/>
+              <a:t>Android has garnered more than 50% of the current market share in Smartphone</a:t>
+            </a:r>
           </a:p>
           <a:p>
             <a:r>
@@ -24120,13 +23012,8 @@
           <a:p>
             <a:r>
               <a:rPr lang="en-US" dirty="0" smtClean="0"/>
-              <a:t>This will show the Dial Screen but not start </a:t>
-            </a:r>
-            <a:r>
-              <a:rPr lang="en-US" dirty="0" smtClean="0"/>
-              <a:t>calling</a:t>
-            </a:r>
-            <a:endParaRPr lang="en-US" dirty="0" smtClean="0"/>
+              <a:t>This will show the Dial Screen but not start calling</a:t>
+            </a:r>
           </a:p>
         </p:txBody>
       </p:sp>
@@ -25798,17 +24685,12 @@
               <a:rPr lang="en-US" b="1" dirty="0" smtClean="0"/>
               <a:t>[Multiple Screens]</a:t>
             </a:r>
-            <a:endParaRPr lang="en-US" b="1" dirty="0" smtClean="0"/>
           </a:p>
           <a:p>
             <a:pPr lvl="1"/>
             <a:r>
               <a:rPr lang="en-US" dirty="0" smtClean="0"/>
-              <a:t>Layouts for all </a:t>
-            </a:r>
-            <a:r>
-              <a:rPr lang="en-US" dirty="0" smtClean="0"/>
-              <a:t>activities </a:t>
+              <a:t>Layouts for all activities </a:t>
             </a:r>
             <a:r>
               <a:rPr lang="en-US" b="1" dirty="0" smtClean="0"/>
@@ -25822,7 +24704,6 @@
               <a:rPr lang="en-US" b="1" dirty="0" smtClean="0"/>
               <a:t>]</a:t>
             </a:r>
-            <a:endParaRPr lang="en-US" b="1" dirty="0" smtClean="0"/>
           </a:p>
           <a:p>
             <a:pPr lvl="1"/>
@@ -25835,11 +24716,7 @@
             <a:pPr lvl="2"/>
             <a:r>
               <a:rPr lang="en-US" dirty="0" smtClean="0"/>
-              <a:t>Launch </a:t>
-            </a:r>
-            <a:r>
-              <a:rPr lang="en-US" dirty="0" smtClean="0"/>
-              <a:t>SMS App to share Quote via SMS</a:t>
+              <a:t>Launch SMS App to share Quote via SMS</a:t>
             </a:r>
           </a:p>
           <a:p>
@@ -29882,13 +28759,7 @@
               <a:rPr lang="en-US" dirty="0" smtClean="0">
                 <a:sym typeface="Wingdings" pitchFamily="2" charset="2"/>
               </a:rPr>
-              <a:t>Look at the examples </a:t>
-            </a:r>
-            <a:r>
-              <a:rPr lang="en-US" dirty="0" smtClean="0">
-                <a:sym typeface="Wingdings" pitchFamily="2" charset="2"/>
-              </a:rPr>
-              <a:t>again</a:t>
+              <a:t>Look at the examples again</a:t>
             </a:r>
           </a:p>
           <a:p>
@@ -29903,12 +28774,6 @@
                 <a:sym typeface="Wingdings" pitchFamily="2" charset="2"/>
               </a:rPr>
               <a:t>: </a:t>
-            </a:r>
-            <a:r>
-              <a:rPr lang="en-US" dirty="0" smtClean="0">
-                <a:sym typeface="Wingdings" pitchFamily="2" charset="2"/>
-              </a:rPr>
-              <a:t/>
             </a:r>
             <a:br>
               <a:rPr lang="en-US" dirty="0" smtClean="0">
@@ -29920,21 +28785,7 @@
                 <a:sym typeface="Wingdings" pitchFamily="2" charset="2"/>
                 <a:hlinkClick r:id="rId2"/>
               </a:rPr>
-              <a:t>https</a:t>
-            </a:r>
-            <a:r>
-              <a:rPr lang="en-US" dirty="0" smtClean="0">
-                <a:sym typeface="Wingdings" pitchFamily="2" charset="2"/>
-                <a:hlinkClick r:id="rId2"/>
-              </a:rPr>
-              <a:t>://</a:t>
-            </a:r>
-            <a:r>
-              <a:rPr lang="en-US" dirty="0" smtClean="0">
-                <a:sym typeface="Wingdings" pitchFamily="2" charset="2"/>
-                <a:hlinkClick r:id="rId2"/>
-              </a:rPr>
-              <a:t>github.com/rominirani/Nitrodroid-2012-Android101-Workshop</a:t>
+              <a:t>https://github.com/rominirani/Nitrodroid-2012-Android101-Workshop</a:t>
             </a:r>
             <a:r>
               <a:rPr lang="en-US" dirty="0" smtClean="0">
@@ -29942,9 +28793,6 @@
               </a:rPr>
               <a:t> </a:t>
             </a:r>
-            <a:endParaRPr lang="en-US" dirty="0" smtClean="0">
-              <a:sym typeface="Wingdings" pitchFamily="2" charset="2"/>
-            </a:endParaRPr>
           </a:p>
           <a:p>
             <a:r>
@@ -30238,11 +29086,7 @@
           <a:p>
             <a:r>
               <a:rPr lang="en-US" dirty="0" smtClean="0"/>
-              <a:t>Twitter</a:t>
-            </a:r>
-            <a:r>
-              <a:rPr lang="en-US" dirty="0" smtClean="0"/>
-              <a:t>: </a:t>
+              <a:t>Twitter: </a:t>
             </a:r>
             <a:r>
               <a:rPr lang="en-US" dirty="0" err="1" smtClean="0"/>
@@ -30385,7 +29229,7 @@
         <p:spPr>
           <a:xfrm>
             <a:off x="609600" y="5986046"/>
-            <a:ext cx="8142229" cy="338554"/>
+            <a:ext cx="7924221" cy="338554"/>
           </a:xfrm>
           <a:prstGeom prst="rect">
             <a:avLst/>
@@ -30400,7 +29244,11 @@
           <a:p>
             <a:r>
               <a:rPr lang="en-US" sz="1600" dirty="0" smtClean="0"/>
-              <a:t>September 4, 2012 : </a:t>
+              <a:t>October 1, </a:t>
+            </a:r>
+            <a:r>
+              <a:rPr lang="en-US" sz="1600" dirty="0" smtClean="0"/>
+              <a:t>2012 : </a:t>
             </a:r>
             <a:r>
               <a:rPr lang="en-IN" sz="1600" dirty="0" smtClean="0">
@@ -30461,38 +29309,6 @@
           </a:p>
         </p:txBody>
       </p:sp>
-      <p:pic>
-        <p:nvPicPr>
-          <p:cNvPr id="3" name="Picture 2"/>
-          <p:cNvPicPr>
-            <a:picLocks noChangeAspect="1" noChangeArrowheads="1"/>
-          </p:cNvPicPr>
-          <p:nvPr/>
-        </p:nvPicPr>
-        <p:blipFill>
-          <a:blip r:embed="rId3" cstate="print"/>
-          <a:srcRect/>
-          <a:stretch>
-            <a:fillRect/>
-          </a:stretch>
-        </p:blipFill>
-        <p:spPr bwMode="auto">
-          <a:xfrm>
-            <a:off x="216497" y="1524001"/>
-            <a:ext cx="5650903" cy="4419600"/>
-          </a:xfrm>
-          <a:prstGeom prst="rect">
-            <a:avLst/>
-          </a:prstGeom>
-          <a:noFill/>
-          <a:ln w="9525">
-            <a:noFill/>
-            <a:miter lim="800000"/>
-            <a:headEnd/>
-            <a:tailEnd/>
-          </a:ln>
-        </p:spPr>
-      </p:pic>
       <p:sp>
         <p:nvSpPr>
           <p:cNvPr id="8" name="Right Brace 7"/>
@@ -30501,12 +29317,16 @@
         </p:nvSpPr>
         <p:spPr>
           <a:xfrm>
-            <a:off x="5867400" y="2438400"/>
-            <a:ext cx="381000" cy="1524000"/>
+            <a:off x="5791200" y="2514600"/>
+            <a:ext cx="381000" cy="1905000"/>
           </a:xfrm>
           <a:prstGeom prst="rightBrace">
             <a:avLst/>
           </a:prstGeom>
+          <a:solidFill>
+            <a:schemeClr val="accent2"/>
+          </a:solidFill>
+          <a:ln w="38100"/>
         </p:spPr>
         <p:style>
           <a:lnRef idx="1">
@@ -30539,12 +29359,16 @@
         </p:nvSpPr>
         <p:spPr>
           <a:xfrm>
-            <a:off x="5791200" y="4572000"/>
-            <a:ext cx="381000" cy="1295400"/>
+            <a:off x="5791200" y="5105400"/>
+            <a:ext cx="381000" cy="838200"/>
           </a:xfrm>
           <a:prstGeom prst="rightBrace">
             <a:avLst/>
           </a:prstGeom>
+          <a:solidFill>
+            <a:srgbClr val="7030A0"/>
+          </a:solidFill>
+          <a:ln w="38100"/>
         </p:spPr>
         <p:style>
           <a:lnRef idx="1">
@@ -30577,7 +29401,7 @@
         </p:nvSpPr>
         <p:spPr>
           <a:xfrm>
-            <a:off x="6324600" y="2895600"/>
+            <a:off x="6248400" y="3200400"/>
             <a:ext cx="1391728" cy="584775"/>
           </a:xfrm>
           <a:prstGeom prst="rect">
@@ -30593,7 +29417,11 @@
           <a:p>
             <a:r>
               <a:rPr lang="en-US" sz="3200" b="1" dirty="0" smtClean="0"/>
-              <a:t>~ 75%</a:t>
+              <a:t>~ </a:t>
+            </a:r>
+            <a:r>
+              <a:rPr lang="en-US" sz="3200" b="1" dirty="0" smtClean="0"/>
+              <a:t>72%</a:t>
             </a:r>
             <a:endParaRPr lang="en-IN" sz="3200" b="1" dirty="0"/>
           </a:p>
@@ -30607,7 +29435,7 @@
         </p:nvSpPr>
         <p:spPr>
           <a:xfrm>
-            <a:off x="6304472" y="4876800"/>
+            <a:off x="6304472" y="5206425"/>
             <a:ext cx="1391728" cy="584775"/>
           </a:xfrm>
           <a:prstGeom prst="rect">
@@ -30623,12 +29451,48 @@
           <a:p>
             <a:r>
               <a:rPr lang="en-US" sz="3200" b="1" dirty="0" smtClean="0"/>
-              <a:t>~ 22%</a:t>
+              <a:t>~ </a:t>
+            </a:r>
+            <a:r>
+              <a:rPr lang="en-US" sz="3200" b="1" dirty="0" smtClean="0"/>
+              <a:t>25%</a:t>
             </a:r>
             <a:endParaRPr lang="en-IN" sz="3200" b="1" dirty="0"/>
           </a:p>
         </p:txBody>
       </p:sp>
+      <p:pic>
+        <p:nvPicPr>
+          <p:cNvPr id="1026" name="Picture 2"/>
+          <p:cNvPicPr>
+            <a:picLocks noChangeAspect="1" noChangeArrowheads="1"/>
+          </p:cNvPicPr>
+          <p:nvPr/>
+        </p:nvPicPr>
+        <p:blipFill>
+          <a:blip r:embed="rId3" cstate="print"/>
+          <a:srcRect/>
+          <a:stretch>
+            <a:fillRect/>
+          </a:stretch>
+        </p:blipFill>
+        <p:spPr bwMode="auto">
+          <a:xfrm>
+            <a:off x="685800" y="1524000"/>
+            <a:ext cx="5105400" cy="4473005"/>
+          </a:xfrm>
+          <a:prstGeom prst="rect">
+            <a:avLst/>
+          </a:prstGeom>
+          <a:noFill/>
+          <a:ln w="9525">
+            <a:noFill/>
+            <a:miter lim="800000"/>
+            <a:headEnd/>
+            <a:tailEnd/>
+          </a:ln>
+        </p:spPr>
+      </p:pic>
     </p:spTree>
   </p:cSld>
   <p:clrMapOvr>

--- a/presentation/AndroidDeveloper101Workshop-October6-Nitrodroid-2012-MindStormSoftware.pptx
+++ b/presentation/AndroidDeveloper101Workshop-October6-Nitrodroid-2012-MindStormSoftware.pptx
@@ -1569,6 +1569,1101 @@
       <dsp:cNvGrpSpPr/>
     </dsp:nvGrpSpPr>
     <dsp:grpSpPr/>
+    <dsp:sp modelId="{E1BC9B8F-B260-4A7D-8E0E-9A869D585B0C}">
+      <dsp:nvSpPr>
+        <dsp:cNvPr id="0" name=""/>
+        <dsp:cNvSpPr/>
+      </dsp:nvSpPr>
+      <dsp:spPr>
+        <a:xfrm>
+          <a:off x="2545765" y="1995625"/>
+          <a:ext cx="2243505" cy="258374"/>
+        </a:xfrm>
+        <a:custGeom>
+          <a:avLst/>
+          <a:gdLst/>
+          <a:ahLst/>
+          <a:cxnLst/>
+          <a:rect l="0" t="0" r="0" b="0"/>
+          <a:pathLst>
+            <a:path>
+              <a:moveTo>
+                <a:pt x="0" y="0"/>
+              </a:moveTo>
+              <a:lnTo>
+                <a:pt x="0" y="176074"/>
+              </a:lnTo>
+              <a:lnTo>
+                <a:pt x="2243505" y="176074"/>
+              </a:lnTo>
+              <a:lnTo>
+                <a:pt x="2243505" y="258374"/>
+              </a:lnTo>
+            </a:path>
+          </a:pathLst>
+        </a:custGeom>
+        <a:noFill/>
+        <a:ln w="19050" cap="flat" cmpd="sng" algn="ctr">
+          <a:solidFill>
+            <a:schemeClr val="accent6">
+              <a:hueOff val="0"/>
+              <a:satOff val="0"/>
+              <a:lumOff val="0"/>
+              <a:alphaOff val="0"/>
+            </a:schemeClr>
+          </a:solidFill>
+          <a:prstDash val="solid"/>
+        </a:ln>
+        <a:effectLst/>
+      </dsp:spPr>
+      <dsp:style>
+        <a:lnRef idx="2">
+          <a:scrgbClr r="0" g="0" b="0"/>
+        </a:lnRef>
+        <a:fillRef idx="0">
+          <a:scrgbClr r="0" g="0" b="0"/>
+        </a:fillRef>
+        <a:effectRef idx="0">
+          <a:scrgbClr r="0" g="0" b="0"/>
+        </a:effectRef>
+        <a:fontRef idx="minor"/>
+      </dsp:style>
+    </dsp:sp>
+    <dsp:sp modelId="{01DEB631-A608-427D-B88F-0BB6E3FF29BB}">
+      <dsp:nvSpPr>
+        <dsp:cNvPr id="0" name=""/>
+        <dsp:cNvSpPr/>
+      </dsp:nvSpPr>
+      <dsp:spPr>
+        <a:xfrm>
+          <a:off x="2545765" y="1995625"/>
+          <a:ext cx="1157692" cy="258374"/>
+        </a:xfrm>
+        <a:custGeom>
+          <a:avLst/>
+          <a:gdLst/>
+          <a:ahLst/>
+          <a:cxnLst/>
+          <a:rect l="0" t="0" r="0" b="0"/>
+          <a:pathLst>
+            <a:path>
+              <a:moveTo>
+                <a:pt x="0" y="0"/>
+              </a:moveTo>
+              <a:lnTo>
+                <a:pt x="0" y="176074"/>
+              </a:lnTo>
+              <a:lnTo>
+                <a:pt x="1157692" y="176074"/>
+              </a:lnTo>
+              <a:lnTo>
+                <a:pt x="1157692" y="258374"/>
+              </a:lnTo>
+            </a:path>
+          </a:pathLst>
+        </a:custGeom>
+        <a:noFill/>
+        <a:ln w="19050" cap="flat" cmpd="sng" algn="ctr">
+          <a:solidFill>
+            <a:schemeClr val="accent6">
+              <a:hueOff val="0"/>
+              <a:satOff val="0"/>
+              <a:lumOff val="0"/>
+              <a:alphaOff val="0"/>
+            </a:schemeClr>
+          </a:solidFill>
+          <a:prstDash val="solid"/>
+        </a:ln>
+        <a:effectLst/>
+      </dsp:spPr>
+      <dsp:style>
+        <a:lnRef idx="2">
+          <a:scrgbClr r="0" g="0" b="0"/>
+        </a:lnRef>
+        <a:fillRef idx="0">
+          <a:scrgbClr r="0" g="0" b="0"/>
+        </a:fillRef>
+        <a:effectRef idx="0">
+          <a:scrgbClr r="0" g="0" b="0"/>
+        </a:effectRef>
+        <a:fontRef idx="minor"/>
+      </dsp:style>
+    </dsp:sp>
+    <dsp:sp modelId="{031ACCB7-3D59-4208-A735-8B7645726667}">
+      <dsp:nvSpPr>
+        <dsp:cNvPr id="0" name=""/>
+        <dsp:cNvSpPr/>
+      </dsp:nvSpPr>
+      <dsp:spPr>
+        <a:xfrm>
+          <a:off x="2500045" y="1995625"/>
+          <a:ext cx="91440" cy="258374"/>
+        </a:xfrm>
+        <a:custGeom>
+          <a:avLst/>
+          <a:gdLst/>
+          <a:ahLst/>
+          <a:cxnLst/>
+          <a:rect l="0" t="0" r="0" b="0"/>
+          <a:pathLst>
+            <a:path>
+              <a:moveTo>
+                <a:pt x="45720" y="0"/>
+              </a:moveTo>
+              <a:lnTo>
+                <a:pt x="45720" y="176074"/>
+              </a:lnTo>
+              <a:lnTo>
+                <a:pt x="117599" y="176074"/>
+              </a:lnTo>
+              <a:lnTo>
+                <a:pt x="117599" y="258374"/>
+              </a:lnTo>
+            </a:path>
+          </a:pathLst>
+        </a:custGeom>
+        <a:noFill/>
+        <a:ln w="19050" cap="flat" cmpd="sng" algn="ctr">
+          <a:solidFill>
+            <a:schemeClr val="accent6">
+              <a:hueOff val="0"/>
+              <a:satOff val="0"/>
+              <a:lumOff val="0"/>
+              <a:alphaOff val="0"/>
+            </a:schemeClr>
+          </a:solidFill>
+          <a:prstDash val="solid"/>
+        </a:ln>
+        <a:effectLst/>
+      </dsp:spPr>
+      <dsp:style>
+        <a:lnRef idx="2">
+          <a:scrgbClr r="0" g="0" b="0"/>
+        </a:lnRef>
+        <a:fillRef idx="0">
+          <a:scrgbClr r="0" g="0" b="0"/>
+        </a:fillRef>
+        <a:effectRef idx="0">
+          <a:scrgbClr r="0" g="0" b="0"/>
+        </a:effectRef>
+        <a:fontRef idx="minor"/>
+      </dsp:style>
+    </dsp:sp>
+    <dsp:sp modelId="{7808602A-A678-49DA-8BE3-6E09C0A3C11D}">
+      <dsp:nvSpPr>
+        <dsp:cNvPr id="0" name=""/>
+        <dsp:cNvSpPr/>
+      </dsp:nvSpPr>
+      <dsp:spPr>
+        <a:xfrm>
+          <a:off x="1531832" y="1995625"/>
+          <a:ext cx="1013932" cy="258374"/>
+        </a:xfrm>
+        <a:custGeom>
+          <a:avLst/>
+          <a:gdLst/>
+          <a:ahLst/>
+          <a:cxnLst/>
+          <a:rect l="0" t="0" r="0" b="0"/>
+          <a:pathLst>
+            <a:path>
+              <a:moveTo>
+                <a:pt x="1013932" y="0"/>
+              </a:moveTo>
+              <a:lnTo>
+                <a:pt x="1013932" y="176074"/>
+              </a:lnTo>
+              <a:lnTo>
+                <a:pt x="0" y="176074"/>
+              </a:lnTo>
+              <a:lnTo>
+                <a:pt x="0" y="258374"/>
+              </a:lnTo>
+            </a:path>
+          </a:pathLst>
+        </a:custGeom>
+        <a:noFill/>
+        <a:ln w="19050" cap="flat" cmpd="sng" algn="ctr">
+          <a:solidFill>
+            <a:schemeClr val="accent6">
+              <a:hueOff val="0"/>
+              <a:satOff val="0"/>
+              <a:lumOff val="0"/>
+              <a:alphaOff val="0"/>
+            </a:schemeClr>
+          </a:solidFill>
+          <a:prstDash val="solid"/>
+        </a:ln>
+        <a:effectLst/>
+      </dsp:spPr>
+      <dsp:style>
+        <a:lnRef idx="2">
+          <a:scrgbClr r="0" g="0" b="0"/>
+        </a:lnRef>
+        <a:fillRef idx="0">
+          <a:scrgbClr r="0" g="0" b="0"/>
+        </a:fillRef>
+        <a:effectRef idx="0">
+          <a:scrgbClr r="0" g="0" b="0"/>
+        </a:effectRef>
+        <a:fontRef idx="minor"/>
+      </dsp:style>
+    </dsp:sp>
+    <dsp:sp modelId="{7B854566-974F-406A-9D2D-6DF7A81F293D}">
+      <dsp:nvSpPr>
+        <dsp:cNvPr id="0" name=""/>
+        <dsp:cNvSpPr/>
+      </dsp:nvSpPr>
+      <dsp:spPr>
+        <a:xfrm>
+          <a:off x="446019" y="1995625"/>
+          <a:ext cx="2099745" cy="258374"/>
+        </a:xfrm>
+        <a:custGeom>
+          <a:avLst/>
+          <a:gdLst/>
+          <a:ahLst/>
+          <a:cxnLst/>
+          <a:rect l="0" t="0" r="0" b="0"/>
+          <a:pathLst>
+            <a:path>
+              <a:moveTo>
+                <a:pt x="2099745" y="0"/>
+              </a:moveTo>
+              <a:lnTo>
+                <a:pt x="2099745" y="176074"/>
+              </a:lnTo>
+              <a:lnTo>
+                <a:pt x="0" y="176074"/>
+              </a:lnTo>
+              <a:lnTo>
+                <a:pt x="0" y="258374"/>
+              </a:lnTo>
+            </a:path>
+          </a:pathLst>
+        </a:custGeom>
+        <a:noFill/>
+        <a:ln w="19050" cap="flat" cmpd="sng" algn="ctr">
+          <a:solidFill>
+            <a:schemeClr val="accent6">
+              <a:hueOff val="0"/>
+              <a:satOff val="0"/>
+              <a:lumOff val="0"/>
+              <a:alphaOff val="0"/>
+            </a:schemeClr>
+          </a:solidFill>
+          <a:prstDash val="solid"/>
+        </a:ln>
+        <a:effectLst/>
+      </dsp:spPr>
+      <dsp:style>
+        <a:lnRef idx="2">
+          <a:scrgbClr r="0" g="0" b="0"/>
+        </a:lnRef>
+        <a:fillRef idx="0">
+          <a:scrgbClr r="0" g="0" b="0"/>
+        </a:fillRef>
+        <a:effectRef idx="0">
+          <a:scrgbClr r="0" g="0" b="0"/>
+        </a:effectRef>
+        <a:fontRef idx="minor"/>
+      </dsp:style>
+    </dsp:sp>
+    <dsp:sp modelId="{AF9D0EE9-C42A-4D44-9548-2504EB473202}">
+      <dsp:nvSpPr>
+        <dsp:cNvPr id="0" name=""/>
+        <dsp:cNvSpPr/>
+      </dsp:nvSpPr>
+      <dsp:spPr>
+        <a:xfrm>
+          <a:off x="2101568" y="1431496"/>
+          <a:ext cx="888392" cy="564129"/>
+        </a:xfrm>
+        <a:prstGeom prst="roundRect">
+          <a:avLst>
+            <a:gd name="adj" fmla="val 10000"/>
+          </a:avLst>
+        </a:prstGeom>
+        <a:solidFill>
+          <a:schemeClr val="accent4">
+            <a:hueOff val="0"/>
+            <a:satOff val="0"/>
+            <a:lumOff val="0"/>
+            <a:alphaOff val="0"/>
+          </a:schemeClr>
+        </a:solidFill>
+        <a:ln w="19050" cap="flat" cmpd="sng" algn="ctr">
+          <a:solidFill>
+            <a:schemeClr val="lt1">
+              <a:hueOff val="0"/>
+              <a:satOff val="0"/>
+              <a:lumOff val="0"/>
+              <a:alphaOff val="0"/>
+            </a:schemeClr>
+          </a:solidFill>
+          <a:prstDash val="solid"/>
+        </a:ln>
+        <a:effectLst/>
+      </dsp:spPr>
+      <dsp:style>
+        <a:lnRef idx="2">
+          <a:scrgbClr r="0" g="0" b="0"/>
+        </a:lnRef>
+        <a:fillRef idx="1">
+          <a:scrgbClr r="0" g="0" b="0"/>
+        </a:fillRef>
+        <a:effectRef idx="0">
+          <a:scrgbClr r="0" g="0" b="0"/>
+        </a:effectRef>
+        <a:fontRef idx="minor">
+          <a:schemeClr val="lt1"/>
+        </a:fontRef>
+      </dsp:style>
+    </dsp:sp>
+    <dsp:sp modelId="{25A768D3-3859-46D5-9D83-FD4225F52382}">
+      <dsp:nvSpPr>
+        <dsp:cNvPr id="0" name=""/>
+        <dsp:cNvSpPr/>
+      </dsp:nvSpPr>
+      <dsp:spPr>
+        <a:xfrm>
+          <a:off x="2200279" y="1525271"/>
+          <a:ext cx="888392" cy="564129"/>
+        </a:xfrm>
+        <a:prstGeom prst="roundRect">
+          <a:avLst>
+            <a:gd name="adj" fmla="val 10000"/>
+          </a:avLst>
+        </a:prstGeom>
+        <a:solidFill>
+          <a:schemeClr val="lt1">
+            <a:alpha val="90000"/>
+            <a:hueOff val="0"/>
+            <a:satOff val="0"/>
+            <a:lumOff val="0"/>
+            <a:alphaOff val="0"/>
+          </a:schemeClr>
+        </a:solidFill>
+        <a:ln w="19050" cap="flat" cmpd="sng" algn="ctr">
+          <a:solidFill>
+            <a:schemeClr val="accent4">
+              <a:hueOff val="0"/>
+              <a:satOff val="0"/>
+              <a:lumOff val="0"/>
+              <a:alphaOff val="0"/>
+            </a:schemeClr>
+          </a:solidFill>
+          <a:prstDash val="solid"/>
+        </a:ln>
+        <a:effectLst/>
+      </dsp:spPr>
+      <dsp:style>
+        <a:lnRef idx="2">
+          <a:scrgbClr r="0" g="0" b="0"/>
+        </a:lnRef>
+        <a:fillRef idx="1">
+          <a:scrgbClr r="0" g="0" b="0"/>
+        </a:fillRef>
+        <a:effectRef idx="0">
+          <a:scrgbClr r="0" g="0" b="0"/>
+        </a:effectRef>
+        <a:fontRef idx="minor"/>
+      </dsp:style>
+      <dsp:txBody>
+        <a:bodyPr spcFirstLastPara="0" vert="horz" wrap="square" lIns="60960" tIns="60960" rIns="60960" bIns="60960" numCol="1" spcCol="1270" anchor="ctr" anchorCtr="0">
+          <a:noAutofit/>
+        </a:bodyPr>
+        <a:lstStyle/>
+        <a:p>
+          <a:pPr lvl="0" algn="ctr" defTabSz="711200">
+            <a:lnSpc>
+              <a:spcPct val="90000"/>
+            </a:lnSpc>
+            <a:spcBef>
+              <a:spcPct val="0"/>
+            </a:spcBef>
+            <a:spcAft>
+              <a:spcPct val="35000"/>
+            </a:spcAft>
+          </a:pPr>
+          <a:r>
+            <a:rPr lang="en-US" sz="1600" kern="1200" dirty="0" smtClean="0"/>
+            <a:t>Linear Layout</a:t>
+          </a:r>
+          <a:endParaRPr lang="en-IN" sz="1600" kern="1200" dirty="0"/>
+        </a:p>
+      </dsp:txBody>
+      <dsp:txXfrm>
+        <a:off x="2200279" y="1525271"/>
+        <a:ext cx="888392" cy="564129"/>
+      </dsp:txXfrm>
+    </dsp:sp>
+    <dsp:sp modelId="{EC100101-92DD-4D20-9701-FAD85A795761}">
+      <dsp:nvSpPr>
+        <dsp:cNvPr id="0" name=""/>
+        <dsp:cNvSpPr/>
+      </dsp:nvSpPr>
+      <dsp:spPr>
+        <a:xfrm>
+          <a:off x="1823" y="2253999"/>
+          <a:ext cx="888392" cy="564129"/>
+        </a:xfrm>
+        <a:prstGeom prst="roundRect">
+          <a:avLst>
+            <a:gd name="adj" fmla="val 10000"/>
+          </a:avLst>
+        </a:prstGeom>
+        <a:solidFill>
+          <a:schemeClr val="accent6">
+            <a:hueOff val="0"/>
+            <a:satOff val="0"/>
+            <a:lumOff val="0"/>
+            <a:alphaOff val="0"/>
+          </a:schemeClr>
+        </a:solidFill>
+        <a:ln w="19050" cap="flat" cmpd="sng" algn="ctr">
+          <a:solidFill>
+            <a:schemeClr val="lt1">
+              <a:hueOff val="0"/>
+              <a:satOff val="0"/>
+              <a:lumOff val="0"/>
+              <a:alphaOff val="0"/>
+            </a:schemeClr>
+          </a:solidFill>
+          <a:prstDash val="solid"/>
+        </a:ln>
+        <a:effectLst/>
+      </dsp:spPr>
+      <dsp:style>
+        <a:lnRef idx="2">
+          <a:scrgbClr r="0" g="0" b="0"/>
+        </a:lnRef>
+        <a:fillRef idx="1">
+          <a:scrgbClr r="0" g="0" b="0"/>
+        </a:fillRef>
+        <a:effectRef idx="0">
+          <a:scrgbClr r="0" g="0" b="0"/>
+        </a:effectRef>
+        <a:fontRef idx="minor">
+          <a:schemeClr val="lt1"/>
+        </a:fontRef>
+      </dsp:style>
+    </dsp:sp>
+    <dsp:sp modelId="{1113A76B-E984-440D-AECE-6D8662A7EB0B}">
+      <dsp:nvSpPr>
+        <dsp:cNvPr id="0" name=""/>
+        <dsp:cNvSpPr/>
+      </dsp:nvSpPr>
+      <dsp:spPr>
+        <a:xfrm>
+          <a:off x="100533" y="2347774"/>
+          <a:ext cx="888392" cy="564129"/>
+        </a:xfrm>
+        <a:prstGeom prst="roundRect">
+          <a:avLst>
+            <a:gd name="adj" fmla="val 10000"/>
+          </a:avLst>
+        </a:prstGeom>
+        <a:solidFill>
+          <a:schemeClr val="lt1">
+            <a:alpha val="90000"/>
+            <a:hueOff val="0"/>
+            <a:satOff val="0"/>
+            <a:lumOff val="0"/>
+            <a:alphaOff val="0"/>
+          </a:schemeClr>
+        </a:solidFill>
+        <a:ln w="19050" cap="flat" cmpd="sng" algn="ctr">
+          <a:solidFill>
+            <a:schemeClr val="accent6">
+              <a:hueOff val="0"/>
+              <a:satOff val="0"/>
+              <a:lumOff val="0"/>
+              <a:alphaOff val="0"/>
+            </a:schemeClr>
+          </a:solidFill>
+          <a:prstDash val="solid"/>
+        </a:ln>
+        <a:effectLst/>
+      </dsp:spPr>
+      <dsp:style>
+        <a:lnRef idx="2">
+          <a:scrgbClr r="0" g="0" b="0"/>
+        </a:lnRef>
+        <a:fillRef idx="1">
+          <a:scrgbClr r="0" g="0" b="0"/>
+        </a:fillRef>
+        <a:effectRef idx="0">
+          <a:scrgbClr r="0" g="0" b="0"/>
+        </a:effectRef>
+        <a:fontRef idx="minor"/>
+      </dsp:style>
+      <dsp:txBody>
+        <a:bodyPr spcFirstLastPara="0" vert="horz" wrap="square" lIns="60960" tIns="60960" rIns="60960" bIns="60960" numCol="1" spcCol="1270" anchor="ctr" anchorCtr="0">
+          <a:noAutofit/>
+        </a:bodyPr>
+        <a:lstStyle/>
+        <a:p>
+          <a:pPr lvl="0" algn="ctr" defTabSz="711200">
+            <a:lnSpc>
+              <a:spcPct val="90000"/>
+            </a:lnSpc>
+            <a:spcBef>
+              <a:spcPct val="0"/>
+            </a:spcBef>
+            <a:spcAft>
+              <a:spcPct val="35000"/>
+            </a:spcAft>
+          </a:pPr>
+          <a:r>
+            <a:rPr lang="en-US" sz="1600" kern="1200" dirty="0" smtClean="0"/>
+            <a:t>Button</a:t>
+          </a:r>
+          <a:endParaRPr lang="en-IN" sz="1600" kern="1200" dirty="0"/>
+        </a:p>
+      </dsp:txBody>
+      <dsp:txXfrm>
+        <a:off x="100533" y="2347774"/>
+        <a:ext cx="888392" cy="564129"/>
+      </dsp:txXfrm>
+    </dsp:sp>
+    <dsp:sp modelId="{5D4784FD-058A-4276-AB6D-2E0FA6286CAF}">
+      <dsp:nvSpPr>
+        <dsp:cNvPr id="0" name=""/>
+        <dsp:cNvSpPr/>
+      </dsp:nvSpPr>
+      <dsp:spPr>
+        <a:xfrm>
+          <a:off x="1087635" y="2253999"/>
+          <a:ext cx="888392" cy="564129"/>
+        </a:xfrm>
+        <a:prstGeom prst="roundRect">
+          <a:avLst>
+            <a:gd name="adj" fmla="val 10000"/>
+          </a:avLst>
+        </a:prstGeom>
+        <a:solidFill>
+          <a:schemeClr val="accent6">
+            <a:hueOff val="0"/>
+            <a:satOff val="0"/>
+            <a:lumOff val="0"/>
+            <a:alphaOff val="0"/>
+          </a:schemeClr>
+        </a:solidFill>
+        <a:ln w="19050" cap="flat" cmpd="sng" algn="ctr">
+          <a:solidFill>
+            <a:schemeClr val="lt1">
+              <a:hueOff val="0"/>
+              <a:satOff val="0"/>
+              <a:lumOff val="0"/>
+              <a:alphaOff val="0"/>
+            </a:schemeClr>
+          </a:solidFill>
+          <a:prstDash val="solid"/>
+        </a:ln>
+        <a:effectLst/>
+      </dsp:spPr>
+      <dsp:style>
+        <a:lnRef idx="2">
+          <a:scrgbClr r="0" g="0" b="0"/>
+        </a:lnRef>
+        <a:fillRef idx="1">
+          <a:scrgbClr r="0" g="0" b="0"/>
+        </a:fillRef>
+        <a:effectRef idx="0">
+          <a:scrgbClr r="0" g="0" b="0"/>
+        </a:effectRef>
+        <a:fontRef idx="minor">
+          <a:schemeClr val="lt1"/>
+        </a:fontRef>
+      </dsp:style>
+    </dsp:sp>
+    <dsp:sp modelId="{3EC870B7-8A23-4E4E-BFFF-9C77A7058F47}">
+      <dsp:nvSpPr>
+        <dsp:cNvPr id="0" name=""/>
+        <dsp:cNvSpPr/>
+      </dsp:nvSpPr>
+      <dsp:spPr>
+        <a:xfrm>
+          <a:off x="1186346" y="2347774"/>
+          <a:ext cx="888392" cy="564129"/>
+        </a:xfrm>
+        <a:prstGeom prst="roundRect">
+          <a:avLst>
+            <a:gd name="adj" fmla="val 10000"/>
+          </a:avLst>
+        </a:prstGeom>
+        <a:solidFill>
+          <a:schemeClr val="lt1">
+            <a:alpha val="90000"/>
+            <a:hueOff val="0"/>
+            <a:satOff val="0"/>
+            <a:lumOff val="0"/>
+            <a:alphaOff val="0"/>
+          </a:schemeClr>
+        </a:solidFill>
+        <a:ln w="19050" cap="flat" cmpd="sng" algn="ctr">
+          <a:solidFill>
+            <a:schemeClr val="accent6">
+              <a:hueOff val="0"/>
+              <a:satOff val="0"/>
+              <a:lumOff val="0"/>
+              <a:alphaOff val="0"/>
+            </a:schemeClr>
+          </a:solidFill>
+          <a:prstDash val="solid"/>
+        </a:ln>
+        <a:effectLst/>
+      </dsp:spPr>
+      <dsp:style>
+        <a:lnRef idx="2">
+          <a:scrgbClr r="0" g="0" b="0"/>
+        </a:lnRef>
+        <a:fillRef idx="1">
+          <a:scrgbClr r="0" g="0" b="0"/>
+        </a:fillRef>
+        <a:effectRef idx="0">
+          <a:scrgbClr r="0" g="0" b="0"/>
+        </a:effectRef>
+        <a:fontRef idx="minor"/>
+      </dsp:style>
+      <dsp:txBody>
+        <a:bodyPr spcFirstLastPara="0" vert="horz" wrap="square" lIns="60960" tIns="60960" rIns="60960" bIns="60960" numCol="1" spcCol="1270" anchor="ctr" anchorCtr="0">
+          <a:noAutofit/>
+        </a:bodyPr>
+        <a:lstStyle/>
+        <a:p>
+          <a:pPr lvl="0" algn="ctr" defTabSz="711200">
+            <a:lnSpc>
+              <a:spcPct val="90000"/>
+            </a:lnSpc>
+            <a:spcBef>
+              <a:spcPct val="0"/>
+            </a:spcBef>
+            <a:spcAft>
+              <a:spcPct val="35000"/>
+            </a:spcAft>
+          </a:pPr>
+          <a:r>
+            <a:rPr lang="en-US" sz="1600" kern="1200" dirty="0" smtClean="0"/>
+            <a:t>Text</a:t>
+          </a:r>
+          <a:br>
+            <a:rPr lang="en-US" sz="1600" kern="1200" dirty="0" smtClean="0"/>
+          </a:br>
+          <a:r>
+            <a:rPr lang="en-US" sz="1600" kern="1200" dirty="0" smtClean="0"/>
+            <a:t>View</a:t>
+          </a:r>
+          <a:endParaRPr lang="en-IN" sz="1600" kern="1200" dirty="0"/>
+        </a:p>
+      </dsp:txBody>
+      <dsp:txXfrm>
+        <a:off x="1186346" y="2347774"/>
+        <a:ext cx="888392" cy="564129"/>
+      </dsp:txXfrm>
+    </dsp:sp>
+    <dsp:sp modelId="{1EDC7A99-6B34-40C4-8DA1-F493D64100B7}">
+      <dsp:nvSpPr>
+        <dsp:cNvPr id="0" name=""/>
+        <dsp:cNvSpPr/>
+      </dsp:nvSpPr>
+      <dsp:spPr>
+        <a:xfrm>
+          <a:off x="2173448" y="2253999"/>
+          <a:ext cx="888392" cy="564129"/>
+        </a:xfrm>
+        <a:prstGeom prst="roundRect">
+          <a:avLst>
+            <a:gd name="adj" fmla="val 10000"/>
+          </a:avLst>
+        </a:prstGeom>
+        <a:solidFill>
+          <a:schemeClr val="accent6">
+            <a:hueOff val="0"/>
+            <a:satOff val="0"/>
+            <a:lumOff val="0"/>
+            <a:alphaOff val="0"/>
+          </a:schemeClr>
+        </a:solidFill>
+        <a:ln w="19050" cap="flat" cmpd="sng" algn="ctr">
+          <a:solidFill>
+            <a:schemeClr val="lt1">
+              <a:hueOff val="0"/>
+              <a:satOff val="0"/>
+              <a:lumOff val="0"/>
+              <a:alphaOff val="0"/>
+            </a:schemeClr>
+          </a:solidFill>
+          <a:prstDash val="solid"/>
+        </a:ln>
+        <a:effectLst/>
+      </dsp:spPr>
+      <dsp:style>
+        <a:lnRef idx="2">
+          <a:scrgbClr r="0" g="0" b="0"/>
+        </a:lnRef>
+        <a:fillRef idx="1">
+          <a:scrgbClr r="0" g="0" b="0"/>
+        </a:fillRef>
+        <a:effectRef idx="0">
+          <a:scrgbClr r="0" g="0" b="0"/>
+        </a:effectRef>
+        <a:fontRef idx="minor">
+          <a:schemeClr val="lt1"/>
+        </a:fontRef>
+      </dsp:style>
+    </dsp:sp>
+    <dsp:sp modelId="{1796688C-6770-4E3C-9BA8-A61375DC5047}">
+      <dsp:nvSpPr>
+        <dsp:cNvPr id="0" name=""/>
+        <dsp:cNvSpPr/>
+      </dsp:nvSpPr>
+      <dsp:spPr>
+        <a:xfrm>
+          <a:off x="2272158" y="2347774"/>
+          <a:ext cx="888392" cy="564129"/>
+        </a:xfrm>
+        <a:prstGeom prst="roundRect">
+          <a:avLst>
+            <a:gd name="adj" fmla="val 10000"/>
+          </a:avLst>
+        </a:prstGeom>
+        <a:solidFill>
+          <a:schemeClr val="lt1">
+            <a:alpha val="90000"/>
+            <a:hueOff val="0"/>
+            <a:satOff val="0"/>
+            <a:lumOff val="0"/>
+            <a:alphaOff val="0"/>
+          </a:schemeClr>
+        </a:solidFill>
+        <a:ln w="19050" cap="flat" cmpd="sng" algn="ctr">
+          <a:solidFill>
+            <a:schemeClr val="accent6">
+              <a:hueOff val="0"/>
+              <a:satOff val="0"/>
+              <a:lumOff val="0"/>
+              <a:alphaOff val="0"/>
+            </a:schemeClr>
+          </a:solidFill>
+          <a:prstDash val="solid"/>
+        </a:ln>
+        <a:effectLst/>
+      </dsp:spPr>
+      <dsp:style>
+        <a:lnRef idx="2">
+          <a:scrgbClr r="0" g="0" b="0"/>
+        </a:lnRef>
+        <a:fillRef idx="1">
+          <a:scrgbClr r="0" g="0" b="0"/>
+        </a:fillRef>
+        <a:effectRef idx="0">
+          <a:scrgbClr r="0" g="0" b="0"/>
+        </a:effectRef>
+        <a:fontRef idx="minor"/>
+      </dsp:style>
+      <dsp:txBody>
+        <a:bodyPr spcFirstLastPara="0" vert="horz" wrap="square" lIns="60960" tIns="60960" rIns="60960" bIns="60960" numCol="1" spcCol="1270" anchor="ctr" anchorCtr="0">
+          <a:noAutofit/>
+        </a:bodyPr>
+        <a:lstStyle/>
+        <a:p>
+          <a:pPr lvl="0" algn="ctr" defTabSz="711200">
+            <a:lnSpc>
+              <a:spcPct val="90000"/>
+            </a:lnSpc>
+            <a:spcBef>
+              <a:spcPct val="0"/>
+            </a:spcBef>
+            <a:spcAft>
+              <a:spcPct val="35000"/>
+            </a:spcAft>
+          </a:pPr>
+          <a:r>
+            <a:rPr lang="en-US" sz="1600" kern="1200" dirty="0" smtClean="0"/>
+            <a:t>Edit </a:t>
+          </a:r>
+          <a:br>
+            <a:rPr lang="en-US" sz="1600" kern="1200" dirty="0" smtClean="0"/>
+          </a:br>
+          <a:r>
+            <a:rPr lang="en-US" sz="1600" kern="1200" dirty="0" smtClean="0"/>
+            <a:t>Text</a:t>
+          </a:r>
+          <a:endParaRPr lang="en-IN" sz="1600" kern="1200" dirty="0"/>
+        </a:p>
+      </dsp:txBody>
+      <dsp:txXfrm>
+        <a:off x="2272158" y="2347774"/>
+        <a:ext cx="888392" cy="564129"/>
+      </dsp:txXfrm>
+    </dsp:sp>
+    <dsp:sp modelId="{2A18DF43-7699-4F70-9D78-EDE0D34DEEDA}">
+      <dsp:nvSpPr>
+        <dsp:cNvPr id="0" name=""/>
+        <dsp:cNvSpPr/>
+      </dsp:nvSpPr>
+      <dsp:spPr>
+        <a:xfrm>
+          <a:off x="3259261" y="2253999"/>
+          <a:ext cx="888392" cy="564129"/>
+        </a:xfrm>
+        <a:prstGeom prst="roundRect">
+          <a:avLst>
+            <a:gd name="adj" fmla="val 10000"/>
+          </a:avLst>
+        </a:prstGeom>
+        <a:solidFill>
+          <a:schemeClr val="accent6">
+            <a:hueOff val="0"/>
+            <a:satOff val="0"/>
+            <a:lumOff val="0"/>
+            <a:alphaOff val="0"/>
+          </a:schemeClr>
+        </a:solidFill>
+        <a:ln w="19050" cap="flat" cmpd="sng" algn="ctr">
+          <a:solidFill>
+            <a:schemeClr val="lt1">
+              <a:hueOff val="0"/>
+              <a:satOff val="0"/>
+              <a:lumOff val="0"/>
+              <a:alphaOff val="0"/>
+            </a:schemeClr>
+          </a:solidFill>
+          <a:prstDash val="solid"/>
+        </a:ln>
+        <a:effectLst/>
+      </dsp:spPr>
+      <dsp:style>
+        <a:lnRef idx="2">
+          <a:scrgbClr r="0" g="0" b="0"/>
+        </a:lnRef>
+        <a:fillRef idx="1">
+          <a:scrgbClr r="0" g="0" b="0"/>
+        </a:fillRef>
+        <a:effectRef idx="0">
+          <a:scrgbClr r="0" g="0" b="0"/>
+        </a:effectRef>
+        <a:fontRef idx="minor">
+          <a:schemeClr val="lt1"/>
+        </a:fontRef>
+      </dsp:style>
+    </dsp:sp>
+    <dsp:sp modelId="{A912B26A-1D92-4FB1-921E-F2D7A07C27DA}">
+      <dsp:nvSpPr>
+        <dsp:cNvPr id="0" name=""/>
+        <dsp:cNvSpPr/>
+      </dsp:nvSpPr>
+      <dsp:spPr>
+        <a:xfrm>
+          <a:off x="3357971" y="2347774"/>
+          <a:ext cx="888392" cy="564129"/>
+        </a:xfrm>
+        <a:prstGeom prst="roundRect">
+          <a:avLst>
+            <a:gd name="adj" fmla="val 10000"/>
+          </a:avLst>
+        </a:prstGeom>
+        <a:solidFill>
+          <a:schemeClr val="lt1">
+            <a:alpha val="90000"/>
+            <a:hueOff val="0"/>
+            <a:satOff val="0"/>
+            <a:lumOff val="0"/>
+            <a:alphaOff val="0"/>
+          </a:schemeClr>
+        </a:solidFill>
+        <a:ln w="19050" cap="flat" cmpd="sng" algn="ctr">
+          <a:solidFill>
+            <a:schemeClr val="accent6">
+              <a:hueOff val="0"/>
+              <a:satOff val="0"/>
+              <a:lumOff val="0"/>
+              <a:alphaOff val="0"/>
+            </a:schemeClr>
+          </a:solidFill>
+          <a:prstDash val="solid"/>
+        </a:ln>
+        <a:effectLst/>
+      </dsp:spPr>
+      <dsp:style>
+        <a:lnRef idx="2">
+          <a:scrgbClr r="0" g="0" b="0"/>
+        </a:lnRef>
+        <a:fillRef idx="1">
+          <a:scrgbClr r="0" g="0" b="0"/>
+        </a:fillRef>
+        <a:effectRef idx="0">
+          <a:scrgbClr r="0" g="0" b="0"/>
+        </a:effectRef>
+        <a:fontRef idx="minor"/>
+      </dsp:style>
+      <dsp:txBody>
+        <a:bodyPr spcFirstLastPara="0" vert="horz" wrap="square" lIns="60960" tIns="60960" rIns="60960" bIns="60960" numCol="1" spcCol="1270" anchor="ctr" anchorCtr="0">
+          <a:noAutofit/>
+        </a:bodyPr>
+        <a:lstStyle/>
+        <a:p>
+          <a:pPr lvl="0" algn="ctr" defTabSz="711200">
+            <a:lnSpc>
+              <a:spcPct val="90000"/>
+            </a:lnSpc>
+            <a:spcBef>
+              <a:spcPct val="0"/>
+            </a:spcBef>
+            <a:spcAft>
+              <a:spcPct val="35000"/>
+            </a:spcAft>
+          </a:pPr>
+          <a:r>
+            <a:rPr lang="en-US" sz="1600" kern="1200" dirty="0" smtClean="0"/>
+            <a:t>Text View</a:t>
+          </a:r>
+          <a:endParaRPr lang="en-IN" sz="1600" kern="1200" dirty="0"/>
+        </a:p>
+      </dsp:txBody>
+      <dsp:txXfrm>
+        <a:off x="3357971" y="2347774"/>
+        <a:ext cx="888392" cy="564129"/>
+      </dsp:txXfrm>
+    </dsp:sp>
+    <dsp:sp modelId="{267F4A6D-6151-4A85-BFA2-039DE2284D63}">
+      <dsp:nvSpPr>
+        <dsp:cNvPr id="0" name=""/>
+        <dsp:cNvSpPr/>
+      </dsp:nvSpPr>
+      <dsp:spPr>
+        <a:xfrm>
+          <a:off x="4345074" y="2253999"/>
+          <a:ext cx="888392" cy="564129"/>
+        </a:xfrm>
+        <a:prstGeom prst="roundRect">
+          <a:avLst>
+            <a:gd name="adj" fmla="val 10000"/>
+          </a:avLst>
+        </a:prstGeom>
+        <a:solidFill>
+          <a:schemeClr val="accent6">
+            <a:hueOff val="0"/>
+            <a:satOff val="0"/>
+            <a:lumOff val="0"/>
+            <a:alphaOff val="0"/>
+          </a:schemeClr>
+        </a:solidFill>
+        <a:ln w="19050" cap="flat" cmpd="sng" algn="ctr">
+          <a:solidFill>
+            <a:schemeClr val="lt1">
+              <a:hueOff val="0"/>
+              <a:satOff val="0"/>
+              <a:lumOff val="0"/>
+              <a:alphaOff val="0"/>
+            </a:schemeClr>
+          </a:solidFill>
+          <a:prstDash val="solid"/>
+        </a:ln>
+        <a:effectLst/>
+      </dsp:spPr>
+      <dsp:style>
+        <a:lnRef idx="2">
+          <a:scrgbClr r="0" g="0" b="0"/>
+        </a:lnRef>
+        <a:fillRef idx="1">
+          <a:scrgbClr r="0" g="0" b="0"/>
+        </a:fillRef>
+        <a:effectRef idx="0">
+          <a:scrgbClr r="0" g="0" b="0"/>
+        </a:effectRef>
+        <a:fontRef idx="minor">
+          <a:schemeClr val="lt1"/>
+        </a:fontRef>
+      </dsp:style>
+    </dsp:sp>
+    <dsp:sp modelId="{A48905BF-C547-4D73-B43C-30279FB7FC7A}">
+      <dsp:nvSpPr>
+        <dsp:cNvPr id="0" name=""/>
+        <dsp:cNvSpPr/>
+      </dsp:nvSpPr>
+      <dsp:spPr>
+        <a:xfrm>
+          <a:off x="4443784" y="2347774"/>
+          <a:ext cx="888392" cy="564129"/>
+        </a:xfrm>
+        <a:prstGeom prst="roundRect">
+          <a:avLst>
+            <a:gd name="adj" fmla="val 10000"/>
+          </a:avLst>
+        </a:prstGeom>
+        <a:solidFill>
+          <a:schemeClr val="lt1">
+            <a:alpha val="90000"/>
+            <a:hueOff val="0"/>
+            <a:satOff val="0"/>
+            <a:lumOff val="0"/>
+            <a:alphaOff val="0"/>
+          </a:schemeClr>
+        </a:solidFill>
+        <a:ln w="19050" cap="flat" cmpd="sng" algn="ctr">
+          <a:solidFill>
+            <a:schemeClr val="accent6">
+              <a:hueOff val="0"/>
+              <a:satOff val="0"/>
+              <a:lumOff val="0"/>
+              <a:alphaOff val="0"/>
+            </a:schemeClr>
+          </a:solidFill>
+          <a:prstDash val="solid"/>
+        </a:ln>
+        <a:effectLst/>
+      </dsp:spPr>
+      <dsp:style>
+        <a:lnRef idx="2">
+          <a:scrgbClr r="0" g="0" b="0"/>
+        </a:lnRef>
+        <a:fillRef idx="1">
+          <a:scrgbClr r="0" g="0" b="0"/>
+        </a:fillRef>
+        <a:effectRef idx="0">
+          <a:scrgbClr r="0" g="0" b="0"/>
+        </a:effectRef>
+        <a:fontRef idx="minor"/>
+      </dsp:style>
+      <dsp:txBody>
+        <a:bodyPr spcFirstLastPara="0" vert="horz" wrap="square" lIns="60960" tIns="60960" rIns="60960" bIns="60960" numCol="1" spcCol="1270" anchor="ctr" anchorCtr="0">
+          <a:noAutofit/>
+        </a:bodyPr>
+        <a:lstStyle/>
+        <a:p>
+          <a:pPr lvl="0" algn="ctr" defTabSz="711200">
+            <a:lnSpc>
+              <a:spcPct val="90000"/>
+            </a:lnSpc>
+            <a:spcBef>
+              <a:spcPct val="0"/>
+            </a:spcBef>
+            <a:spcAft>
+              <a:spcPct val="35000"/>
+            </a:spcAft>
+          </a:pPr>
+          <a:r>
+            <a:rPr lang="en-US" sz="1600" kern="1200" dirty="0" smtClean="0"/>
+            <a:t>Edit </a:t>
+          </a:r>
+          <a:br>
+            <a:rPr lang="en-US" sz="1600" kern="1200" dirty="0" smtClean="0"/>
+          </a:br>
+          <a:r>
+            <a:rPr lang="en-US" sz="1600" kern="1200" dirty="0" smtClean="0"/>
+            <a:t>Text</a:t>
+          </a:r>
+          <a:endParaRPr lang="en-IN" sz="1600" kern="1200" dirty="0"/>
+        </a:p>
+      </dsp:txBody>
+      <dsp:txXfrm>
+        <a:off x="4443784" y="2347774"/>
+        <a:ext cx="888392" cy="564129"/>
+      </dsp:txXfrm>
+    </dsp:sp>
   </dsp:spTree>
 </dsp:drawing>
 </file>
@@ -3253,7 +4348,7 @@
             <a:fld id="{8B5B4661-7944-47B9-8CA6-261FDBE6DC57}" type="datetimeFigureOut">
               <a:rPr lang="en-US" smtClean="0"/>
               <a:pPr/>
-              <a:t>04-Oct-12</a:t>
+              <a:t>05-Oct-12</a:t>
             </a:fld>
             <a:endParaRPr lang="en-US"/>
           </a:p>
@@ -10650,8 +11745,8 @@
         </p:blipFill>
         <p:spPr bwMode="auto">
           <a:xfrm>
-            <a:off x="2133600" y="2133600"/>
-            <a:ext cx="4648200" cy="3886200"/>
+            <a:off x="914400" y="2438400"/>
+            <a:ext cx="3048000" cy="3048000"/>
           </a:xfrm>
           <a:prstGeom prst="rect">
             <a:avLst/>
@@ -27757,16 +28852,127 @@
           <a:chExt cx="0" cy="0"/>
         </a:xfrm>
       </p:grpSpPr>
+      <p:sp>
+        <p:nvSpPr>
+          <p:cNvPr id="2" name="Title 1"/>
+          <p:cNvSpPr>
+            <a:spLocks noGrp="1"/>
+          </p:cNvSpPr>
+          <p:nvPr>
+            <p:ph type="title"/>
+          </p:nvPr>
+        </p:nvSpPr>
+        <p:spPr/>
+        <p:txBody>
+          <a:bodyPr/>
+          <a:lstStyle/>
+          <a:p>
+            <a:pPr algn="ctr"/>
+            <a:r>
+              <a:rPr lang="en-US" dirty="0" smtClean="0"/>
+              <a:t>Android Marketplace</a:t>
+            </a:r>
+            <a:endParaRPr lang="en-IN" dirty="0"/>
+          </a:p>
+        </p:txBody>
+      </p:sp>
+      <p:sp>
+        <p:nvSpPr>
+          <p:cNvPr id="3" name="Date Placeholder 2"/>
+          <p:cNvSpPr>
+            <a:spLocks noGrp="1"/>
+          </p:cNvSpPr>
+          <p:nvPr>
+            <p:ph type="dt" sz="half" idx="10"/>
+          </p:nvPr>
+        </p:nvSpPr>
+        <p:spPr/>
+        <p:txBody>
+          <a:bodyPr/>
+          <a:lstStyle/>
+          <a:p>
+            <a:r>
+              <a:rPr lang="en-US" smtClean="0"/>
+              <a:t>2011-2012</a:t>
+            </a:r>
+            <a:endParaRPr lang="en-US" dirty="0"/>
+          </a:p>
+        </p:txBody>
+      </p:sp>
+      <p:sp>
+        <p:nvSpPr>
+          <p:cNvPr id="4" name="Content Placeholder 3"/>
+          <p:cNvSpPr>
+            <a:spLocks noGrp="1"/>
+          </p:cNvSpPr>
+          <p:nvPr>
+            <p:ph sz="quarter" idx="1"/>
+          </p:nvPr>
+        </p:nvSpPr>
+        <p:spPr>
+          <a:xfrm>
+            <a:off x="612648" y="1600200"/>
+            <a:ext cx="8153400" cy="1066800"/>
+          </a:xfrm>
+        </p:spPr>
+        <p:txBody>
+          <a:bodyPr/>
+          <a:lstStyle/>
+          <a:p>
+            <a:r>
+              <a:rPr lang="en-US" dirty="0" smtClean="0"/>
+              <a:t>For the Publisher – Login and visit </a:t>
+            </a:r>
+            <a:r>
+              <a:rPr lang="en-US" dirty="0" smtClean="0">
+                <a:hlinkClick r:id="rId2"/>
+              </a:rPr>
+              <a:t>https://play.google.com/apps/publish/Home</a:t>
+            </a:r>
+            <a:r>
+              <a:rPr lang="en-US" dirty="0" smtClean="0"/>
+              <a:t> </a:t>
+            </a:r>
+            <a:endParaRPr lang="en-IN" dirty="0"/>
+          </a:p>
+        </p:txBody>
+      </p:sp>
+      <p:sp>
+        <p:nvSpPr>
+          <p:cNvPr id="5" name="Slide Number Placeholder 4"/>
+          <p:cNvSpPr>
+            <a:spLocks noGrp="1"/>
+          </p:cNvSpPr>
+          <p:nvPr>
+            <p:ph type="sldNum" sz="quarter" idx="12"/>
+          </p:nvPr>
+        </p:nvSpPr>
+        <p:spPr/>
+        <p:txBody>
+          <a:bodyPr>
+            <a:normAutofit fontScale="85000" lnSpcReduction="20000"/>
+          </a:bodyPr>
+          <a:lstStyle/>
+          <a:p>
+            <a:fld id="{F2BF1754-4D2F-46D8-A35A-EF7FA01DA8F5}" type="slidenum">
+              <a:rPr lang="en-US" smtClean="0"/>
+              <a:pPr/>
+              <a:t>81</a:t>
+            </a:fld>
+            <a:endParaRPr lang="en-US" dirty="0"/>
+          </a:p>
+        </p:txBody>
+      </p:sp>
       <p:pic>
         <p:nvPicPr>
-          <p:cNvPr id="101378" name="Picture 2"/>
+          <p:cNvPr id="1026" name="Picture 2"/>
           <p:cNvPicPr>
             <a:picLocks noChangeAspect="1" noChangeArrowheads="1"/>
           </p:cNvPicPr>
           <p:nvPr/>
         </p:nvPicPr>
         <p:blipFill>
-          <a:blip r:embed="rId2" cstate="print"/>
+          <a:blip r:embed="rId3" cstate="print"/>
           <a:srcRect/>
           <a:stretch>
             <a:fillRect/>
@@ -27774,8 +28980,8 @@
         </p:blipFill>
         <p:spPr bwMode="auto">
           <a:xfrm>
-            <a:off x="1371600" y="2667000"/>
-            <a:ext cx="6248400" cy="3528325"/>
+            <a:off x="1219200" y="2667000"/>
+            <a:ext cx="6505575" cy="3573675"/>
           </a:xfrm>
           <a:prstGeom prst="rect">
             <a:avLst/>
@@ -27789,117 +28995,6 @@
           </a:ln>
         </p:spPr>
       </p:pic>
-      <p:sp>
-        <p:nvSpPr>
-          <p:cNvPr id="2" name="Title 1"/>
-          <p:cNvSpPr>
-            <a:spLocks noGrp="1"/>
-          </p:cNvSpPr>
-          <p:nvPr>
-            <p:ph type="title"/>
-          </p:nvPr>
-        </p:nvSpPr>
-        <p:spPr/>
-        <p:txBody>
-          <a:bodyPr/>
-          <a:lstStyle/>
-          <a:p>
-            <a:pPr algn="ctr"/>
-            <a:r>
-              <a:rPr lang="en-US" dirty="0" smtClean="0"/>
-              <a:t>Android Marketplace</a:t>
-            </a:r>
-            <a:endParaRPr lang="en-IN" dirty="0"/>
-          </a:p>
-        </p:txBody>
-      </p:sp>
-      <p:sp>
-        <p:nvSpPr>
-          <p:cNvPr id="3" name="Date Placeholder 2"/>
-          <p:cNvSpPr>
-            <a:spLocks noGrp="1"/>
-          </p:cNvSpPr>
-          <p:nvPr>
-            <p:ph type="dt" sz="half" idx="10"/>
-          </p:nvPr>
-        </p:nvSpPr>
-        <p:spPr/>
-        <p:txBody>
-          <a:bodyPr/>
-          <a:lstStyle/>
-          <a:p>
-            <a:r>
-              <a:rPr lang="en-US" smtClean="0"/>
-              <a:t>2011-2012</a:t>
-            </a:r>
-            <a:endParaRPr lang="en-US" dirty="0"/>
-          </a:p>
-        </p:txBody>
-      </p:sp>
-      <p:sp>
-        <p:nvSpPr>
-          <p:cNvPr id="4" name="Content Placeholder 3"/>
-          <p:cNvSpPr>
-            <a:spLocks noGrp="1"/>
-          </p:cNvSpPr>
-          <p:nvPr>
-            <p:ph sz="quarter" idx="1"/>
-          </p:nvPr>
-        </p:nvSpPr>
-        <p:spPr>
-          <a:xfrm>
-            <a:off x="612648" y="1600200"/>
-            <a:ext cx="8153400" cy="1066800"/>
-          </a:xfrm>
-        </p:spPr>
-        <p:txBody>
-          <a:bodyPr/>
-          <a:lstStyle/>
-          <a:p>
-            <a:r>
-              <a:rPr lang="en-US" dirty="0" smtClean="0"/>
-              <a:t>For the Publisher – Login and visit </a:t>
-            </a:r>
-            <a:r>
-              <a:rPr lang="en-US" dirty="0" smtClean="0">
-                <a:hlinkClick r:id="rId3"/>
-              </a:rPr>
-              <a:t>https://play.google.com/apps/publish/Home</a:t>
-            </a:r>
-            <a:r>
-              <a:rPr lang="en-US" dirty="0" smtClean="0"/>
-              <a:t> </a:t>
-            </a:r>
-            <a:endParaRPr lang="en-IN" dirty="0"/>
-          </a:p>
-        </p:txBody>
-      </p:sp>
-      <p:sp>
-        <p:nvSpPr>
-          <p:cNvPr id="5" name="Slide Number Placeholder 4"/>
-          <p:cNvSpPr>
-            <a:spLocks noGrp="1"/>
-          </p:cNvSpPr>
-          <p:nvPr>
-            <p:ph type="sldNum" sz="quarter" idx="12"/>
-          </p:nvPr>
-        </p:nvSpPr>
-        <p:spPr/>
-        <p:txBody>
-          <a:bodyPr>
-            <a:normAutofit fontScale="85000" lnSpcReduction="20000"/>
-          </a:bodyPr>
-          <a:lstStyle/>
-          <a:p>
-            <a:fld id="{F2BF1754-4D2F-46D8-A35A-EF7FA01DA8F5}" type="slidenum">
-              <a:rPr lang="en-US" smtClean="0"/>
-              <a:pPr/>
-              <a:t>81</a:t>
-            </a:fld>
-            <a:endParaRPr lang="en-US" dirty="0"/>
-          </a:p>
-        </p:txBody>
-      </p:sp>
     </p:spTree>
   </p:cSld>
   <p:clrMapOvr>
@@ -28410,15 +29505,12 @@
           </a:p>
           <a:p>
             <a:r>
-              <a:rPr lang="en-US" b="1" dirty="0" smtClean="0"/>
-              <a:t>Hands On Exercise : Build the APK : ex15.docx</a:t>
-            </a:r>
-            <a:endParaRPr lang="en-US" dirty="0" smtClean="0"/>
-          </a:p>
-          <a:p>
-            <a:r>
-              <a:rPr lang="en-US" dirty="0" smtClean="0"/>
-              <a:t>Provide 2 screenshots</a:t>
+              <a:rPr lang="en-US" dirty="0" smtClean="0"/>
+              <a:t>Provide </a:t>
+            </a:r>
+            <a:r>
+              <a:rPr lang="en-US" dirty="0" smtClean="0"/>
+              <a:t>2 screenshots</a:t>
             </a:r>
           </a:p>
           <a:p>
@@ -29244,11 +30336,7 @@
           <a:p>
             <a:r>
               <a:rPr lang="en-US" sz="1600" dirty="0" smtClean="0"/>
-              <a:t>October 1, </a:t>
-            </a:r>
-            <a:r>
-              <a:rPr lang="en-US" sz="1600" dirty="0" smtClean="0"/>
-              <a:t>2012 : </a:t>
+              <a:t>October 1, 2012 : </a:t>
             </a:r>
             <a:r>
               <a:rPr lang="en-IN" sz="1600" dirty="0" smtClean="0">
@@ -29417,11 +30505,7 @@
           <a:p>
             <a:r>
               <a:rPr lang="en-US" sz="3200" b="1" dirty="0" smtClean="0"/>
-              <a:t>~ </a:t>
-            </a:r>
-            <a:r>
-              <a:rPr lang="en-US" sz="3200" b="1" dirty="0" smtClean="0"/>
-              <a:t>72%</a:t>
+              <a:t>~ 72%</a:t>
             </a:r>
             <a:endParaRPr lang="en-IN" sz="3200" b="1" dirty="0"/>
           </a:p>
@@ -29451,11 +30535,7 @@
           <a:p>
             <a:r>
               <a:rPr lang="en-US" sz="3200" b="1" dirty="0" smtClean="0"/>
-              <a:t>~ </a:t>
-            </a:r>
-            <a:r>
-              <a:rPr lang="en-US" sz="3200" b="1" dirty="0" smtClean="0"/>
-              <a:t>25%</a:t>
+              <a:t>~ 25%</a:t>
             </a:r>
             <a:endParaRPr lang="en-IN" sz="3200" b="1" dirty="0"/>
           </a:p>
